--- a/nyc_aging_extra_slides.pptx
+++ b/nyc_aging_extra_slides.pptx
@@ -5,25 +5,36 @@
     <p:sldMasterId id="2147483710" r:id="rId1"/>
   </p:sldMasterIdLst>
   <p:notesMasterIdLst>
-    <p:notesMasterId r:id="rId3"/>
+    <p:notesMasterId r:id="rId7"/>
   </p:notesMasterIdLst>
   <p:sldIdLst>
     <p:sldId id="341" r:id="rId2"/>
+    <p:sldId id="351" r:id="rId3"/>
+    <p:sldId id="369" r:id="rId4"/>
+    <p:sldId id="364" r:id="rId5"/>
+    <p:sldId id="373" r:id="rId6"/>
   </p:sldIdLst>
   <p:sldSz cx="9144000" cy="5143500" type="screen16x9"/>
   <p:notesSz cx="6858000" cy="9144000"/>
   <p:embeddedFontLst>
     <p:embeddedFont>
       <p:font typeface="Didact Gothic" pitchFamily="2" charset="0"/>
-      <p:regular r:id="rId4"/>
+      <p:regular r:id="rId8"/>
     </p:embeddedFont>
     <p:embeddedFont>
       <p:font typeface="Julius Sans One" panose="02000000000000000000" pitchFamily="2" charset="77"/>
-      <p:regular r:id="rId5"/>
+      <p:regular r:id="rId9"/>
+    </p:embeddedFont>
+    <p:embeddedFont>
+      <p:font typeface="Montserrat" pitchFamily="2" charset="77"/>
+      <p:regular r:id="rId10"/>
+      <p:bold r:id="rId11"/>
+      <p:italic r:id="rId12"/>
+      <p:boldItalic r:id="rId13"/>
     </p:embeddedFont>
     <p:embeddedFont>
       <p:font typeface="Questrial" pitchFamily="2" charset="77"/>
-      <p:regular r:id="rId6"/>
+      <p:regular r:id="rId14"/>
     </p:embeddedFont>
   </p:embeddedFontLst>
   <p:defaultTextStyle>
@@ -715,6 +726,333 @@
 </p:notesMaster>
 </file>
 
+<file path=ppt/notesSlides/notesSlide1.xml><?xml version="1.0" encoding="utf-8"?>
+<p:notes xmlns:a="http://schemas.openxmlformats.org/drawingml/2006/main" xmlns:r="http://schemas.openxmlformats.org/officeDocument/2006/relationships" xmlns:p="http://schemas.openxmlformats.org/presentationml/2006/main" showMasterSp="0" showMasterPhAnim="0">
+  <p:cSld>
+    <p:spTree>
+      <p:nvGrpSpPr>
+        <p:cNvPr id="1" name="Shape 701"/>
+        <p:cNvGrpSpPr/>
+        <p:nvPr/>
+      </p:nvGrpSpPr>
+      <p:grpSpPr>
+        <a:xfrm>
+          <a:off x="0" y="0"/>
+          <a:ext cx="0" cy="0"/>
+          <a:chOff x="0" y="0"/>
+          <a:chExt cx="0" cy="0"/>
+        </a:xfrm>
+      </p:grpSpPr>
+      <p:sp>
+        <p:nvSpPr>
+          <p:cNvPr id="702" name="Google Shape;702;ga1249ffcf0_1_40:notes"/>
+          <p:cNvSpPr>
+            <a:spLocks noGrp="1" noRot="1" noChangeAspect="1"/>
+          </p:cNvSpPr>
+          <p:nvPr>
+            <p:ph type="sldImg" idx="2"/>
+          </p:nvPr>
+        </p:nvSpPr>
+        <p:spPr>
+          <a:xfrm>
+            <a:off x="381000" y="685800"/>
+            <a:ext cx="6096000" cy="3429000"/>
+          </a:xfrm>
+          <a:custGeom>
+            <a:avLst/>
+            <a:gdLst/>
+            <a:ahLst/>
+            <a:cxnLst/>
+            <a:rect l="l" t="t" r="r" b="b"/>
+            <a:pathLst>
+              <a:path w="120000" h="120000" extrusionOk="0">
+                <a:moveTo>
+                  <a:pt x="0" y="0"/>
+                </a:moveTo>
+                <a:lnTo>
+                  <a:pt x="120000" y="0"/>
+                </a:lnTo>
+                <a:lnTo>
+                  <a:pt x="120000" y="120000"/>
+                </a:lnTo>
+                <a:lnTo>
+                  <a:pt x="0" y="120000"/>
+                </a:lnTo>
+                <a:close/>
+              </a:path>
+            </a:pathLst>
+          </a:custGeom>
+        </p:spPr>
+      </p:sp>
+      <p:sp>
+        <p:nvSpPr>
+          <p:cNvPr id="703" name="Google Shape;703;ga1249ffcf0_1_40:notes"/>
+          <p:cNvSpPr txBox="1">
+            <a:spLocks noGrp="1"/>
+          </p:cNvSpPr>
+          <p:nvPr>
+            <p:ph type="body" idx="1"/>
+          </p:nvPr>
+        </p:nvSpPr>
+        <p:spPr>
+          <a:xfrm>
+            <a:off x="685800" y="4343400"/>
+            <a:ext cx="5486400" cy="4114800"/>
+          </a:xfrm>
+          <a:prstGeom prst="rect">
+            <a:avLst/>
+          </a:prstGeom>
+        </p:spPr>
+        <p:txBody>
+          <a:bodyPr spcFirstLastPara="1" wrap="square" lIns="91425" tIns="91425" rIns="91425" bIns="91425" anchor="t" anchorCtr="0">
+            <a:noAutofit/>
+          </a:bodyPr>
+          <a:lstStyle/>
+          <a:p>
+            <a:pPr marL="0" lvl="0" indent="0" algn="l" rtl="0">
+              <a:spcBef>
+                <a:spcPts val="0"/>
+              </a:spcBef>
+              <a:spcAft>
+                <a:spcPts val="0"/>
+              </a:spcAft>
+              <a:buNone/>
+            </a:pPr>
+            <a:endParaRPr dirty="0"/>
+          </a:p>
+        </p:txBody>
+      </p:sp>
+    </p:spTree>
+    <p:extLst>
+      <p:ext uri="{BB962C8B-B14F-4D97-AF65-F5344CB8AC3E}">
+        <p14:creationId xmlns:p14="http://schemas.microsoft.com/office/powerpoint/2010/main" val="3434150057"/>
+      </p:ext>
+    </p:extLst>
+  </p:cSld>
+  <p:clrMapOvr>
+    <a:masterClrMapping/>
+  </p:clrMapOvr>
+</p:notes>
+</file>
+
+<file path=ppt/notesSlides/notesSlide2.xml><?xml version="1.0" encoding="utf-8"?>
+<p:notes xmlns:a="http://schemas.openxmlformats.org/drawingml/2006/main" xmlns:r="http://schemas.openxmlformats.org/officeDocument/2006/relationships" xmlns:p="http://schemas.openxmlformats.org/presentationml/2006/main" showMasterSp="0" showMasterPhAnim="0">
+  <p:cSld>
+    <p:spTree>
+      <p:nvGrpSpPr>
+        <p:cNvPr id="1" name="Shape 701"/>
+        <p:cNvGrpSpPr/>
+        <p:nvPr/>
+      </p:nvGrpSpPr>
+      <p:grpSpPr>
+        <a:xfrm>
+          <a:off x="0" y="0"/>
+          <a:ext cx="0" cy="0"/>
+          <a:chOff x="0" y="0"/>
+          <a:chExt cx="0" cy="0"/>
+        </a:xfrm>
+      </p:grpSpPr>
+      <p:sp>
+        <p:nvSpPr>
+          <p:cNvPr id="702" name="Google Shape;702;ga1249ffcf0_1_40:notes"/>
+          <p:cNvSpPr>
+            <a:spLocks noGrp="1" noRot="1" noChangeAspect="1"/>
+          </p:cNvSpPr>
+          <p:nvPr>
+            <p:ph type="sldImg" idx="2"/>
+          </p:nvPr>
+        </p:nvSpPr>
+        <p:spPr>
+          <a:xfrm>
+            <a:off x="381000" y="685800"/>
+            <a:ext cx="6096000" cy="3429000"/>
+          </a:xfrm>
+          <a:custGeom>
+            <a:avLst/>
+            <a:gdLst/>
+            <a:ahLst/>
+            <a:cxnLst/>
+            <a:rect l="l" t="t" r="r" b="b"/>
+            <a:pathLst>
+              <a:path w="120000" h="120000" extrusionOk="0">
+                <a:moveTo>
+                  <a:pt x="0" y="0"/>
+                </a:moveTo>
+                <a:lnTo>
+                  <a:pt x="120000" y="0"/>
+                </a:lnTo>
+                <a:lnTo>
+                  <a:pt x="120000" y="120000"/>
+                </a:lnTo>
+                <a:lnTo>
+                  <a:pt x="0" y="120000"/>
+                </a:lnTo>
+                <a:close/>
+              </a:path>
+            </a:pathLst>
+          </a:custGeom>
+        </p:spPr>
+      </p:sp>
+      <p:sp>
+        <p:nvSpPr>
+          <p:cNvPr id="703" name="Google Shape;703;ga1249ffcf0_1_40:notes"/>
+          <p:cNvSpPr txBox="1">
+            <a:spLocks noGrp="1"/>
+          </p:cNvSpPr>
+          <p:nvPr>
+            <p:ph type="body" idx="1"/>
+          </p:nvPr>
+        </p:nvSpPr>
+        <p:spPr>
+          <a:xfrm>
+            <a:off x="685800" y="4343400"/>
+            <a:ext cx="5486400" cy="4114800"/>
+          </a:xfrm>
+          <a:prstGeom prst="rect">
+            <a:avLst/>
+          </a:prstGeom>
+        </p:spPr>
+        <p:txBody>
+          <a:bodyPr spcFirstLastPara="1" wrap="square" lIns="91425" tIns="91425" rIns="91425" bIns="91425" anchor="t" anchorCtr="0">
+            <a:noAutofit/>
+          </a:bodyPr>
+          <a:lstStyle/>
+          <a:p>
+            <a:pPr marL="0" lvl="0" indent="0" algn="l" rtl="0">
+              <a:spcBef>
+                <a:spcPts val="0"/>
+              </a:spcBef>
+              <a:spcAft>
+                <a:spcPts val="0"/>
+              </a:spcAft>
+              <a:buNone/>
+            </a:pPr>
+            <a:endParaRPr/>
+          </a:p>
+        </p:txBody>
+      </p:sp>
+    </p:spTree>
+    <p:extLst>
+      <p:ext uri="{BB962C8B-B14F-4D97-AF65-F5344CB8AC3E}">
+        <p14:creationId xmlns:p14="http://schemas.microsoft.com/office/powerpoint/2010/main" val="309293698"/>
+      </p:ext>
+    </p:extLst>
+  </p:cSld>
+  <p:clrMapOvr>
+    <a:masterClrMapping/>
+  </p:clrMapOvr>
+</p:notes>
+</file>
+
+<file path=ppt/notesSlides/notesSlide3.xml><?xml version="1.0" encoding="utf-8"?>
+<p:notes xmlns:a="http://schemas.openxmlformats.org/drawingml/2006/main" xmlns:r="http://schemas.openxmlformats.org/officeDocument/2006/relationships" xmlns:p="http://schemas.openxmlformats.org/presentationml/2006/main" showMasterSp="0" showMasterPhAnim="0">
+  <p:cSld>
+    <p:spTree>
+      <p:nvGrpSpPr>
+        <p:cNvPr id="1" name="Shape 1329"/>
+        <p:cNvGrpSpPr/>
+        <p:nvPr/>
+      </p:nvGrpSpPr>
+      <p:grpSpPr>
+        <a:xfrm>
+          <a:off x="0" y="0"/>
+          <a:ext cx="0" cy="0"/>
+          <a:chOff x="0" y="0"/>
+          <a:chExt cx="0" cy="0"/>
+        </a:xfrm>
+      </p:grpSpPr>
+      <p:sp>
+        <p:nvSpPr>
+          <p:cNvPr id="1330" name="Google Shape;1330;ga1249ffcf0_1_178:notes"/>
+          <p:cNvSpPr>
+            <a:spLocks noGrp="1" noRot="1" noChangeAspect="1"/>
+          </p:cNvSpPr>
+          <p:nvPr>
+            <p:ph type="sldImg" idx="2"/>
+          </p:nvPr>
+        </p:nvSpPr>
+        <p:spPr>
+          <a:xfrm>
+            <a:off x="381000" y="685800"/>
+            <a:ext cx="6096000" cy="3429000"/>
+          </a:xfrm>
+          <a:custGeom>
+            <a:avLst/>
+            <a:gdLst/>
+            <a:ahLst/>
+            <a:cxnLst/>
+            <a:rect l="l" t="t" r="r" b="b"/>
+            <a:pathLst>
+              <a:path w="120000" h="120000" extrusionOk="0">
+                <a:moveTo>
+                  <a:pt x="0" y="0"/>
+                </a:moveTo>
+                <a:lnTo>
+                  <a:pt x="120000" y="0"/>
+                </a:lnTo>
+                <a:lnTo>
+                  <a:pt x="120000" y="120000"/>
+                </a:lnTo>
+                <a:lnTo>
+                  <a:pt x="0" y="120000"/>
+                </a:lnTo>
+                <a:close/>
+              </a:path>
+            </a:pathLst>
+          </a:custGeom>
+        </p:spPr>
+      </p:sp>
+      <p:sp>
+        <p:nvSpPr>
+          <p:cNvPr id="1331" name="Google Shape;1331;ga1249ffcf0_1_178:notes"/>
+          <p:cNvSpPr txBox="1">
+            <a:spLocks noGrp="1"/>
+          </p:cNvSpPr>
+          <p:nvPr>
+            <p:ph type="body" idx="1"/>
+          </p:nvPr>
+        </p:nvSpPr>
+        <p:spPr>
+          <a:xfrm>
+            <a:off x="685800" y="4343400"/>
+            <a:ext cx="5486400" cy="4114800"/>
+          </a:xfrm>
+          <a:prstGeom prst="rect">
+            <a:avLst/>
+          </a:prstGeom>
+        </p:spPr>
+        <p:txBody>
+          <a:bodyPr spcFirstLastPara="1" wrap="square" lIns="91425" tIns="91425" rIns="91425" bIns="91425" anchor="t" anchorCtr="0">
+            <a:noAutofit/>
+          </a:bodyPr>
+          <a:lstStyle/>
+          <a:p>
+            <a:pPr marL="0" lvl="0" indent="0" algn="l" rtl="0">
+              <a:spcBef>
+                <a:spcPts val="0"/>
+              </a:spcBef>
+              <a:spcAft>
+                <a:spcPts val="0"/>
+              </a:spcAft>
+              <a:buNone/>
+            </a:pPr>
+            <a:endParaRPr/>
+          </a:p>
+        </p:txBody>
+      </p:sp>
+    </p:spTree>
+    <p:extLst>
+      <p:ext uri="{BB962C8B-B14F-4D97-AF65-F5344CB8AC3E}">
+        <p14:creationId xmlns:p14="http://schemas.microsoft.com/office/powerpoint/2010/main" val="2423628286"/>
+      </p:ext>
+    </p:extLst>
+  </p:cSld>
+  <p:clrMapOvr>
+    <a:masterClrMapping/>
+  </p:clrMapOvr>
+</p:notes>
+</file>
+
 <file path=ppt/slideLayouts/slideLayout1.xml><?xml version="1.0" encoding="utf-8"?>
 <p:sldLayout xmlns:a="http://schemas.openxmlformats.org/drawingml/2006/main" xmlns:r="http://schemas.openxmlformats.org/officeDocument/2006/relationships" xmlns:p="http://schemas.openxmlformats.org/presentationml/2006/main" matchingName="Solo título " type="titleOnly">
   <p:cSld name="TITLE_ONLY">
@@ -5125,6 +5463,2060 @@
 </p:sldLayout>
 </file>
 
+<file path=ppt/slideLayouts/slideLayout8.xml><?xml version="1.0" encoding="utf-8"?>
+<p:sldLayout xmlns:a="http://schemas.openxmlformats.org/drawingml/2006/main" xmlns:r="http://schemas.openxmlformats.org/officeDocument/2006/relationships" xmlns:p="http://schemas.openxmlformats.org/presentationml/2006/main" matchingName="Title and four columns 1">
+  <p:cSld name="Title and four columns 1">
+    <p:bg>
+      <p:bgPr>
+        <a:solidFill>
+          <a:schemeClr val="accent5"/>
+        </a:solidFill>
+        <a:effectLst/>
+      </p:bgPr>
+    </p:bg>
+    <p:spTree>
+      <p:nvGrpSpPr>
+        <p:cNvPr id="1" name="Shape 198"/>
+        <p:cNvGrpSpPr/>
+        <p:nvPr/>
+      </p:nvGrpSpPr>
+      <p:grpSpPr>
+        <a:xfrm>
+          <a:off x="0" y="0"/>
+          <a:ext cx="0" cy="0"/>
+          <a:chOff x="0" y="0"/>
+          <a:chExt cx="0" cy="0"/>
+        </a:xfrm>
+      </p:grpSpPr>
+      <p:sp>
+        <p:nvSpPr>
+          <p:cNvPr id="199" name="Google Shape;199;p30"/>
+          <p:cNvSpPr txBox="1">
+            <a:spLocks noGrp="1"/>
+          </p:cNvSpPr>
+          <p:nvPr>
+            <p:ph type="title"/>
+          </p:nvPr>
+        </p:nvSpPr>
+        <p:spPr>
+          <a:xfrm>
+            <a:off x="1383600" y="2307450"/>
+            <a:ext cx="6376800" cy="528600"/>
+          </a:xfrm>
+          <a:prstGeom prst="rect">
+            <a:avLst/>
+          </a:prstGeom>
+        </p:spPr>
+        <p:txBody>
+          <a:bodyPr spcFirstLastPara="1" wrap="square" lIns="91425" tIns="91425" rIns="91425" bIns="91425" anchor="t" anchorCtr="0">
+            <a:noAutofit/>
+          </a:bodyPr>
+          <a:lstStyle>
+            <a:lvl1pPr lvl="0" algn="ctr" rtl="0">
+              <a:spcBef>
+                <a:spcPts val="0"/>
+              </a:spcBef>
+              <a:spcAft>
+                <a:spcPts val="0"/>
+              </a:spcAft>
+              <a:buClr>
+                <a:schemeClr val="dk1"/>
+              </a:buClr>
+              <a:buSzPts val="2700"/>
+              <a:buNone/>
+              <a:defRPr sz="3000" b="1">
+                <a:solidFill>
+                  <a:schemeClr val="dk1"/>
+                </a:solidFill>
+              </a:defRPr>
+            </a:lvl1pPr>
+            <a:lvl2pPr lvl="1" rtl="0">
+              <a:spcBef>
+                <a:spcPts val="0"/>
+              </a:spcBef>
+              <a:spcAft>
+                <a:spcPts val="0"/>
+              </a:spcAft>
+              <a:buClr>
+                <a:schemeClr val="dk1"/>
+              </a:buClr>
+              <a:buSzPts val="3000"/>
+              <a:buNone/>
+              <a:defRPr b="1">
+                <a:solidFill>
+                  <a:schemeClr val="dk1"/>
+                </a:solidFill>
+              </a:defRPr>
+            </a:lvl2pPr>
+            <a:lvl3pPr lvl="2" rtl="0">
+              <a:spcBef>
+                <a:spcPts val="0"/>
+              </a:spcBef>
+              <a:spcAft>
+                <a:spcPts val="0"/>
+              </a:spcAft>
+              <a:buClr>
+                <a:schemeClr val="dk1"/>
+              </a:buClr>
+              <a:buSzPts val="3000"/>
+              <a:buNone/>
+              <a:defRPr b="1">
+                <a:solidFill>
+                  <a:schemeClr val="dk1"/>
+                </a:solidFill>
+              </a:defRPr>
+            </a:lvl3pPr>
+            <a:lvl4pPr lvl="3" rtl="0">
+              <a:spcBef>
+                <a:spcPts val="0"/>
+              </a:spcBef>
+              <a:spcAft>
+                <a:spcPts val="0"/>
+              </a:spcAft>
+              <a:buClr>
+                <a:schemeClr val="dk1"/>
+              </a:buClr>
+              <a:buSzPts val="3000"/>
+              <a:buNone/>
+              <a:defRPr b="1">
+                <a:solidFill>
+                  <a:schemeClr val="dk1"/>
+                </a:solidFill>
+              </a:defRPr>
+            </a:lvl4pPr>
+            <a:lvl5pPr lvl="4" rtl="0">
+              <a:spcBef>
+                <a:spcPts val="0"/>
+              </a:spcBef>
+              <a:spcAft>
+                <a:spcPts val="0"/>
+              </a:spcAft>
+              <a:buClr>
+                <a:schemeClr val="dk1"/>
+              </a:buClr>
+              <a:buSzPts val="3000"/>
+              <a:buNone/>
+              <a:defRPr b="1">
+                <a:solidFill>
+                  <a:schemeClr val="dk1"/>
+                </a:solidFill>
+              </a:defRPr>
+            </a:lvl5pPr>
+            <a:lvl6pPr lvl="5" rtl="0">
+              <a:spcBef>
+                <a:spcPts val="0"/>
+              </a:spcBef>
+              <a:spcAft>
+                <a:spcPts val="0"/>
+              </a:spcAft>
+              <a:buClr>
+                <a:schemeClr val="dk1"/>
+              </a:buClr>
+              <a:buSzPts val="3000"/>
+              <a:buNone/>
+              <a:defRPr b="1">
+                <a:solidFill>
+                  <a:schemeClr val="dk1"/>
+                </a:solidFill>
+              </a:defRPr>
+            </a:lvl6pPr>
+            <a:lvl7pPr lvl="6" rtl="0">
+              <a:spcBef>
+                <a:spcPts val="0"/>
+              </a:spcBef>
+              <a:spcAft>
+                <a:spcPts val="0"/>
+              </a:spcAft>
+              <a:buClr>
+                <a:schemeClr val="dk1"/>
+              </a:buClr>
+              <a:buSzPts val="3000"/>
+              <a:buNone/>
+              <a:defRPr b="1">
+                <a:solidFill>
+                  <a:schemeClr val="dk1"/>
+                </a:solidFill>
+              </a:defRPr>
+            </a:lvl7pPr>
+            <a:lvl8pPr lvl="7" rtl="0">
+              <a:spcBef>
+                <a:spcPts val="0"/>
+              </a:spcBef>
+              <a:spcAft>
+                <a:spcPts val="0"/>
+              </a:spcAft>
+              <a:buClr>
+                <a:schemeClr val="dk1"/>
+              </a:buClr>
+              <a:buSzPts val="3000"/>
+              <a:buNone/>
+              <a:defRPr b="1">
+                <a:solidFill>
+                  <a:schemeClr val="dk1"/>
+                </a:solidFill>
+              </a:defRPr>
+            </a:lvl8pPr>
+            <a:lvl9pPr lvl="8" rtl="0">
+              <a:spcBef>
+                <a:spcPts val="0"/>
+              </a:spcBef>
+              <a:spcAft>
+                <a:spcPts val="0"/>
+              </a:spcAft>
+              <a:buClr>
+                <a:schemeClr val="dk1"/>
+              </a:buClr>
+              <a:buSzPts val="3000"/>
+              <a:buNone/>
+              <a:defRPr b="1">
+                <a:solidFill>
+                  <a:schemeClr val="dk1"/>
+                </a:solidFill>
+              </a:defRPr>
+            </a:lvl9pPr>
+          </a:lstStyle>
+          <a:p>
+            <a:endParaRPr/>
+          </a:p>
+        </p:txBody>
+      </p:sp>
+      <p:sp>
+        <p:nvSpPr>
+          <p:cNvPr id="200" name="Google Shape;200;p30"/>
+          <p:cNvSpPr txBox="1">
+            <a:spLocks noGrp="1"/>
+          </p:cNvSpPr>
+          <p:nvPr>
+            <p:ph type="title" idx="2"/>
+          </p:nvPr>
+        </p:nvSpPr>
+        <p:spPr>
+          <a:xfrm>
+            <a:off x="1120875" y="899475"/>
+            <a:ext cx="1959300" cy="333900"/>
+          </a:xfrm>
+          <a:prstGeom prst="rect">
+            <a:avLst/>
+          </a:prstGeom>
+        </p:spPr>
+        <p:txBody>
+          <a:bodyPr spcFirstLastPara="1" wrap="square" lIns="91425" tIns="91425" rIns="91425" bIns="91425" anchor="ctr" anchorCtr="0">
+            <a:noAutofit/>
+          </a:bodyPr>
+          <a:lstStyle>
+            <a:lvl1pPr lvl="0" algn="ctr" rtl="0">
+              <a:spcBef>
+                <a:spcPts val="0"/>
+              </a:spcBef>
+              <a:spcAft>
+                <a:spcPts val="0"/>
+              </a:spcAft>
+              <a:buClr>
+                <a:schemeClr val="dk1"/>
+              </a:buClr>
+              <a:buSzPts val="1800"/>
+              <a:buNone/>
+              <a:defRPr sz="1800" b="1">
+                <a:solidFill>
+                  <a:schemeClr val="dk1"/>
+                </a:solidFill>
+              </a:defRPr>
+            </a:lvl1pPr>
+            <a:lvl2pPr lvl="1" algn="ctr" rtl="0">
+              <a:spcBef>
+                <a:spcPts val="0"/>
+              </a:spcBef>
+              <a:spcAft>
+                <a:spcPts val="0"/>
+              </a:spcAft>
+              <a:buClr>
+                <a:schemeClr val="dk1"/>
+              </a:buClr>
+              <a:buSzPts val="1800"/>
+              <a:buNone/>
+              <a:defRPr sz="1800">
+                <a:solidFill>
+                  <a:schemeClr val="dk1"/>
+                </a:solidFill>
+              </a:defRPr>
+            </a:lvl2pPr>
+            <a:lvl3pPr lvl="2" algn="ctr" rtl="0">
+              <a:spcBef>
+                <a:spcPts val="0"/>
+              </a:spcBef>
+              <a:spcAft>
+                <a:spcPts val="0"/>
+              </a:spcAft>
+              <a:buClr>
+                <a:schemeClr val="dk1"/>
+              </a:buClr>
+              <a:buSzPts val="1800"/>
+              <a:buNone/>
+              <a:defRPr sz="1800">
+                <a:solidFill>
+                  <a:schemeClr val="dk1"/>
+                </a:solidFill>
+              </a:defRPr>
+            </a:lvl3pPr>
+            <a:lvl4pPr lvl="3" algn="ctr" rtl="0">
+              <a:spcBef>
+                <a:spcPts val="0"/>
+              </a:spcBef>
+              <a:spcAft>
+                <a:spcPts val="0"/>
+              </a:spcAft>
+              <a:buClr>
+                <a:schemeClr val="dk1"/>
+              </a:buClr>
+              <a:buSzPts val="1800"/>
+              <a:buNone/>
+              <a:defRPr sz="1800">
+                <a:solidFill>
+                  <a:schemeClr val="dk1"/>
+                </a:solidFill>
+              </a:defRPr>
+            </a:lvl4pPr>
+            <a:lvl5pPr lvl="4" algn="ctr" rtl="0">
+              <a:spcBef>
+                <a:spcPts val="0"/>
+              </a:spcBef>
+              <a:spcAft>
+                <a:spcPts val="0"/>
+              </a:spcAft>
+              <a:buClr>
+                <a:schemeClr val="dk1"/>
+              </a:buClr>
+              <a:buSzPts val="1800"/>
+              <a:buNone/>
+              <a:defRPr sz="1800">
+                <a:solidFill>
+                  <a:schemeClr val="dk1"/>
+                </a:solidFill>
+              </a:defRPr>
+            </a:lvl5pPr>
+            <a:lvl6pPr lvl="5" algn="ctr" rtl="0">
+              <a:spcBef>
+                <a:spcPts val="0"/>
+              </a:spcBef>
+              <a:spcAft>
+                <a:spcPts val="0"/>
+              </a:spcAft>
+              <a:buClr>
+                <a:schemeClr val="dk1"/>
+              </a:buClr>
+              <a:buSzPts val="1800"/>
+              <a:buNone/>
+              <a:defRPr sz="1800">
+                <a:solidFill>
+                  <a:schemeClr val="dk1"/>
+                </a:solidFill>
+              </a:defRPr>
+            </a:lvl6pPr>
+            <a:lvl7pPr lvl="6" algn="ctr" rtl="0">
+              <a:spcBef>
+                <a:spcPts val="0"/>
+              </a:spcBef>
+              <a:spcAft>
+                <a:spcPts val="0"/>
+              </a:spcAft>
+              <a:buClr>
+                <a:schemeClr val="dk1"/>
+              </a:buClr>
+              <a:buSzPts val="1800"/>
+              <a:buNone/>
+              <a:defRPr sz="1800">
+                <a:solidFill>
+                  <a:schemeClr val="dk1"/>
+                </a:solidFill>
+              </a:defRPr>
+            </a:lvl7pPr>
+            <a:lvl8pPr lvl="7" algn="ctr" rtl="0">
+              <a:spcBef>
+                <a:spcPts val="0"/>
+              </a:spcBef>
+              <a:spcAft>
+                <a:spcPts val="0"/>
+              </a:spcAft>
+              <a:buClr>
+                <a:schemeClr val="dk1"/>
+              </a:buClr>
+              <a:buSzPts val="1800"/>
+              <a:buNone/>
+              <a:defRPr sz="1800">
+                <a:solidFill>
+                  <a:schemeClr val="dk1"/>
+                </a:solidFill>
+              </a:defRPr>
+            </a:lvl8pPr>
+            <a:lvl9pPr lvl="8" algn="ctr" rtl="0">
+              <a:spcBef>
+                <a:spcPts val="0"/>
+              </a:spcBef>
+              <a:spcAft>
+                <a:spcPts val="0"/>
+              </a:spcAft>
+              <a:buClr>
+                <a:schemeClr val="dk1"/>
+              </a:buClr>
+              <a:buSzPts val="1800"/>
+              <a:buNone/>
+              <a:defRPr sz="1800">
+                <a:solidFill>
+                  <a:schemeClr val="dk1"/>
+                </a:solidFill>
+              </a:defRPr>
+            </a:lvl9pPr>
+          </a:lstStyle>
+          <a:p>
+            <a:endParaRPr/>
+          </a:p>
+        </p:txBody>
+      </p:sp>
+      <p:sp>
+        <p:nvSpPr>
+          <p:cNvPr id="201" name="Google Shape;201;p30"/>
+          <p:cNvSpPr txBox="1">
+            <a:spLocks noGrp="1"/>
+          </p:cNvSpPr>
+          <p:nvPr>
+            <p:ph type="subTitle" idx="1"/>
+          </p:nvPr>
+        </p:nvSpPr>
+        <p:spPr>
+          <a:xfrm>
+            <a:off x="734175" y="1166874"/>
+            <a:ext cx="2732700" cy="807300"/>
+          </a:xfrm>
+          <a:prstGeom prst="rect">
+            <a:avLst/>
+          </a:prstGeom>
+        </p:spPr>
+        <p:txBody>
+          <a:bodyPr spcFirstLastPara="1" wrap="square" lIns="91425" tIns="91425" rIns="91425" bIns="91425" anchor="t" anchorCtr="0">
+            <a:noAutofit/>
+          </a:bodyPr>
+          <a:lstStyle>
+            <a:lvl1pPr lvl="0" algn="ctr" rtl="0">
+              <a:lnSpc>
+                <a:spcPct val="100000"/>
+              </a:lnSpc>
+              <a:spcBef>
+                <a:spcPts val="0"/>
+              </a:spcBef>
+              <a:spcAft>
+                <a:spcPts val="0"/>
+              </a:spcAft>
+              <a:buClr>
+                <a:schemeClr val="dk1"/>
+              </a:buClr>
+              <a:buSzPts val="1400"/>
+              <a:buFont typeface="Didact Gothic"/>
+              <a:buNone/>
+              <a:defRPr>
+                <a:solidFill>
+                  <a:schemeClr val="dk1"/>
+                </a:solidFill>
+                <a:latin typeface="Didact Gothic"/>
+                <a:ea typeface="Didact Gothic"/>
+                <a:cs typeface="Didact Gothic"/>
+                <a:sym typeface="Didact Gothic"/>
+              </a:defRPr>
+            </a:lvl1pPr>
+            <a:lvl2pPr lvl="1" algn="ctr" rtl="0">
+              <a:lnSpc>
+                <a:spcPct val="100000"/>
+              </a:lnSpc>
+              <a:spcBef>
+                <a:spcPts val="0"/>
+              </a:spcBef>
+              <a:spcAft>
+                <a:spcPts val="0"/>
+              </a:spcAft>
+              <a:buClr>
+                <a:schemeClr val="dk1"/>
+              </a:buClr>
+              <a:buSzPts val="1400"/>
+              <a:buFont typeface="Didact Gothic"/>
+              <a:buNone/>
+              <a:defRPr>
+                <a:solidFill>
+                  <a:schemeClr val="dk1"/>
+                </a:solidFill>
+                <a:latin typeface="Didact Gothic"/>
+                <a:ea typeface="Didact Gothic"/>
+                <a:cs typeface="Didact Gothic"/>
+                <a:sym typeface="Didact Gothic"/>
+              </a:defRPr>
+            </a:lvl2pPr>
+            <a:lvl3pPr lvl="2" algn="ctr" rtl="0">
+              <a:lnSpc>
+                <a:spcPct val="100000"/>
+              </a:lnSpc>
+              <a:spcBef>
+                <a:spcPts val="0"/>
+              </a:spcBef>
+              <a:spcAft>
+                <a:spcPts val="0"/>
+              </a:spcAft>
+              <a:buClr>
+                <a:schemeClr val="dk1"/>
+              </a:buClr>
+              <a:buSzPts val="1400"/>
+              <a:buFont typeface="Didact Gothic"/>
+              <a:buNone/>
+              <a:defRPr>
+                <a:solidFill>
+                  <a:schemeClr val="dk1"/>
+                </a:solidFill>
+                <a:latin typeface="Didact Gothic"/>
+                <a:ea typeface="Didact Gothic"/>
+                <a:cs typeface="Didact Gothic"/>
+                <a:sym typeface="Didact Gothic"/>
+              </a:defRPr>
+            </a:lvl3pPr>
+            <a:lvl4pPr lvl="3" algn="ctr" rtl="0">
+              <a:lnSpc>
+                <a:spcPct val="100000"/>
+              </a:lnSpc>
+              <a:spcBef>
+                <a:spcPts val="0"/>
+              </a:spcBef>
+              <a:spcAft>
+                <a:spcPts val="0"/>
+              </a:spcAft>
+              <a:buClr>
+                <a:schemeClr val="dk1"/>
+              </a:buClr>
+              <a:buSzPts val="1400"/>
+              <a:buFont typeface="Didact Gothic"/>
+              <a:buNone/>
+              <a:defRPr>
+                <a:solidFill>
+                  <a:schemeClr val="dk1"/>
+                </a:solidFill>
+                <a:latin typeface="Didact Gothic"/>
+                <a:ea typeface="Didact Gothic"/>
+                <a:cs typeface="Didact Gothic"/>
+                <a:sym typeface="Didact Gothic"/>
+              </a:defRPr>
+            </a:lvl4pPr>
+            <a:lvl5pPr lvl="4" algn="ctr" rtl="0">
+              <a:lnSpc>
+                <a:spcPct val="100000"/>
+              </a:lnSpc>
+              <a:spcBef>
+                <a:spcPts val="0"/>
+              </a:spcBef>
+              <a:spcAft>
+                <a:spcPts val="0"/>
+              </a:spcAft>
+              <a:buClr>
+                <a:schemeClr val="dk1"/>
+              </a:buClr>
+              <a:buSzPts val="1400"/>
+              <a:buFont typeface="Didact Gothic"/>
+              <a:buNone/>
+              <a:defRPr>
+                <a:solidFill>
+                  <a:schemeClr val="dk1"/>
+                </a:solidFill>
+                <a:latin typeface="Didact Gothic"/>
+                <a:ea typeface="Didact Gothic"/>
+                <a:cs typeface="Didact Gothic"/>
+                <a:sym typeface="Didact Gothic"/>
+              </a:defRPr>
+            </a:lvl5pPr>
+            <a:lvl6pPr lvl="5" algn="ctr" rtl="0">
+              <a:lnSpc>
+                <a:spcPct val="100000"/>
+              </a:lnSpc>
+              <a:spcBef>
+                <a:spcPts val="0"/>
+              </a:spcBef>
+              <a:spcAft>
+                <a:spcPts val="0"/>
+              </a:spcAft>
+              <a:buClr>
+                <a:schemeClr val="dk1"/>
+              </a:buClr>
+              <a:buSzPts val="1400"/>
+              <a:buFont typeface="Didact Gothic"/>
+              <a:buNone/>
+              <a:defRPr>
+                <a:solidFill>
+                  <a:schemeClr val="dk1"/>
+                </a:solidFill>
+                <a:latin typeface="Didact Gothic"/>
+                <a:ea typeface="Didact Gothic"/>
+                <a:cs typeface="Didact Gothic"/>
+                <a:sym typeface="Didact Gothic"/>
+              </a:defRPr>
+            </a:lvl6pPr>
+            <a:lvl7pPr lvl="6" algn="ctr" rtl="0">
+              <a:lnSpc>
+                <a:spcPct val="100000"/>
+              </a:lnSpc>
+              <a:spcBef>
+                <a:spcPts val="0"/>
+              </a:spcBef>
+              <a:spcAft>
+                <a:spcPts val="0"/>
+              </a:spcAft>
+              <a:buClr>
+                <a:schemeClr val="dk1"/>
+              </a:buClr>
+              <a:buSzPts val="1400"/>
+              <a:buFont typeface="Didact Gothic"/>
+              <a:buNone/>
+              <a:defRPr>
+                <a:solidFill>
+                  <a:schemeClr val="dk1"/>
+                </a:solidFill>
+                <a:latin typeface="Didact Gothic"/>
+                <a:ea typeface="Didact Gothic"/>
+                <a:cs typeface="Didact Gothic"/>
+                <a:sym typeface="Didact Gothic"/>
+              </a:defRPr>
+            </a:lvl7pPr>
+            <a:lvl8pPr lvl="7" algn="ctr" rtl="0">
+              <a:lnSpc>
+                <a:spcPct val="100000"/>
+              </a:lnSpc>
+              <a:spcBef>
+                <a:spcPts val="0"/>
+              </a:spcBef>
+              <a:spcAft>
+                <a:spcPts val="0"/>
+              </a:spcAft>
+              <a:buClr>
+                <a:schemeClr val="dk1"/>
+              </a:buClr>
+              <a:buSzPts val="1400"/>
+              <a:buFont typeface="Didact Gothic"/>
+              <a:buNone/>
+              <a:defRPr>
+                <a:solidFill>
+                  <a:schemeClr val="dk1"/>
+                </a:solidFill>
+                <a:latin typeface="Didact Gothic"/>
+                <a:ea typeface="Didact Gothic"/>
+                <a:cs typeface="Didact Gothic"/>
+                <a:sym typeface="Didact Gothic"/>
+              </a:defRPr>
+            </a:lvl8pPr>
+            <a:lvl9pPr lvl="8" algn="ctr" rtl="0">
+              <a:lnSpc>
+                <a:spcPct val="100000"/>
+              </a:lnSpc>
+              <a:spcBef>
+                <a:spcPts val="0"/>
+              </a:spcBef>
+              <a:spcAft>
+                <a:spcPts val="0"/>
+              </a:spcAft>
+              <a:buClr>
+                <a:schemeClr val="dk1"/>
+              </a:buClr>
+              <a:buSzPts val="1400"/>
+              <a:buFont typeface="Didact Gothic"/>
+              <a:buNone/>
+              <a:defRPr>
+                <a:solidFill>
+                  <a:schemeClr val="dk1"/>
+                </a:solidFill>
+                <a:latin typeface="Didact Gothic"/>
+                <a:ea typeface="Didact Gothic"/>
+                <a:cs typeface="Didact Gothic"/>
+                <a:sym typeface="Didact Gothic"/>
+              </a:defRPr>
+            </a:lvl9pPr>
+          </a:lstStyle>
+          <a:p>
+            <a:endParaRPr/>
+          </a:p>
+        </p:txBody>
+      </p:sp>
+      <p:sp>
+        <p:nvSpPr>
+          <p:cNvPr id="202" name="Google Shape;202;p30"/>
+          <p:cNvSpPr txBox="1">
+            <a:spLocks noGrp="1"/>
+          </p:cNvSpPr>
+          <p:nvPr>
+            <p:ph type="title" idx="3"/>
+          </p:nvPr>
+        </p:nvSpPr>
+        <p:spPr>
+          <a:xfrm>
+            <a:off x="1120875" y="3477975"/>
+            <a:ext cx="1959300" cy="333900"/>
+          </a:xfrm>
+          <a:prstGeom prst="rect">
+            <a:avLst/>
+          </a:prstGeom>
+        </p:spPr>
+        <p:txBody>
+          <a:bodyPr spcFirstLastPara="1" wrap="square" lIns="91425" tIns="91425" rIns="91425" bIns="91425" anchor="ctr" anchorCtr="0">
+            <a:noAutofit/>
+          </a:bodyPr>
+          <a:lstStyle>
+            <a:lvl1pPr lvl="0" algn="ctr" rtl="0">
+              <a:spcBef>
+                <a:spcPts val="0"/>
+              </a:spcBef>
+              <a:spcAft>
+                <a:spcPts val="0"/>
+              </a:spcAft>
+              <a:buClr>
+                <a:schemeClr val="dk1"/>
+              </a:buClr>
+              <a:buSzPts val="1800"/>
+              <a:buNone/>
+              <a:defRPr sz="1800" b="1">
+                <a:solidFill>
+                  <a:schemeClr val="dk1"/>
+                </a:solidFill>
+              </a:defRPr>
+            </a:lvl1pPr>
+            <a:lvl2pPr lvl="1" algn="ctr" rtl="0">
+              <a:spcBef>
+                <a:spcPts val="0"/>
+              </a:spcBef>
+              <a:spcAft>
+                <a:spcPts val="0"/>
+              </a:spcAft>
+              <a:buClr>
+                <a:schemeClr val="dk1"/>
+              </a:buClr>
+              <a:buSzPts val="1800"/>
+              <a:buNone/>
+              <a:defRPr sz="1800">
+                <a:solidFill>
+                  <a:schemeClr val="dk1"/>
+                </a:solidFill>
+              </a:defRPr>
+            </a:lvl2pPr>
+            <a:lvl3pPr lvl="2" algn="ctr" rtl="0">
+              <a:spcBef>
+                <a:spcPts val="0"/>
+              </a:spcBef>
+              <a:spcAft>
+                <a:spcPts val="0"/>
+              </a:spcAft>
+              <a:buClr>
+                <a:schemeClr val="dk1"/>
+              </a:buClr>
+              <a:buSzPts val="1800"/>
+              <a:buNone/>
+              <a:defRPr sz="1800">
+                <a:solidFill>
+                  <a:schemeClr val="dk1"/>
+                </a:solidFill>
+              </a:defRPr>
+            </a:lvl3pPr>
+            <a:lvl4pPr lvl="3" algn="ctr" rtl="0">
+              <a:spcBef>
+                <a:spcPts val="0"/>
+              </a:spcBef>
+              <a:spcAft>
+                <a:spcPts val="0"/>
+              </a:spcAft>
+              <a:buClr>
+                <a:schemeClr val="dk1"/>
+              </a:buClr>
+              <a:buSzPts val="1800"/>
+              <a:buNone/>
+              <a:defRPr sz="1800">
+                <a:solidFill>
+                  <a:schemeClr val="dk1"/>
+                </a:solidFill>
+              </a:defRPr>
+            </a:lvl4pPr>
+            <a:lvl5pPr lvl="4" algn="ctr" rtl="0">
+              <a:spcBef>
+                <a:spcPts val="0"/>
+              </a:spcBef>
+              <a:spcAft>
+                <a:spcPts val="0"/>
+              </a:spcAft>
+              <a:buClr>
+                <a:schemeClr val="dk1"/>
+              </a:buClr>
+              <a:buSzPts val="1800"/>
+              <a:buNone/>
+              <a:defRPr sz="1800">
+                <a:solidFill>
+                  <a:schemeClr val="dk1"/>
+                </a:solidFill>
+              </a:defRPr>
+            </a:lvl5pPr>
+            <a:lvl6pPr lvl="5" algn="ctr" rtl="0">
+              <a:spcBef>
+                <a:spcPts val="0"/>
+              </a:spcBef>
+              <a:spcAft>
+                <a:spcPts val="0"/>
+              </a:spcAft>
+              <a:buClr>
+                <a:schemeClr val="dk1"/>
+              </a:buClr>
+              <a:buSzPts val="1800"/>
+              <a:buNone/>
+              <a:defRPr sz="1800">
+                <a:solidFill>
+                  <a:schemeClr val="dk1"/>
+                </a:solidFill>
+              </a:defRPr>
+            </a:lvl6pPr>
+            <a:lvl7pPr lvl="6" algn="ctr" rtl="0">
+              <a:spcBef>
+                <a:spcPts val="0"/>
+              </a:spcBef>
+              <a:spcAft>
+                <a:spcPts val="0"/>
+              </a:spcAft>
+              <a:buClr>
+                <a:schemeClr val="dk1"/>
+              </a:buClr>
+              <a:buSzPts val="1800"/>
+              <a:buNone/>
+              <a:defRPr sz="1800">
+                <a:solidFill>
+                  <a:schemeClr val="dk1"/>
+                </a:solidFill>
+              </a:defRPr>
+            </a:lvl7pPr>
+            <a:lvl8pPr lvl="7" algn="ctr" rtl="0">
+              <a:spcBef>
+                <a:spcPts val="0"/>
+              </a:spcBef>
+              <a:spcAft>
+                <a:spcPts val="0"/>
+              </a:spcAft>
+              <a:buClr>
+                <a:schemeClr val="dk1"/>
+              </a:buClr>
+              <a:buSzPts val="1800"/>
+              <a:buNone/>
+              <a:defRPr sz="1800">
+                <a:solidFill>
+                  <a:schemeClr val="dk1"/>
+                </a:solidFill>
+              </a:defRPr>
+            </a:lvl8pPr>
+            <a:lvl9pPr lvl="8" algn="ctr" rtl="0">
+              <a:spcBef>
+                <a:spcPts val="0"/>
+              </a:spcBef>
+              <a:spcAft>
+                <a:spcPts val="0"/>
+              </a:spcAft>
+              <a:buClr>
+                <a:schemeClr val="dk1"/>
+              </a:buClr>
+              <a:buSzPts val="1800"/>
+              <a:buNone/>
+              <a:defRPr sz="1800">
+                <a:solidFill>
+                  <a:schemeClr val="dk1"/>
+                </a:solidFill>
+              </a:defRPr>
+            </a:lvl9pPr>
+          </a:lstStyle>
+          <a:p>
+            <a:endParaRPr/>
+          </a:p>
+        </p:txBody>
+      </p:sp>
+      <p:sp>
+        <p:nvSpPr>
+          <p:cNvPr id="203" name="Google Shape;203;p30"/>
+          <p:cNvSpPr txBox="1">
+            <a:spLocks noGrp="1"/>
+          </p:cNvSpPr>
+          <p:nvPr>
+            <p:ph type="subTitle" idx="4"/>
+          </p:nvPr>
+        </p:nvSpPr>
+        <p:spPr>
+          <a:xfrm>
+            <a:off x="734175" y="3747815"/>
+            <a:ext cx="2732700" cy="807300"/>
+          </a:xfrm>
+          <a:prstGeom prst="rect">
+            <a:avLst/>
+          </a:prstGeom>
+        </p:spPr>
+        <p:txBody>
+          <a:bodyPr spcFirstLastPara="1" wrap="square" lIns="91425" tIns="91425" rIns="91425" bIns="91425" anchor="t" anchorCtr="0">
+            <a:noAutofit/>
+          </a:bodyPr>
+          <a:lstStyle>
+            <a:lvl1pPr lvl="0" algn="ctr" rtl="0">
+              <a:lnSpc>
+                <a:spcPct val="100000"/>
+              </a:lnSpc>
+              <a:spcBef>
+                <a:spcPts val="0"/>
+              </a:spcBef>
+              <a:spcAft>
+                <a:spcPts val="0"/>
+              </a:spcAft>
+              <a:buClr>
+                <a:schemeClr val="dk1"/>
+              </a:buClr>
+              <a:buSzPts val="1400"/>
+              <a:buFont typeface="Didact Gothic"/>
+              <a:buNone/>
+              <a:defRPr>
+                <a:solidFill>
+                  <a:schemeClr val="dk1"/>
+                </a:solidFill>
+                <a:latin typeface="Didact Gothic"/>
+                <a:ea typeface="Didact Gothic"/>
+                <a:cs typeface="Didact Gothic"/>
+                <a:sym typeface="Didact Gothic"/>
+              </a:defRPr>
+            </a:lvl1pPr>
+            <a:lvl2pPr lvl="1" algn="ctr" rtl="0">
+              <a:lnSpc>
+                <a:spcPct val="100000"/>
+              </a:lnSpc>
+              <a:spcBef>
+                <a:spcPts val="0"/>
+              </a:spcBef>
+              <a:spcAft>
+                <a:spcPts val="0"/>
+              </a:spcAft>
+              <a:buClr>
+                <a:schemeClr val="dk1"/>
+              </a:buClr>
+              <a:buSzPts val="1400"/>
+              <a:buFont typeface="Didact Gothic"/>
+              <a:buNone/>
+              <a:defRPr>
+                <a:solidFill>
+                  <a:schemeClr val="dk1"/>
+                </a:solidFill>
+                <a:latin typeface="Didact Gothic"/>
+                <a:ea typeface="Didact Gothic"/>
+                <a:cs typeface="Didact Gothic"/>
+                <a:sym typeface="Didact Gothic"/>
+              </a:defRPr>
+            </a:lvl2pPr>
+            <a:lvl3pPr lvl="2" algn="ctr" rtl="0">
+              <a:lnSpc>
+                <a:spcPct val="100000"/>
+              </a:lnSpc>
+              <a:spcBef>
+                <a:spcPts val="0"/>
+              </a:spcBef>
+              <a:spcAft>
+                <a:spcPts val="0"/>
+              </a:spcAft>
+              <a:buClr>
+                <a:schemeClr val="dk1"/>
+              </a:buClr>
+              <a:buSzPts val="1400"/>
+              <a:buFont typeface="Didact Gothic"/>
+              <a:buNone/>
+              <a:defRPr>
+                <a:solidFill>
+                  <a:schemeClr val="dk1"/>
+                </a:solidFill>
+                <a:latin typeface="Didact Gothic"/>
+                <a:ea typeface="Didact Gothic"/>
+                <a:cs typeface="Didact Gothic"/>
+                <a:sym typeface="Didact Gothic"/>
+              </a:defRPr>
+            </a:lvl3pPr>
+            <a:lvl4pPr lvl="3" algn="ctr" rtl="0">
+              <a:lnSpc>
+                <a:spcPct val="100000"/>
+              </a:lnSpc>
+              <a:spcBef>
+                <a:spcPts val="0"/>
+              </a:spcBef>
+              <a:spcAft>
+                <a:spcPts val="0"/>
+              </a:spcAft>
+              <a:buClr>
+                <a:schemeClr val="dk1"/>
+              </a:buClr>
+              <a:buSzPts val="1400"/>
+              <a:buFont typeface="Didact Gothic"/>
+              <a:buNone/>
+              <a:defRPr>
+                <a:solidFill>
+                  <a:schemeClr val="dk1"/>
+                </a:solidFill>
+                <a:latin typeface="Didact Gothic"/>
+                <a:ea typeface="Didact Gothic"/>
+                <a:cs typeface="Didact Gothic"/>
+                <a:sym typeface="Didact Gothic"/>
+              </a:defRPr>
+            </a:lvl4pPr>
+            <a:lvl5pPr lvl="4" algn="ctr" rtl="0">
+              <a:lnSpc>
+                <a:spcPct val="100000"/>
+              </a:lnSpc>
+              <a:spcBef>
+                <a:spcPts val="0"/>
+              </a:spcBef>
+              <a:spcAft>
+                <a:spcPts val="0"/>
+              </a:spcAft>
+              <a:buClr>
+                <a:schemeClr val="dk1"/>
+              </a:buClr>
+              <a:buSzPts val="1400"/>
+              <a:buFont typeface="Didact Gothic"/>
+              <a:buNone/>
+              <a:defRPr>
+                <a:solidFill>
+                  <a:schemeClr val="dk1"/>
+                </a:solidFill>
+                <a:latin typeface="Didact Gothic"/>
+                <a:ea typeface="Didact Gothic"/>
+                <a:cs typeface="Didact Gothic"/>
+                <a:sym typeface="Didact Gothic"/>
+              </a:defRPr>
+            </a:lvl5pPr>
+            <a:lvl6pPr lvl="5" algn="ctr" rtl="0">
+              <a:lnSpc>
+                <a:spcPct val="100000"/>
+              </a:lnSpc>
+              <a:spcBef>
+                <a:spcPts val="0"/>
+              </a:spcBef>
+              <a:spcAft>
+                <a:spcPts val="0"/>
+              </a:spcAft>
+              <a:buClr>
+                <a:schemeClr val="dk1"/>
+              </a:buClr>
+              <a:buSzPts val="1400"/>
+              <a:buFont typeface="Didact Gothic"/>
+              <a:buNone/>
+              <a:defRPr>
+                <a:solidFill>
+                  <a:schemeClr val="dk1"/>
+                </a:solidFill>
+                <a:latin typeface="Didact Gothic"/>
+                <a:ea typeface="Didact Gothic"/>
+                <a:cs typeface="Didact Gothic"/>
+                <a:sym typeface="Didact Gothic"/>
+              </a:defRPr>
+            </a:lvl6pPr>
+            <a:lvl7pPr lvl="6" algn="ctr" rtl="0">
+              <a:lnSpc>
+                <a:spcPct val="100000"/>
+              </a:lnSpc>
+              <a:spcBef>
+                <a:spcPts val="0"/>
+              </a:spcBef>
+              <a:spcAft>
+                <a:spcPts val="0"/>
+              </a:spcAft>
+              <a:buClr>
+                <a:schemeClr val="dk1"/>
+              </a:buClr>
+              <a:buSzPts val="1400"/>
+              <a:buFont typeface="Didact Gothic"/>
+              <a:buNone/>
+              <a:defRPr>
+                <a:solidFill>
+                  <a:schemeClr val="dk1"/>
+                </a:solidFill>
+                <a:latin typeface="Didact Gothic"/>
+                <a:ea typeface="Didact Gothic"/>
+                <a:cs typeface="Didact Gothic"/>
+                <a:sym typeface="Didact Gothic"/>
+              </a:defRPr>
+            </a:lvl7pPr>
+            <a:lvl8pPr lvl="7" algn="ctr" rtl="0">
+              <a:lnSpc>
+                <a:spcPct val="100000"/>
+              </a:lnSpc>
+              <a:spcBef>
+                <a:spcPts val="0"/>
+              </a:spcBef>
+              <a:spcAft>
+                <a:spcPts val="0"/>
+              </a:spcAft>
+              <a:buClr>
+                <a:schemeClr val="dk1"/>
+              </a:buClr>
+              <a:buSzPts val="1400"/>
+              <a:buFont typeface="Didact Gothic"/>
+              <a:buNone/>
+              <a:defRPr>
+                <a:solidFill>
+                  <a:schemeClr val="dk1"/>
+                </a:solidFill>
+                <a:latin typeface="Didact Gothic"/>
+                <a:ea typeface="Didact Gothic"/>
+                <a:cs typeface="Didact Gothic"/>
+                <a:sym typeface="Didact Gothic"/>
+              </a:defRPr>
+            </a:lvl8pPr>
+            <a:lvl9pPr lvl="8" algn="ctr" rtl="0">
+              <a:lnSpc>
+                <a:spcPct val="100000"/>
+              </a:lnSpc>
+              <a:spcBef>
+                <a:spcPts val="0"/>
+              </a:spcBef>
+              <a:spcAft>
+                <a:spcPts val="0"/>
+              </a:spcAft>
+              <a:buClr>
+                <a:schemeClr val="dk1"/>
+              </a:buClr>
+              <a:buSzPts val="1400"/>
+              <a:buFont typeface="Didact Gothic"/>
+              <a:buNone/>
+              <a:defRPr>
+                <a:solidFill>
+                  <a:schemeClr val="dk1"/>
+                </a:solidFill>
+                <a:latin typeface="Didact Gothic"/>
+                <a:ea typeface="Didact Gothic"/>
+                <a:cs typeface="Didact Gothic"/>
+                <a:sym typeface="Didact Gothic"/>
+              </a:defRPr>
+            </a:lvl9pPr>
+          </a:lstStyle>
+          <a:p>
+            <a:endParaRPr/>
+          </a:p>
+        </p:txBody>
+      </p:sp>
+      <p:sp>
+        <p:nvSpPr>
+          <p:cNvPr id="204" name="Google Shape;204;p30"/>
+          <p:cNvSpPr txBox="1">
+            <a:spLocks noGrp="1"/>
+          </p:cNvSpPr>
+          <p:nvPr>
+            <p:ph type="title" idx="5"/>
+          </p:nvPr>
+        </p:nvSpPr>
+        <p:spPr>
+          <a:xfrm>
+            <a:off x="6063846" y="899475"/>
+            <a:ext cx="1959300" cy="333900"/>
+          </a:xfrm>
+          <a:prstGeom prst="rect">
+            <a:avLst/>
+          </a:prstGeom>
+        </p:spPr>
+        <p:txBody>
+          <a:bodyPr spcFirstLastPara="1" wrap="square" lIns="91425" tIns="91425" rIns="91425" bIns="91425" anchor="ctr" anchorCtr="0">
+            <a:noAutofit/>
+          </a:bodyPr>
+          <a:lstStyle>
+            <a:lvl1pPr lvl="0" algn="ctr" rtl="0">
+              <a:spcBef>
+                <a:spcPts val="0"/>
+              </a:spcBef>
+              <a:spcAft>
+                <a:spcPts val="0"/>
+              </a:spcAft>
+              <a:buClr>
+                <a:schemeClr val="dk1"/>
+              </a:buClr>
+              <a:buSzPts val="1800"/>
+              <a:buNone/>
+              <a:defRPr sz="1800" b="1">
+                <a:solidFill>
+                  <a:schemeClr val="dk1"/>
+                </a:solidFill>
+              </a:defRPr>
+            </a:lvl1pPr>
+            <a:lvl2pPr lvl="1" algn="ctr" rtl="0">
+              <a:spcBef>
+                <a:spcPts val="0"/>
+              </a:spcBef>
+              <a:spcAft>
+                <a:spcPts val="0"/>
+              </a:spcAft>
+              <a:buClr>
+                <a:schemeClr val="dk1"/>
+              </a:buClr>
+              <a:buSzPts val="1800"/>
+              <a:buNone/>
+              <a:defRPr sz="1800">
+                <a:solidFill>
+                  <a:schemeClr val="dk1"/>
+                </a:solidFill>
+              </a:defRPr>
+            </a:lvl2pPr>
+            <a:lvl3pPr lvl="2" algn="ctr" rtl="0">
+              <a:spcBef>
+                <a:spcPts val="0"/>
+              </a:spcBef>
+              <a:spcAft>
+                <a:spcPts val="0"/>
+              </a:spcAft>
+              <a:buClr>
+                <a:schemeClr val="dk1"/>
+              </a:buClr>
+              <a:buSzPts val="1800"/>
+              <a:buNone/>
+              <a:defRPr sz="1800">
+                <a:solidFill>
+                  <a:schemeClr val="dk1"/>
+                </a:solidFill>
+              </a:defRPr>
+            </a:lvl3pPr>
+            <a:lvl4pPr lvl="3" algn="ctr" rtl="0">
+              <a:spcBef>
+                <a:spcPts val="0"/>
+              </a:spcBef>
+              <a:spcAft>
+                <a:spcPts val="0"/>
+              </a:spcAft>
+              <a:buClr>
+                <a:schemeClr val="dk1"/>
+              </a:buClr>
+              <a:buSzPts val="1800"/>
+              <a:buNone/>
+              <a:defRPr sz="1800">
+                <a:solidFill>
+                  <a:schemeClr val="dk1"/>
+                </a:solidFill>
+              </a:defRPr>
+            </a:lvl4pPr>
+            <a:lvl5pPr lvl="4" algn="ctr" rtl="0">
+              <a:spcBef>
+                <a:spcPts val="0"/>
+              </a:spcBef>
+              <a:spcAft>
+                <a:spcPts val="0"/>
+              </a:spcAft>
+              <a:buClr>
+                <a:schemeClr val="dk1"/>
+              </a:buClr>
+              <a:buSzPts val="1800"/>
+              <a:buNone/>
+              <a:defRPr sz="1800">
+                <a:solidFill>
+                  <a:schemeClr val="dk1"/>
+                </a:solidFill>
+              </a:defRPr>
+            </a:lvl5pPr>
+            <a:lvl6pPr lvl="5" algn="ctr" rtl="0">
+              <a:spcBef>
+                <a:spcPts val="0"/>
+              </a:spcBef>
+              <a:spcAft>
+                <a:spcPts val="0"/>
+              </a:spcAft>
+              <a:buClr>
+                <a:schemeClr val="dk1"/>
+              </a:buClr>
+              <a:buSzPts val="1800"/>
+              <a:buNone/>
+              <a:defRPr sz="1800">
+                <a:solidFill>
+                  <a:schemeClr val="dk1"/>
+                </a:solidFill>
+              </a:defRPr>
+            </a:lvl6pPr>
+            <a:lvl7pPr lvl="6" algn="ctr" rtl="0">
+              <a:spcBef>
+                <a:spcPts val="0"/>
+              </a:spcBef>
+              <a:spcAft>
+                <a:spcPts val="0"/>
+              </a:spcAft>
+              <a:buClr>
+                <a:schemeClr val="dk1"/>
+              </a:buClr>
+              <a:buSzPts val="1800"/>
+              <a:buNone/>
+              <a:defRPr sz="1800">
+                <a:solidFill>
+                  <a:schemeClr val="dk1"/>
+                </a:solidFill>
+              </a:defRPr>
+            </a:lvl7pPr>
+            <a:lvl8pPr lvl="7" algn="ctr" rtl="0">
+              <a:spcBef>
+                <a:spcPts val="0"/>
+              </a:spcBef>
+              <a:spcAft>
+                <a:spcPts val="0"/>
+              </a:spcAft>
+              <a:buClr>
+                <a:schemeClr val="dk1"/>
+              </a:buClr>
+              <a:buSzPts val="1800"/>
+              <a:buNone/>
+              <a:defRPr sz="1800">
+                <a:solidFill>
+                  <a:schemeClr val="dk1"/>
+                </a:solidFill>
+              </a:defRPr>
+            </a:lvl8pPr>
+            <a:lvl9pPr lvl="8" algn="ctr" rtl="0">
+              <a:spcBef>
+                <a:spcPts val="0"/>
+              </a:spcBef>
+              <a:spcAft>
+                <a:spcPts val="0"/>
+              </a:spcAft>
+              <a:buClr>
+                <a:schemeClr val="dk1"/>
+              </a:buClr>
+              <a:buSzPts val="1800"/>
+              <a:buNone/>
+              <a:defRPr sz="1800">
+                <a:solidFill>
+                  <a:schemeClr val="dk1"/>
+                </a:solidFill>
+              </a:defRPr>
+            </a:lvl9pPr>
+          </a:lstStyle>
+          <a:p>
+            <a:endParaRPr/>
+          </a:p>
+        </p:txBody>
+      </p:sp>
+      <p:sp>
+        <p:nvSpPr>
+          <p:cNvPr id="205" name="Google Shape;205;p30"/>
+          <p:cNvSpPr txBox="1">
+            <a:spLocks noGrp="1"/>
+          </p:cNvSpPr>
+          <p:nvPr>
+            <p:ph type="subTitle" idx="6"/>
+          </p:nvPr>
+        </p:nvSpPr>
+        <p:spPr>
+          <a:xfrm>
+            <a:off x="5677150" y="1166874"/>
+            <a:ext cx="2732700" cy="807300"/>
+          </a:xfrm>
+          <a:prstGeom prst="rect">
+            <a:avLst/>
+          </a:prstGeom>
+        </p:spPr>
+        <p:txBody>
+          <a:bodyPr spcFirstLastPara="1" wrap="square" lIns="91425" tIns="91425" rIns="91425" bIns="91425" anchor="t" anchorCtr="0">
+            <a:noAutofit/>
+          </a:bodyPr>
+          <a:lstStyle>
+            <a:lvl1pPr lvl="0" algn="ctr" rtl="0">
+              <a:lnSpc>
+                <a:spcPct val="100000"/>
+              </a:lnSpc>
+              <a:spcBef>
+                <a:spcPts val="0"/>
+              </a:spcBef>
+              <a:spcAft>
+                <a:spcPts val="0"/>
+              </a:spcAft>
+              <a:buClr>
+                <a:schemeClr val="dk1"/>
+              </a:buClr>
+              <a:buSzPts val="1400"/>
+              <a:buFont typeface="Didact Gothic"/>
+              <a:buNone/>
+              <a:defRPr>
+                <a:solidFill>
+                  <a:schemeClr val="dk1"/>
+                </a:solidFill>
+                <a:latin typeface="Didact Gothic"/>
+                <a:ea typeface="Didact Gothic"/>
+                <a:cs typeface="Didact Gothic"/>
+                <a:sym typeface="Didact Gothic"/>
+              </a:defRPr>
+            </a:lvl1pPr>
+            <a:lvl2pPr lvl="1" algn="ctr" rtl="0">
+              <a:lnSpc>
+                <a:spcPct val="100000"/>
+              </a:lnSpc>
+              <a:spcBef>
+                <a:spcPts val="0"/>
+              </a:spcBef>
+              <a:spcAft>
+                <a:spcPts val="0"/>
+              </a:spcAft>
+              <a:buClr>
+                <a:schemeClr val="dk1"/>
+              </a:buClr>
+              <a:buSzPts val="1400"/>
+              <a:buFont typeface="Didact Gothic"/>
+              <a:buNone/>
+              <a:defRPr>
+                <a:solidFill>
+                  <a:schemeClr val="dk1"/>
+                </a:solidFill>
+                <a:latin typeface="Didact Gothic"/>
+                <a:ea typeface="Didact Gothic"/>
+                <a:cs typeface="Didact Gothic"/>
+                <a:sym typeface="Didact Gothic"/>
+              </a:defRPr>
+            </a:lvl2pPr>
+            <a:lvl3pPr lvl="2" algn="ctr" rtl="0">
+              <a:lnSpc>
+                <a:spcPct val="100000"/>
+              </a:lnSpc>
+              <a:spcBef>
+                <a:spcPts val="0"/>
+              </a:spcBef>
+              <a:spcAft>
+                <a:spcPts val="0"/>
+              </a:spcAft>
+              <a:buClr>
+                <a:schemeClr val="dk1"/>
+              </a:buClr>
+              <a:buSzPts val="1400"/>
+              <a:buFont typeface="Didact Gothic"/>
+              <a:buNone/>
+              <a:defRPr>
+                <a:solidFill>
+                  <a:schemeClr val="dk1"/>
+                </a:solidFill>
+                <a:latin typeface="Didact Gothic"/>
+                <a:ea typeface="Didact Gothic"/>
+                <a:cs typeface="Didact Gothic"/>
+                <a:sym typeface="Didact Gothic"/>
+              </a:defRPr>
+            </a:lvl3pPr>
+            <a:lvl4pPr lvl="3" algn="ctr" rtl="0">
+              <a:lnSpc>
+                <a:spcPct val="100000"/>
+              </a:lnSpc>
+              <a:spcBef>
+                <a:spcPts val="0"/>
+              </a:spcBef>
+              <a:spcAft>
+                <a:spcPts val="0"/>
+              </a:spcAft>
+              <a:buClr>
+                <a:schemeClr val="dk1"/>
+              </a:buClr>
+              <a:buSzPts val="1400"/>
+              <a:buFont typeface="Didact Gothic"/>
+              <a:buNone/>
+              <a:defRPr>
+                <a:solidFill>
+                  <a:schemeClr val="dk1"/>
+                </a:solidFill>
+                <a:latin typeface="Didact Gothic"/>
+                <a:ea typeface="Didact Gothic"/>
+                <a:cs typeface="Didact Gothic"/>
+                <a:sym typeface="Didact Gothic"/>
+              </a:defRPr>
+            </a:lvl4pPr>
+            <a:lvl5pPr lvl="4" algn="ctr" rtl="0">
+              <a:lnSpc>
+                <a:spcPct val="100000"/>
+              </a:lnSpc>
+              <a:spcBef>
+                <a:spcPts val="0"/>
+              </a:spcBef>
+              <a:spcAft>
+                <a:spcPts val="0"/>
+              </a:spcAft>
+              <a:buClr>
+                <a:schemeClr val="dk1"/>
+              </a:buClr>
+              <a:buSzPts val="1400"/>
+              <a:buFont typeface="Didact Gothic"/>
+              <a:buNone/>
+              <a:defRPr>
+                <a:solidFill>
+                  <a:schemeClr val="dk1"/>
+                </a:solidFill>
+                <a:latin typeface="Didact Gothic"/>
+                <a:ea typeface="Didact Gothic"/>
+                <a:cs typeface="Didact Gothic"/>
+                <a:sym typeface="Didact Gothic"/>
+              </a:defRPr>
+            </a:lvl5pPr>
+            <a:lvl6pPr lvl="5" algn="ctr" rtl="0">
+              <a:lnSpc>
+                <a:spcPct val="100000"/>
+              </a:lnSpc>
+              <a:spcBef>
+                <a:spcPts val="0"/>
+              </a:spcBef>
+              <a:spcAft>
+                <a:spcPts val="0"/>
+              </a:spcAft>
+              <a:buClr>
+                <a:schemeClr val="dk1"/>
+              </a:buClr>
+              <a:buSzPts val="1400"/>
+              <a:buFont typeface="Didact Gothic"/>
+              <a:buNone/>
+              <a:defRPr>
+                <a:solidFill>
+                  <a:schemeClr val="dk1"/>
+                </a:solidFill>
+                <a:latin typeface="Didact Gothic"/>
+                <a:ea typeface="Didact Gothic"/>
+                <a:cs typeface="Didact Gothic"/>
+                <a:sym typeface="Didact Gothic"/>
+              </a:defRPr>
+            </a:lvl6pPr>
+            <a:lvl7pPr lvl="6" algn="ctr" rtl="0">
+              <a:lnSpc>
+                <a:spcPct val="100000"/>
+              </a:lnSpc>
+              <a:spcBef>
+                <a:spcPts val="0"/>
+              </a:spcBef>
+              <a:spcAft>
+                <a:spcPts val="0"/>
+              </a:spcAft>
+              <a:buClr>
+                <a:schemeClr val="dk1"/>
+              </a:buClr>
+              <a:buSzPts val="1400"/>
+              <a:buFont typeface="Didact Gothic"/>
+              <a:buNone/>
+              <a:defRPr>
+                <a:solidFill>
+                  <a:schemeClr val="dk1"/>
+                </a:solidFill>
+                <a:latin typeface="Didact Gothic"/>
+                <a:ea typeface="Didact Gothic"/>
+                <a:cs typeface="Didact Gothic"/>
+                <a:sym typeface="Didact Gothic"/>
+              </a:defRPr>
+            </a:lvl7pPr>
+            <a:lvl8pPr lvl="7" algn="ctr" rtl="0">
+              <a:lnSpc>
+                <a:spcPct val="100000"/>
+              </a:lnSpc>
+              <a:spcBef>
+                <a:spcPts val="0"/>
+              </a:spcBef>
+              <a:spcAft>
+                <a:spcPts val="0"/>
+              </a:spcAft>
+              <a:buClr>
+                <a:schemeClr val="dk1"/>
+              </a:buClr>
+              <a:buSzPts val="1400"/>
+              <a:buFont typeface="Didact Gothic"/>
+              <a:buNone/>
+              <a:defRPr>
+                <a:solidFill>
+                  <a:schemeClr val="dk1"/>
+                </a:solidFill>
+                <a:latin typeface="Didact Gothic"/>
+                <a:ea typeface="Didact Gothic"/>
+                <a:cs typeface="Didact Gothic"/>
+                <a:sym typeface="Didact Gothic"/>
+              </a:defRPr>
+            </a:lvl8pPr>
+            <a:lvl9pPr lvl="8" algn="ctr" rtl="0">
+              <a:lnSpc>
+                <a:spcPct val="100000"/>
+              </a:lnSpc>
+              <a:spcBef>
+                <a:spcPts val="0"/>
+              </a:spcBef>
+              <a:spcAft>
+                <a:spcPts val="0"/>
+              </a:spcAft>
+              <a:buClr>
+                <a:schemeClr val="dk1"/>
+              </a:buClr>
+              <a:buSzPts val="1400"/>
+              <a:buFont typeface="Didact Gothic"/>
+              <a:buNone/>
+              <a:defRPr>
+                <a:solidFill>
+                  <a:schemeClr val="dk1"/>
+                </a:solidFill>
+                <a:latin typeface="Didact Gothic"/>
+                <a:ea typeface="Didact Gothic"/>
+                <a:cs typeface="Didact Gothic"/>
+                <a:sym typeface="Didact Gothic"/>
+              </a:defRPr>
+            </a:lvl9pPr>
+          </a:lstStyle>
+          <a:p>
+            <a:endParaRPr/>
+          </a:p>
+        </p:txBody>
+      </p:sp>
+      <p:sp>
+        <p:nvSpPr>
+          <p:cNvPr id="206" name="Google Shape;206;p30"/>
+          <p:cNvSpPr txBox="1">
+            <a:spLocks noGrp="1"/>
+          </p:cNvSpPr>
+          <p:nvPr>
+            <p:ph type="title" idx="7"/>
+          </p:nvPr>
+        </p:nvSpPr>
+        <p:spPr>
+          <a:xfrm>
+            <a:off x="6063846" y="3478125"/>
+            <a:ext cx="1959300" cy="333900"/>
+          </a:xfrm>
+          <a:prstGeom prst="rect">
+            <a:avLst/>
+          </a:prstGeom>
+        </p:spPr>
+        <p:txBody>
+          <a:bodyPr spcFirstLastPara="1" wrap="square" lIns="91425" tIns="91425" rIns="91425" bIns="91425" anchor="ctr" anchorCtr="0">
+            <a:noAutofit/>
+          </a:bodyPr>
+          <a:lstStyle>
+            <a:lvl1pPr lvl="0" algn="ctr" rtl="0">
+              <a:spcBef>
+                <a:spcPts val="0"/>
+              </a:spcBef>
+              <a:spcAft>
+                <a:spcPts val="0"/>
+              </a:spcAft>
+              <a:buClr>
+                <a:schemeClr val="dk1"/>
+              </a:buClr>
+              <a:buSzPts val="1800"/>
+              <a:buNone/>
+              <a:defRPr sz="1800" b="1">
+                <a:solidFill>
+                  <a:schemeClr val="dk1"/>
+                </a:solidFill>
+              </a:defRPr>
+            </a:lvl1pPr>
+            <a:lvl2pPr lvl="1" algn="ctr" rtl="0">
+              <a:spcBef>
+                <a:spcPts val="0"/>
+              </a:spcBef>
+              <a:spcAft>
+                <a:spcPts val="0"/>
+              </a:spcAft>
+              <a:buClr>
+                <a:schemeClr val="dk1"/>
+              </a:buClr>
+              <a:buSzPts val="1800"/>
+              <a:buNone/>
+              <a:defRPr sz="1800">
+                <a:solidFill>
+                  <a:schemeClr val="dk1"/>
+                </a:solidFill>
+              </a:defRPr>
+            </a:lvl2pPr>
+            <a:lvl3pPr lvl="2" algn="ctr" rtl="0">
+              <a:spcBef>
+                <a:spcPts val="0"/>
+              </a:spcBef>
+              <a:spcAft>
+                <a:spcPts val="0"/>
+              </a:spcAft>
+              <a:buClr>
+                <a:schemeClr val="dk1"/>
+              </a:buClr>
+              <a:buSzPts val="1800"/>
+              <a:buNone/>
+              <a:defRPr sz="1800">
+                <a:solidFill>
+                  <a:schemeClr val="dk1"/>
+                </a:solidFill>
+              </a:defRPr>
+            </a:lvl3pPr>
+            <a:lvl4pPr lvl="3" algn="ctr" rtl="0">
+              <a:spcBef>
+                <a:spcPts val="0"/>
+              </a:spcBef>
+              <a:spcAft>
+                <a:spcPts val="0"/>
+              </a:spcAft>
+              <a:buClr>
+                <a:schemeClr val="dk1"/>
+              </a:buClr>
+              <a:buSzPts val="1800"/>
+              <a:buNone/>
+              <a:defRPr sz="1800">
+                <a:solidFill>
+                  <a:schemeClr val="dk1"/>
+                </a:solidFill>
+              </a:defRPr>
+            </a:lvl4pPr>
+            <a:lvl5pPr lvl="4" algn="ctr" rtl="0">
+              <a:spcBef>
+                <a:spcPts val="0"/>
+              </a:spcBef>
+              <a:spcAft>
+                <a:spcPts val="0"/>
+              </a:spcAft>
+              <a:buClr>
+                <a:schemeClr val="dk1"/>
+              </a:buClr>
+              <a:buSzPts val="1800"/>
+              <a:buNone/>
+              <a:defRPr sz="1800">
+                <a:solidFill>
+                  <a:schemeClr val="dk1"/>
+                </a:solidFill>
+              </a:defRPr>
+            </a:lvl5pPr>
+            <a:lvl6pPr lvl="5" algn="ctr" rtl="0">
+              <a:spcBef>
+                <a:spcPts val="0"/>
+              </a:spcBef>
+              <a:spcAft>
+                <a:spcPts val="0"/>
+              </a:spcAft>
+              <a:buClr>
+                <a:schemeClr val="dk1"/>
+              </a:buClr>
+              <a:buSzPts val="1800"/>
+              <a:buNone/>
+              <a:defRPr sz="1800">
+                <a:solidFill>
+                  <a:schemeClr val="dk1"/>
+                </a:solidFill>
+              </a:defRPr>
+            </a:lvl6pPr>
+            <a:lvl7pPr lvl="6" algn="ctr" rtl="0">
+              <a:spcBef>
+                <a:spcPts val="0"/>
+              </a:spcBef>
+              <a:spcAft>
+                <a:spcPts val="0"/>
+              </a:spcAft>
+              <a:buClr>
+                <a:schemeClr val="dk1"/>
+              </a:buClr>
+              <a:buSzPts val="1800"/>
+              <a:buNone/>
+              <a:defRPr sz="1800">
+                <a:solidFill>
+                  <a:schemeClr val="dk1"/>
+                </a:solidFill>
+              </a:defRPr>
+            </a:lvl7pPr>
+            <a:lvl8pPr lvl="7" algn="ctr" rtl="0">
+              <a:spcBef>
+                <a:spcPts val="0"/>
+              </a:spcBef>
+              <a:spcAft>
+                <a:spcPts val="0"/>
+              </a:spcAft>
+              <a:buClr>
+                <a:schemeClr val="dk1"/>
+              </a:buClr>
+              <a:buSzPts val="1800"/>
+              <a:buNone/>
+              <a:defRPr sz="1800">
+                <a:solidFill>
+                  <a:schemeClr val="dk1"/>
+                </a:solidFill>
+              </a:defRPr>
+            </a:lvl8pPr>
+            <a:lvl9pPr lvl="8" algn="ctr" rtl="0">
+              <a:spcBef>
+                <a:spcPts val="0"/>
+              </a:spcBef>
+              <a:spcAft>
+                <a:spcPts val="0"/>
+              </a:spcAft>
+              <a:buClr>
+                <a:schemeClr val="dk1"/>
+              </a:buClr>
+              <a:buSzPts val="1800"/>
+              <a:buNone/>
+              <a:defRPr sz="1800">
+                <a:solidFill>
+                  <a:schemeClr val="dk1"/>
+                </a:solidFill>
+              </a:defRPr>
+            </a:lvl9pPr>
+          </a:lstStyle>
+          <a:p>
+            <a:endParaRPr/>
+          </a:p>
+        </p:txBody>
+      </p:sp>
+      <p:sp>
+        <p:nvSpPr>
+          <p:cNvPr id="207" name="Google Shape;207;p30"/>
+          <p:cNvSpPr txBox="1">
+            <a:spLocks noGrp="1"/>
+          </p:cNvSpPr>
+          <p:nvPr>
+            <p:ph type="subTitle" idx="8"/>
+          </p:nvPr>
+        </p:nvSpPr>
+        <p:spPr>
+          <a:xfrm>
+            <a:off x="5677150" y="3746088"/>
+            <a:ext cx="2732700" cy="807300"/>
+          </a:xfrm>
+          <a:prstGeom prst="rect">
+            <a:avLst/>
+          </a:prstGeom>
+        </p:spPr>
+        <p:txBody>
+          <a:bodyPr spcFirstLastPara="1" wrap="square" lIns="91425" tIns="91425" rIns="91425" bIns="91425" anchor="t" anchorCtr="0">
+            <a:noAutofit/>
+          </a:bodyPr>
+          <a:lstStyle>
+            <a:lvl1pPr lvl="0" algn="ctr" rtl="0">
+              <a:lnSpc>
+                <a:spcPct val="100000"/>
+              </a:lnSpc>
+              <a:spcBef>
+                <a:spcPts val="0"/>
+              </a:spcBef>
+              <a:spcAft>
+                <a:spcPts val="0"/>
+              </a:spcAft>
+              <a:buClr>
+                <a:schemeClr val="dk1"/>
+              </a:buClr>
+              <a:buSzPts val="1400"/>
+              <a:buFont typeface="Didact Gothic"/>
+              <a:buNone/>
+              <a:defRPr>
+                <a:solidFill>
+                  <a:schemeClr val="dk1"/>
+                </a:solidFill>
+                <a:latin typeface="Didact Gothic"/>
+                <a:ea typeface="Didact Gothic"/>
+                <a:cs typeface="Didact Gothic"/>
+                <a:sym typeface="Didact Gothic"/>
+              </a:defRPr>
+            </a:lvl1pPr>
+            <a:lvl2pPr lvl="1" algn="ctr" rtl="0">
+              <a:lnSpc>
+                <a:spcPct val="100000"/>
+              </a:lnSpc>
+              <a:spcBef>
+                <a:spcPts val="0"/>
+              </a:spcBef>
+              <a:spcAft>
+                <a:spcPts val="0"/>
+              </a:spcAft>
+              <a:buClr>
+                <a:schemeClr val="dk1"/>
+              </a:buClr>
+              <a:buSzPts val="1400"/>
+              <a:buFont typeface="Didact Gothic"/>
+              <a:buNone/>
+              <a:defRPr>
+                <a:solidFill>
+                  <a:schemeClr val="dk1"/>
+                </a:solidFill>
+                <a:latin typeface="Didact Gothic"/>
+                <a:ea typeface="Didact Gothic"/>
+                <a:cs typeface="Didact Gothic"/>
+                <a:sym typeface="Didact Gothic"/>
+              </a:defRPr>
+            </a:lvl2pPr>
+            <a:lvl3pPr lvl="2" algn="ctr" rtl="0">
+              <a:lnSpc>
+                <a:spcPct val="100000"/>
+              </a:lnSpc>
+              <a:spcBef>
+                <a:spcPts val="0"/>
+              </a:spcBef>
+              <a:spcAft>
+                <a:spcPts val="0"/>
+              </a:spcAft>
+              <a:buClr>
+                <a:schemeClr val="dk1"/>
+              </a:buClr>
+              <a:buSzPts val="1400"/>
+              <a:buFont typeface="Didact Gothic"/>
+              <a:buNone/>
+              <a:defRPr>
+                <a:solidFill>
+                  <a:schemeClr val="dk1"/>
+                </a:solidFill>
+                <a:latin typeface="Didact Gothic"/>
+                <a:ea typeface="Didact Gothic"/>
+                <a:cs typeface="Didact Gothic"/>
+                <a:sym typeface="Didact Gothic"/>
+              </a:defRPr>
+            </a:lvl3pPr>
+            <a:lvl4pPr lvl="3" algn="ctr" rtl="0">
+              <a:lnSpc>
+                <a:spcPct val="100000"/>
+              </a:lnSpc>
+              <a:spcBef>
+                <a:spcPts val="0"/>
+              </a:spcBef>
+              <a:spcAft>
+                <a:spcPts val="0"/>
+              </a:spcAft>
+              <a:buClr>
+                <a:schemeClr val="dk1"/>
+              </a:buClr>
+              <a:buSzPts val="1400"/>
+              <a:buFont typeface="Didact Gothic"/>
+              <a:buNone/>
+              <a:defRPr>
+                <a:solidFill>
+                  <a:schemeClr val="dk1"/>
+                </a:solidFill>
+                <a:latin typeface="Didact Gothic"/>
+                <a:ea typeface="Didact Gothic"/>
+                <a:cs typeface="Didact Gothic"/>
+                <a:sym typeface="Didact Gothic"/>
+              </a:defRPr>
+            </a:lvl4pPr>
+            <a:lvl5pPr lvl="4" algn="ctr" rtl="0">
+              <a:lnSpc>
+                <a:spcPct val="100000"/>
+              </a:lnSpc>
+              <a:spcBef>
+                <a:spcPts val="0"/>
+              </a:spcBef>
+              <a:spcAft>
+                <a:spcPts val="0"/>
+              </a:spcAft>
+              <a:buClr>
+                <a:schemeClr val="dk1"/>
+              </a:buClr>
+              <a:buSzPts val="1400"/>
+              <a:buFont typeface="Didact Gothic"/>
+              <a:buNone/>
+              <a:defRPr>
+                <a:solidFill>
+                  <a:schemeClr val="dk1"/>
+                </a:solidFill>
+                <a:latin typeface="Didact Gothic"/>
+                <a:ea typeface="Didact Gothic"/>
+                <a:cs typeface="Didact Gothic"/>
+                <a:sym typeface="Didact Gothic"/>
+              </a:defRPr>
+            </a:lvl5pPr>
+            <a:lvl6pPr lvl="5" algn="ctr" rtl="0">
+              <a:lnSpc>
+                <a:spcPct val="100000"/>
+              </a:lnSpc>
+              <a:spcBef>
+                <a:spcPts val="0"/>
+              </a:spcBef>
+              <a:spcAft>
+                <a:spcPts val="0"/>
+              </a:spcAft>
+              <a:buClr>
+                <a:schemeClr val="dk1"/>
+              </a:buClr>
+              <a:buSzPts val="1400"/>
+              <a:buFont typeface="Didact Gothic"/>
+              <a:buNone/>
+              <a:defRPr>
+                <a:solidFill>
+                  <a:schemeClr val="dk1"/>
+                </a:solidFill>
+                <a:latin typeface="Didact Gothic"/>
+                <a:ea typeface="Didact Gothic"/>
+                <a:cs typeface="Didact Gothic"/>
+                <a:sym typeface="Didact Gothic"/>
+              </a:defRPr>
+            </a:lvl6pPr>
+            <a:lvl7pPr lvl="6" algn="ctr" rtl="0">
+              <a:lnSpc>
+                <a:spcPct val="100000"/>
+              </a:lnSpc>
+              <a:spcBef>
+                <a:spcPts val="0"/>
+              </a:spcBef>
+              <a:spcAft>
+                <a:spcPts val="0"/>
+              </a:spcAft>
+              <a:buClr>
+                <a:schemeClr val="dk1"/>
+              </a:buClr>
+              <a:buSzPts val="1400"/>
+              <a:buFont typeface="Didact Gothic"/>
+              <a:buNone/>
+              <a:defRPr>
+                <a:solidFill>
+                  <a:schemeClr val="dk1"/>
+                </a:solidFill>
+                <a:latin typeface="Didact Gothic"/>
+                <a:ea typeface="Didact Gothic"/>
+                <a:cs typeface="Didact Gothic"/>
+                <a:sym typeface="Didact Gothic"/>
+              </a:defRPr>
+            </a:lvl7pPr>
+            <a:lvl8pPr lvl="7" algn="ctr" rtl="0">
+              <a:lnSpc>
+                <a:spcPct val="100000"/>
+              </a:lnSpc>
+              <a:spcBef>
+                <a:spcPts val="0"/>
+              </a:spcBef>
+              <a:spcAft>
+                <a:spcPts val="0"/>
+              </a:spcAft>
+              <a:buClr>
+                <a:schemeClr val="dk1"/>
+              </a:buClr>
+              <a:buSzPts val="1400"/>
+              <a:buFont typeface="Didact Gothic"/>
+              <a:buNone/>
+              <a:defRPr>
+                <a:solidFill>
+                  <a:schemeClr val="dk1"/>
+                </a:solidFill>
+                <a:latin typeface="Didact Gothic"/>
+                <a:ea typeface="Didact Gothic"/>
+                <a:cs typeface="Didact Gothic"/>
+                <a:sym typeface="Didact Gothic"/>
+              </a:defRPr>
+            </a:lvl8pPr>
+            <a:lvl9pPr lvl="8" algn="ctr" rtl="0">
+              <a:lnSpc>
+                <a:spcPct val="100000"/>
+              </a:lnSpc>
+              <a:spcBef>
+                <a:spcPts val="0"/>
+              </a:spcBef>
+              <a:spcAft>
+                <a:spcPts val="0"/>
+              </a:spcAft>
+              <a:buClr>
+                <a:schemeClr val="dk1"/>
+              </a:buClr>
+              <a:buSzPts val="1400"/>
+              <a:buFont typeface="Didact Gothic"/>
+              <a:buNone/>
+              <a:defRPr>
+                <a:solidFill>
+                  <a:schemeClr val="dk1"/>
+                </a:solidFill>
+                <a:latin typeface="Didact Gothic"/>
+                <a:ea typeface="Didact Gothic"/>
+                <a:cs typeface="Didact Gothic"/>
+                <a:sym typeface="Didact Gothic"/>
+              </a:defRPr>
+            </a:lvl9pPr>
+          </a:lstStyle>
+          <a:p>
+            <a:endParaRPr/>
+          </a:p>
+        </p:txBody>
+      </p:sp>
+    </p:spTree>
+    <p:extLst>
+      <p:ext uri="{BB962C8B-B14F-4D97-AF65-F5344CB8AC3E}">
+        <p14:creationId xmlns:p14="http://schemas.microsoft.com/office/powerpoint/2010/main" val="3185892356"/>
+      </p:ext>
+    </p:extLst>
+  </p:cSld>
+  <p:clrMapOvr>
+    <a:masterClrMapping/>
+  </p:clrMapOvr>
+</p:sldLayout>
+</file>
+
 <file path=ppt/slideMasters/slideMaster1.xml><?xml version="1.0" encoding="utf-8"?>
 <p:sldMaster xmlns:a="http://schemas.openxmlformats.org/drawingml/2006/main" xmlns:r="http://schemas.openxmlformats.org/officeDocument/2006/relationships" xmlns:p="http://schemas.openxmlformats.org/presentationml/2006/main">
   <p:cSld name="simple-light-2">
@@ -5668,6 +8060,7 @@
     <p:sldLayoutId id="2147483703" r:id="rId5"/>
     <p:sldLayoutId id="2147483704" r:id="rId6"/>
     <p:sldLayoutId id="2147483705" r:id="rId7"/>
+    <p:sldLayoutId id="2147483711" r:id="rId8"/>
   </p:sldLayoutIdLst>
   <p:hf sldNum="0" hdr="0" ftr="0" dt="0"/>
   <p:txStyles>
@@ -6936,6 +9329,6743 @@
 </p:sld>
 </file>
 
+<file path=ppt/slides/slide2.xml><?xml version="1.0" encoding="utf-8"?>
+<p:sld xmlns:a="http://schemas.openxmlformats.org/drawingml/2006/main" xmlns:r="http://schemas.openxmlformats.org/officeDocument/2006/relationships" xmlns:p="http://schemas.openxmlformats.org/presentationml/2006/main">
+  <p:cSld>
+    <p:spTree>
+      <p:nvGrpSpPr>
+        <p:cNvPr id="1" name="Shape 704"/>
+        <p:cNvGrpSpPr/>
+        <p:nvPr/>
+      </p:nvGrpSpPr>
+      <p:grpSpPr>
+        <a:xfrm>
+          <a:off x="0" y="0"/>
+          <a:ext cx="0" cy="0"/>
+          <a:chOff x="0" y="0"/>
+          <a:chExt cx="0" cy="0"/>
+        </a:xfrm>
+      </p:grpSpPr>
+      <p:sp>
+        <p:nvSpPr>
+          <p:cNvPr id="705" name="Google Shape;705;p92"/>
+          <p:cNvSpPr txBox="1">
+            <a:spLocks noGrp="1"/>
+          </p:cNvSpPr>
+          <p:nvPr>
+            <p:ph type="title"/>
+          </p:nvPr>
+        </p:nvSpPr>
+        <p:spPr>
+          <a:xfrm>
+            <a:off x="2657400" y="2102268"/>
+            <a:ext cx="3829200" cy="528600"/>
+          </a:xfrm>
+          <a:prstGeom prst="rect">
+            <a:avLst/>
+          </a:prstGeom>
+        </p:spPr>
+        <p:txBody>
+          <a:bodyPr spcFirstLastPara="1" wrap="square" lIns="91425" tIns="91425" rIns="91425" bIns="91425" anchor="t" anchorCtr="0">
+            <a:noAutofit/>
+          </a:bodyPr>
+          <a:lstStyle/>
+          <a:p>
+            <a:pPr marL="0" lvl="0" indent="0" algn="ctr" rtl="0">
+              <a:spcBef>
+                <a:spcPts val="0"/>
+              </a:spcBef>
+              <a:spcAft>
+                <a:spcPts val="0"/>
+              </a:spcAft>
+              <a:buNone/>
+            </a:pPr>
+            <a:r>
+              <a:rPr lang="en" b="1" dirty="0"/>
+              <a:t>Budget Allocation</a:t>
+            </a:r>
+            <a:endParaRPr b="1" dirty="0"/>
+          </a:p>
+        </p:txBody>
+      </p:sp>
+      <p:sp>
+        <p:nvSpPr>
+          <p:cNvPr id="706" name="Google Shape;706;p92"/>
+          <p:cNvSpPr txBox="1">
+            <a:spLocks noGrp="1"/>
+          </p:cNvSpPr>
+          <p:nvPr>
+            <p:ph type="title" idx="2"/>
+          </p:nvPr>
+        </p:nvSpPr>
+        <p:spPr>
+          <a:xfrm>
+            <a:off x="1120875" y="899475"/>
+            <a:ext cx="1959300" cy="333900"/>
+          </a:xfrm>
+          <a:prstGeom prst="rect">
+            <a:avLst/>
+          </a:prstGeom>
+        </p:spPr>
+        <p:txBody>
+          <a:bodyPr spcFirstLastPara="1" wrap="square" lIns="91425" tIns="91425" rIns="91425" bIns="91425" anchor="ctr" anchorCtr="0">
+            <a:noAutofit/>
+          </a:bodyPr>
+          <a:lstStyle/>
+          <a:p>
+            <a:pPr marL="0" lvl="0" indent="0" algn="ctr" rtl="0">
+              <a:spcBef>
+                <a:spcPts val="0"/>
+              </a:spcBef>
+              <a:spcAft>
+                <a:spcPts val="0"/>
+              </a:spcAft>
+              <a:buNone/>
+            </a:pPr>
+            <a:r>
+              <a:rPr lang="en" sz="2400" dirty="0"/>
+              <a:t>Employees</a:t>
+            </a:r>
+            <a:endParaRPr sz="2400" dirty="0"/>
+          </a:p>
+        </p:txBody>
+      </p:sp>
+      <p:sp>
+        <p:nvSpPr>
+          <p:cNvPr id="707" name="Google Shape;707;p92"/>
+          <p:cNvSpPr txBox="1">
+            <a:spLocks noGrp="1"/>
+          </p:cNvSpPr>
+          <p:nvPr>
+            <p:ph type="subTitle" idx="1"/>
+          </p:nvPr>
+        </p:nvSpPr>
+        <p:spPr>
+          <a:xfrm>
+            <a:off x="734175" y="1166874"/>
+            <a:ext cx="2732700" cy="807300"/>
+          </a:xfrm>
+          <a:prstGeom prst="rect">
+            <a:avLst/>
+          </a:prstGeom>
+        </p:spPr>
+        <p:txBody>
+          <a:bodyPr spcFirstLastPara="1" wrap="square" lIns="91425" tIns="91425" rIns="91425" bIns="91425" anchor="t" anchorCtr="0">
+            <a:noAutofit/>
+          </a:bodyPr>
+          <a:lstStyle/>
+          <a:p>
+            <a:pPr marL="0" lvl="0" indent="0" algn="ctr" rtl="0">
+              <a:spcBef>
+                <a:spcPts val="0"/>
+              </a:spcBef>
+              <a:spcAft>
+                <a:spcPts val="0"/>
+              </a:spcAft>
+              <a:buNone/>
+            </a:pPr>
+            <a:r>
+              <a:rPr lang="en-US" sz="2400" dirty="0"/>
+              <a:t>59%</a:t>
+            </a:r>
+            <a:endParaRPr sz="2400" dirty="0"/>
+          </a:p>
+          <a:p>
+            <a:pPr marL="0" lvl="0" indent="0" algn="ctr" rtl="0">
+              <a:spcBef>
+                <a:spcPts val="0"/>
+              </a:spcBef>
+              <a:spcAft>
+                <a:spcPts val="0"/>
+              </a:spcAft>
+              <a:buNone/>
+            </a:pPr>
+            <a:endParaRPr sz="2400" dirty="0"/>
+          </a:p>
+        </p:txBody>
+      </p:sp>
+      <p:sp>
+        <p:nvSpPr>
+          <p:cNvPr id="708" name="Google Shape;708;p92"/>
+          <p:cNvSpPr txBox="1">
+            <a:spLocks noGrp="1"/>
+          </p:cNvSpPr>
+          <p:nvPr>
+            <p:ph type="title" idx="3"/>
+          </p:nvPr>
+        </p:nvSpPr>
+        <p:spPr>
+          <a:xfrm>
+            <a:off x="1120875" y="3477975"/>
+            <a:ext cx="1959300" cy="333900"/>
+          </a:xfrm>
+          <a:prstGeom prst="rect">
+            <a:avLst/>
+          </a:prstGeom>
+        </p:spPr>
+        <p:txBody>
+          <a:bodyPr spcFirstLastPara="1" wrap="square" lIns="91425" tIns="91425" rIns="91425" bIns="91425" anchor="ctr" anchorCtr="0">
+            <a:noAutofit/>
+          </a:bodyPr>
+          <a:lstStyle/>
+          <a:p>
+            <a:pPr marL="0" lvl="0" indent="0" algn="ctr" rtl="0">
+              <a:spcBef>
+                <a:spcPts val="0"/>
+              </a:spcBef>
+              <a:spcAft>
+                <a:spcPts val="0"/>
+              </a:spcAft>
+              <a:buNone/>
+            </a:pPr>
+            <a:r>
+              <a:rPr lang="en" sz="2400" dirty="0"/>
+              <a:t>Meals</a:t>
+            </a:r>
+            <a:endParaRPr sz="2400" dirty="0"/>
+          </a:p>
+        </p:txBody>
+      </p:sp>
+      <p:sp>
+        <p:nvSpPr>
+          <p:cNvPr id="709" name="Google Shape;709;p92"/>
+          <p:cNvSpPr txBox="1">
+            <a:spLocks noGrp="1"/>
+          </p:cNvSpPr>
+          <p:nvPr>
+            <p:ph type="subTitle" idx="4"/>
+          </p:nvPr>
+        </p:nvSpPr>
+        <p:spPr>
+          <a:xfrm>
+            <a:off x="734175" y="3747815"/>
+            <a:ext cx="2732700" cy="807300"/>
+          </a:xfrm>
+          <a:prstGeom prst="rect">
+            <a:avLst/>
+          </a:prstGeom>
+        </p:spPr>
+        <p:txBody>
+          <a:bodyPr spcFirstLastPara="1" wrap="square" lIns="91425" tIns="91425" rIns="91425" bIns="91425" anchor="t" anchorCtr="0">
+            <a:noAutofit/>
+          </a:bodyPr>
+          <a:lstStyle/>
+          <a:p>
+            <a:pPr marL="0" lvl="0" indent="0" algn="ctr" rtl="0">
+              <a:spcBef>
+                <a:spcPts val="0"/>
+              </a:spcBef>
+              <a:spcAft>
+                <a:spcPts val="0"/>
+              </a:spcAft>
+              <a:buNone/>
+            </a:pPr>
+            <a:r>
+              <a:rPr lang="en-US" sz="2400" dirty="0"/>
+              <a:t>46%</a:t>
+            </a:r>
+          </a:p>
+        </p:txBody>
+      </p:sp>
+      <p:sp>
+        <p:nvSpPr>
+          <p:cNvPr id="710" name="Google Shape;710;p92"/>
+          <p:cNvSpPr txBox="1">
+            <a:spLocks noGrp="1"/>
+          </p:cNvSpPr>
+          <p:nvPr>
+            <p:ph type="title" idx="5"/>
+          </p:nvPr>
+        </p:nvSpPr>
+        <p:spPr>
+          <a:xfrm>
+            <a:off x="6063846" y="899475"/>
+            <a:ext cx="1959300" cy="333900"/>
+          </a:xfrm>
+          <a:prstGeom prst="rect">
+            <a:avLst/>
+          </a:prstGeom>
+        </p:spPr>
+        <p:txBody>
+          <a:bodyPr spcFirstLastPara="1" wrap="square" lIns="91425" tIns="91425" rIns="91425" bIns="91425" anchor="ctr" anchorCtr="0">
+            <a:noAutofit/>
+          </a:bodyPr>
+          <a:lstStyle/>
+          <a:p>
+            <a:pPr marL="0" lvl="0" indent="0" algn="ctr" rtl="0">
+              <a:spcBef>
+                <a:spcPts val="0"/>
+              </a:spcBef>
+              <a:spcAft>
+                <a:spcPts val="0"/>
+              </a:spcAft>
+              <a:buNone/>
+            </a:pPr>
+            <a:r>
+              <a:rPr lang="en" sz="2400" dirty="0"/>
+              <a:t>Employees</a:t>
+            </a:r>
+            <a:endParaRPr sz="2400" dirty="0"/>
+          </a:p>
+        </p:txBody>
+      </p:sp>
+      <p:sp>
+        <p:nvSpPr>
+          <p:cNvPr id="711" name="Google Shape;711;p92"/>
+          <p:cNvSpPr txBox="1">
+            <a:spLocks noGrp="1"/>
+          </p:cNvSpPr>
+          <p:nvPr>
+            <p:ph type="subTitle" idx="6"/>
+          </p:nvPr>
+        </p:nvSpPr>
+        <p:spPr>
+          <a:xfrm>
+            <a:off x="5677150" y="1166874"/>
+            <a:ext cx="2732700" cy="807300"/>
+          </a:xfrm>
+          <a:prstGeom prst="rect">
+            <a:avLst/>
+          </a:prstGeom>
+        </p:spPr>
+        <p:txBody>
+          <a:bodyPr spcFirstLastPara="1" wrap="square" lIns="91425" tIns="91425" rIns="91425" bIns="91425" anchor="t" anchorCtr="0">
+            <a:noAutofit/>
+          </a:bodyPr>
+          <a:lstStyle/>
+          <a:p>
+            <a:pPr marL="0" lvl="0" indent="0" algn="ctr" rtl="0">
+              <a:spcBef>
+                <a:spcPts val="0"/>
+              </a:spcBef>
+              <a:spcAft>
+                <a:spcPts val="0"/>
+              </a:spcAft>
+              <a:buNone/>
+            </a:pPr>
+            <a:r>
+              <a:rPr lang="en-US" sz="2400" dirty="0"/>
+              <a:t>63%</a:t>
+            </a:r>
+            <a:endParaRPr sz="2400" dirty="0"/>
+          </a:p>
+        </p:txBody>
+      </p:sp>
+      <p:sp>
+        <p:nvSpPr>
+          <p:cNvPr id="712" name="Google Shape;712;p92"/>
+          <p:cNvSpPr txBox="1">
+            <a:spLocks noGrp="1"/>
+          </p:cNvSpPr>
+          <p:nvPr>
+            <p:ph type="title" idx="7"/>
+          </p:nvPr>
+        </p:nvSpPr>
+        <p:spPr>
+          <a:xfrm>
+            <a:off x="6063846" y="3478125"/>
+            <a:ext cx="1959300" cy="333900"/>
+          </a:xfrm>
+          <a:prstGeom prst="rect">
+            <a:avLst/>
+          </a:prstGeom>
+        </p:spPr>
+        <p:txBody>
+          <a:bodyPr spcFirstLastPara="1" wrap="square" lIns="91425" tIns="91425" rIns="91425" bIns="91425" anchor="ctr" anchorCtr="0">
+            <a:noAutofit/>
+          </a:bodyPr>
+          <a:lstStyle/>
+          <a:p>
+            <a:pPr marL="0" lvl="0" indent="0" algn="ctr" rtl="0">
+              <a:spcBef>
+                <a:spcPts val="0"/>
+              </a:spcBef>
+              <a:spcAft>
+                <a:spcPts val="0"/>
+              </a:spcAft>
+              <a:buNone/>
+            </a:pPr>
+            <a:r>
+              <a:rPr lang="en" sz="2400" dirty="0"/>
+              <a:t>Meals</a:t>
+            </a:r>
+            <a:endParaRPr sz="2400" dirty="0"/>
+          </a:p>
+        </p:txBody>
+      </p:sp>
+      <p:sp>
+        <p:nvSpPr>
+          <p:cNvPr id="713" name="Google Shape;713;p92"/>
+          <p:cNvSpPr txBox="1">
+            <a:spLocks noGrp="1"/>
+          </p:cNvSpPr>
+          <p:nvPr>
+            <p:ph type="subTitle" idx="8"/>
+          </p:nvPr>
+        </p:nvSpPr>
+        <p:spPr>
+          <a:xfrm>
+            <a:off x="5677150" y="3746088"/>
+            <a:ext cx="2732700" cy="807300"/>
+          </a:xfrm>
+          <a:prstGeom prst="rect">
+            <a:avLst/>
+          </a:prstGeom>
+        </p:spPr>
+        <p:txBody>
+          <a:bodyPr spcFirstLastPara="1" wrap="square" lIns="91425" tIns="91425" rIns="91425" bIns="91425" anchor="t" anchorCtr="0">
+            <a:noAutofit/>
+          </a:bodyPr>
+          <a:lstStyle/>
+          <a:p>
+            <a:pPr marL="0" lvl="0" indent="0" algn="ctr" rtl="0">
+              <a:spcBef>
+                <a:spcPts val="0"/>
+              </a:spcBef>
+              <a:spcAft>
+                <a:spcPts val="0"/>
+              </a:spcAft>
+              <a:buNone/>
+            </a:pPr>
+            <a:r>
+              <a:rPr lang="en-US" sz="2400" dirty="0"/>
+              <a:t>43%</a:t>
+            </a:r>
+          </a:p>
+        </p:txBody>
+      </p:sp>
+      <p:sp>
+        <p:nvSpPr>
+          <p:cNvPr id="714" name="Google Shape;714;p92"/>
+          <p:cNvSpPr/>
+          <p:nvPr/>
+        </p:nvSpPr>
+        <p:spPr>
+          <a:xfrm rot="10800000">
+            <a:off x="1682775" y="545312"/>
+            <a:ext cx="835500" cy="259800"/>
+          </a:xfrm>
+          <a:prstGeom prst="triangle">
+            <a:avLst>
+              <a:gd name="adj" fmla="val 50000"/>
+            </a:avLst>
+          </a:prstGeom>
+          <a:solidFill>
+            <a:srgbClr val="444D9B"/>
+          </a:solidFill>
+          <a:ln>
+            <a:noFill/>
+          </a:ln>
+        </p:spPr>
+        <p:txBody>
+          <a:bodyPr spcFirstLastPara="1" wrap="square" lIns="91425" tIns="91425" rIns="91425" bIns="91425" anchor="ctr" anchorCtr="0">
+            <a:noAutofit/>
+          </a:bodyPr>
+          <a:lstStyle/>
+          <a:p>
+            <a:pPr marL="0" lvl="0" indent="0" algn="l" rtl="0">
+              <a:spcBef>
+                <a:spcPts val="0"/>
+              </a:spcBef>
+              <a:spcAft>
+                <a:spcPts val="0"/>
+              </a:spcAft>
+              <a:buNone/>
+            </a:pPr>
+            <a:endParaRPr dirty="0"/>
+          </a:p>
+        </p:txBody>
+      </p:sp>
+      <p:sp>
+        <p:nvSpPr>
+          <p:cNvPr id="715" name="Google Shape;715;p92"/>
+          <p:cNvSpPr/>
+          <p:nvPr/>
+        </p:nvSpPr>
+        <p:spPr>
+          <a:xfrm>
+            <a:off x="1682775" y="3132225"/>
+            <a:ext cx="835500" cy="259800"/>
+          </a:xfrm>
+          <a:prstGeom prst="triangle">
+            <a:avLst>
+              <a:gd name="adj" fmla="val 50000"/>
+            </a:avLst>
+          </a:prstGeom>
+          <a:solidFill>
+            <a:srgbClr val="444D9B"/>
+          </a:solidFill>
+          <a:ln>
+            <a:noFill/>
+          </a:ln>
+        </p:spPr>
+        <p:txBody>
+          <a:bodyPr spcFirstLastPara="1" wrap="square" lIns="91425" tIns="91425" rIns="91425" bIns="91425" anchor="ctr" anchorCtr="0">
+            <a:noAutofit/>
+          </a:bodyPr>
+          <a:lstStyle/>
+          <a:p>
+            <a:pPr marL="0" lvl="0" indent="0" algn="l" rtl="0">
+              <a:spcBef>
+                <a:spcPts val="0"/>
+              </a:spcBef>
+              <a:spcAft>
+                <a:spcPts val="0"/>
+              </a:spcAft>
+              <a:buNone/>
+            </a:pPr>
+            <a:endParaRPr/>
+          </a:p>
+        </p:txBody>
+      </p:sp>
+      <p:sp>
+        <p:nvSpPr>
+          <p:cNvPr id="716" name="Google Shape;716;p92"/>
+          <p:cNvSpPr/>
+          <p:nvPr/>
+        </p:nvSpPr>
+        <p:spPr>
+          <a:xfrm>
+            <a:off x="6625746" y="545312"/>
+            <a:ext cx="835500" cy="259800"/>
+          </a:xfrm>
+          <a:prstGeom prst="triangle">
+            <a:avLst>
+              <a:gd name="adj" fmla="val 50000"/>
+            </a:avLst>
+          </a:prstGeom>
+          <a:solidFill>
+            <a:srgbClr val="9B445C"/>
+          </a:solidFill>
+          <a:ln>
+            <a:noFill/>
+          </a:ln>
+        </p:spPr>
+        <p:txBody>
+          <a:bodyPr spcFirstLastPara="1" wrap="square" lIns="91425" tIns="91425" rIns="91425" bIns="91425" anchor="ctr" anchorCtr="0">
+            <a:noAutofit/>
+          </a:bodyPr>
+          <a:lstStyle/>
+          <a:p>
+            <a:pPr marL="0" lvl="0" indent="0" algn="l" rtl="0">
+              <a:spcBef>
+                <a:spcPts val="0"/>
+              </a:spcBef>
+              <a:spcAft>
+                <a:spcPts val="0"/>
+              </a:spcAft>
+              <a:buNone/>
+            </a:pPr>
+            <a:endParaRPr dirty="0"/>
+          </a:p>
+        </p:txBody>
+      </p:sp>
+      <p:sp>
+        <p:nvSpPr>
+          <p:cNvPr id="717" name="Google Shape;717;p92"/>
+          <p:cNvSpPr/>
+          <p:nvPr/>
+        </p:nvSpPr>
+        <p:spPr>
+          <a:xfrm rot="10800000">
+            <a:off x="6625746" y="3132000"/>
+            <a:ext cx="835500" cy="259800"/>
+          </a:xfrm>
+          <a:prstGeom prst="triangle">
+            <a:avLst>
+              <a:gd name="adj" fmla="val 50000"/>
+            </a:avLst>
+          </a:prstGeom>
+          <a:solidFill>
+            <a:srgbClr val="9B445C"/>
+          </a:solidFill>
+          <a:ln>
+            <a:noFill/>
+          </a:ln>
+        </p:spPr>
+        <p:txBody>
+          <a:bodyPr spcFirstLastPara="1" wrap="square" lIns="91425" tIns="91425" rIns="91425" bIns="91425" anchor="ctr" anchorCtr="0">
+            <a:noAutofit/>
+          </a:bodyPr>
+          <a:lstStyle/>
+          <a:p>
+            <a:pPr marL="0" lvl="0" indent="0" algn="l" rtl="0">
+              <a:spcBef>
+                <a:spcPts val="0"/>
+              </a:spcBef>
+              <a:spcAft>
+                <a:spcPts val="0"/>
+              </a:spcAft>
+              <a:buNone/>
+            </a:pPr>
+            <a:endParaRPr/>
+          </a:p>
+        </p:txBody>
+      </p:sp>
+      <p:cxnSp>
+        <p:nvCxnSpPr>
+          <p:cNvPr id="718" name="Google Shape;718;p92"/>
+          <p:cNvCxnSpPr/>
+          <p:nvPr/>
+        </p:nvCxnSpPr>
+        <p:spPr>
+          <a:xfrm>
+            <a:off x="-22525" y="2564950"/>
+            <a:ext cx="2858700" cy="0"/>
+          </a:xfrm>
+          <a:prstGeom prst="straightConnector1">
+            <a:avLst/>
+          </a:prstGeom>
+          <a:noFill/>
+          <a:ln w="19050" cap="flat" cmpd="sng">
+            <a:solidFill>
+              <a:schemeClr val="dk1"/>
+            </a:solidFill>
+            <a:prstDash val="solid"/>
+            <a:round/>
+            <a:headEnd type="none" w="med" len="med"/>
+            <a:tailEnd type="none" w="med" len="med"/>
+          </a:ln>
+        </p:spPr>
+      </p:cxnSp>
+      <p:cxnSp>
+        <p:nvCxnSpPr>
+          <p:cNvPr id="719" name="Google Shape;719;p92"/>
+          <p:cNvCxnSpPr/>
+          <p:nvPr/>
+        </p:nvCxnSpPr>
+        <p:spPr>
+          <a:xfrm>
+            <a:off x="6285300" y="2571750"/>
+            <a:ext cx="2858700" cy="0"/>
+          </a:xfrm>
+          <a:prstGeom prst="straightConnector1">
+            <a:avLst/>
+          </a:prstGeom>
+          <a:noFill/>
+          <a:ln w="19050" cap="flat" cmpd="sng">
+            <a:solidFill>
+              <a:schemeClr val="dk1"/>
+            </a:solidFill>
+            <a:prstDash val="solid"/>
+            <a:round/>
+            <a:headEnd type="none" w="med" len="med"/>
+            <a:tailEnd type="none" w="med" len="med"/>
+          </a:ln>
+        </p:spPr>
+      </p:cxnSp>
+      <p:cxnSp>
+        <p:nvCxnSpPr>
+          <p:cNvPr id="720" name="Google Shape;720;p92"/>
+          <p:cNvCxnSpPr/>
+          <p:nvPr/>
+        </p:nvCxnSpPr>
+        <p:spPr>
+          <a:xfrm>
+            <a:off x="4572000" y="3179625"/>
+            <a:ext cx="0" cy="930900"/>
+          </a:xfrm>
+          <a:prstGeom prst="straightConnector1">
+            <a:avLst/>
+          </a:prstGeom>
+          <a:noFill/>
+          <a:ln w="19050" cap="flat" cmpd="sng">
+            <a:solidFill>
+              <a:schemeClr val="dk1"/>
+            </a:solidFill>
+            <a:prstDash val="solid"/>
+            <a:round/>
+            <a:headEnd type="none" w="med" len="med"/>
+            <a:tailEnd type="none" w="med" len="med"/>
+          </a:ln>
+        </p:spPr>
+      </p:cxnSp>
+      <p:cxnSp>
+        <p:nvCxnSpPr>
+          <p:cNvPr id="721" name="Google Shape;721;p92"/>
+          <p:cNvCxnSpPr/>
+          <p:nvPr/>
+        </p:nvCxnSpPr>
+        <p:spPr>
+          <a:xfrm>
+            <a:off x="4572000" y="1276600"/>
+            <a:ext cx="0" cy="930900"/>
+          </a:xfrm>
+          <a:prstGeom prst="straightConnector1">
+            <a:avLst/>
+          </a:prstGeom>
+          <a:noFill/>
+          <a:ln w="19050" cap="flat" cmpd="sng">
+            <a:solidFill>
+              <a:schemeClr val="dk1"/>
+            </a:solidFill>
+            <a:prstDash val="solid"/>
+            <a:round/>
+            <a:headEnd type="none" w="med" len="med"/>
+            <a:tailEnd type="none" w="med" len="med"/>
+          </a:ln>
+        </p:spPr>
+      </p:cxnSp>
+      <p:sp>
+        <p:nvSpPr>
+          <p:cNvPr id="3" name="Google Shape;705;p92">
+            <a:extLst>
+              <a:ext uri="{FF2B5EF4-FFF2-40B4-BE49-F238E27FC236}">
+                <a16:creationId xmlns:a16="http://schemas.microsoft.com/office/drawing/2014/main" id="{DF8B365C-BD16-1B77-AADD-0F7372883EF5}"/>
+              </a:ext>
+            </a:extLst>
+          </p:cNvPr>
+          <p:cNvSpPr txBox="1">
+            <a:spLocks/>
+          </p:cNvSpPr>
+          <p:nvPr/>
+        </p:nvSpPr>
+        <p:spPr>
+          <a:xfrm>
+            <a:off x="-98965" y="1993376"/>
+            <a:ext cx="3162997" cy="528600"/>
+          </a:xfrm>
+          <a:prstGeom prst="rect">
+            <a:avLst/>
+          </a:prstGeom>
+          <a:noFill/>
+          <a:ln>
+            <a:noFill/>
+          </a:ln>
+        </p:spPr>
+        <p:txBody>
+          <a:bodyPr spcFirstLastPara="1" wrap="square" lIns="91425" tIns="91425" rIns="91425" bIns="91425" anchor="t" anchorCtr="0">
+            <a:noAutofit/>
+          </a:bodyPr>
+          <a:lstStyle>
+            <a:defPPr marR="0" lvl="0" algn="l" rtl="0">
+              <a:lnSpc>
+                <a:spcPct val="100000"/>
+              </a:lnSpc>
+              <a:spcBef>
+                <a:spcPts val="0"/>
+              </a:spcBef>
+              <a:spcAft>
+                <a:spcPts val="0"/>
+              </a:spcAft>
+            </a:defPPr>
+            <a:lvl1pPr marR="0" lvl="0" algn="ctr" rtl="0">
+              <a:lnSpc>
+                <a:spcPct val="100000"/>
+              </a:lnSpc>
+              <a:spcBef>
+                <a:spcPts val="0"/>
+              </a:spcBef>
+              <a:spcAft>
+                <a:spcPts val="0"/>
+              </a:spcAft>
+              <a:buClr>
+                <a:schemeClr val="dk1"/>
+              </a:buClr>
+              <a:buSzPts val="2700"/>
+              <a:buFont typeface="Julius Sans One"/>
+              <a:buNone/>
+              <a:defRPr sz="3000" b="1" i="0" u="none" strike="noStrike" cap="none">
+                <a:solidFill>
+                  <a:schemeClr val="dk1"/>
+                </a:solidFill>
+                <a:latin typeface="Julius Sans One"/>
+                <a:ea typeface="Julius Sans One"/>
+                <a:cs typeface="Julius Sans One"/>
+                <a:sym typeface="Julius Sans One"/>
+              </a:defRPr>
+            </a:lvl1pPr>
+            <a:lvl2pPr marR="0" lvl="1" algn="l" rtl="0">
+              <a:lnSpc>
+                <a:spcPct val="100000"/>
+              </a:lnSpc>
+              <a:spcBef>
+                <a:spcPts val="0"/>
+              </a:spcBef>
+              <a:spcAft>
+                <a:spcPts val="0"/>
+              </a:spcAft>
+              <a:buClr>
+                <a:schemeClr val="dk1"/>
+              </a:buClr>
+              <a:buSzPts val="3000"/>
+              <a:buFont typeface="Julius Sans One"/>
+              <a:buNone/>
+              <a:defRPr sz="3000" b="1" i="0" u="none" strike="noStrike" cap="none">
+                <a:solidFill>
+                  <a:schemeClr val="dk1"/>
+                </a:solidFill>
+                <a:latin typeface="Julius Sans One"/>
+                <a:ea typeface="Julius Sans One"/>
+                <a:cs typeface="Julius Sans One"/>
+                <a:sym typeface="Julius Sans One"/>
+              </a:defRPr>
+            </a:lvl2pPr>
+            <a:lvl3pPr marR="0" lvl="2" algn="l" rtl="0">
+              <a:lnSpc>
+                <a:spcPct val="100000"/>
+              </a:lnSpc>
+              <a:spcBef>
+                <a:spcPts val="0"/>
+              </a:spcBef>
+              <a:spcAft>
+                <a:spcPts val="0"/>
+              </a:spcAft>
+              <a:buClr>
+                <a:schemeClr val="dk1"/>
+              </a:buClr>
+              <a:buSzPts val="3000"/>
+              <a:buFont typeface="Julius Sans One"/>
+              <a:buNone/>
+              <a:defRPr sz="3000" b="1" i="0" u="none" strike="noStrike" cap="none">
+                <a:solidFill>
+                  <a:schemeClr val="dk1"/>
+                </a:solidFill>
+                <a:latin typeface="Julius Sans One"/>
+                <a:ea typeface="Julius Sans One"/>
+                <a:cs typeface="Julius Sans One"/>
+                <a:sym typeface="Julius Sans One"/>
+              </a:defRPr>
+            </a:lvl3pPr>
+            <a:lvl4pPr marR="0" lvl="3" algn="l" rtl="0">
+              <a:lnSpc>
+                <a:spcPct val="100000"/>
+              </a:lnSpc>
+              <a:spcBef>
+                <a:spcPts val="0"/>
+              </a:spcBef>
+              <a:spcAft>
+                <a:spcPts val="0"/>
+              </a:spcAft>
+              <a:buClr>
+                <a:schemeClr val="dk1"/>
+              </a:buClr>
+              <a:buSzPts val="3000"/>
+              <a:buFont typeface="Julius Sans One"/>
+              <a:buNone/>
+              <a:defRPr sz="3000" b="1" i="0" u="none" strike="noStrike" cap="none">
+                <a:solidFill>
+                  <a:schemeClr val="dk1"/>
+                </a:solidFill>
+                <a:latin typeface="Julius Sans One"/>
+                <a:ea typeface="Julius Sans One"/>
+                <a:cs typeface="Julius Sans One"/>
+                <a:sym typeface="Julius Sans One"/>
+              </a:defRPr>
+            </a:lvl4pPr>
+            <a:lvl5pPr marR="0" lvl="4" algn="l" rtl="0">
+              <a:lnSpc>
+                <a:spcPct val="100000"/>
+              </a:lnSpc>
+              <a:spcBef>
+                <a:spcPts val="0"/>
+              </a:spcBef>
+              <a:spcAft>
+                <a:spcPts val="0"/>
+              </a:spcAft>
+              <a:buClr>
+                <a:schemeClr val="dk1"/>
+              </a:buClr>
+              <a:buSzPts val="3000"/>
+              <a:buFont typeface="Julius Sans One"/>
+              <a:buNone/>
+              <a:defRPr sz="3000" b="1" i="0" u="none" strike="noStrike" cap="none">
+                <a:solidFill>
+                  <a:schemeClr val="dk1"/>
+                </a:solidFill>
+                <a:latin typeface="Julius Sans One"/>
+                <a:ea typeface="Julius Sans One"/>
+                <a:cs typeface="Julius Sans One"/>
+                <a:sym typeface="Julius Sans One"/>
+              </a:defRPr>
+            </a:lvl5pPr>
+            <a:lvl6pPr marR="0" lvl="5" algn="l" rtl="0">
+              <a:lnSpc>
+                <a:spcPct val="100000"/>
+              </a:lnSpc>
+              <a:spcBef>
+                <a:spcPts val="0"/>
+              </a:spcBef>
+              <a:spcAft>
+                <a:spcPts val="0"/>
+              </a:spcAft>
+              <a:buClr>
+                <a:schemeClr val="dk1"/>
+              </a:buClr>
+              <a:buSzPts val="3000"/>
+              <a:buFont typeface="Julius Sans One"/>
+              <a:buNone/>
+              <a:defRPr sz="3000" b="1" i="0" u="none" strike="noStrike" cap="none">
+                <a:solidFill>
+                  <a:schemeClr val="dk1"/>
+                </a:solidFill>
+                <a:latin typeface="Julius Sans One"/>
+                <a:ea typeface="Julius Sans One"/>
+                <a:cs typeface="Julius Sans One"/>
+                <a:sym typeface="Julius Sans One"/>
+              </a:defRPr>
+            </a:lvl6pPr>
+            <a:lvl7pPr marR="0" lvl="6" algn="l" rtl="0">
+              <a:lnSpc>
+                <a:spcPct val="100000"/>
+              </a:lnSpc>
+              <a:spcBef>
+                <a:spcPts val="0"/>
+              </a:spcBef>
+              <a:spcAft>
+                <a:spcPts val="0"/>
+              </a:spcAft>
+              <a:buClr>
+                <a:schemeClr val="dk1"/>
+              </a:buClr>
+              <a:buSzPts val="3000"/>
+              <a:buFont typeface="Julius Sans One"/>
+              <a:buNone/>
+              <a:defRPr sz="3000" b="1" i="0" u="none" strike="noStrike" cap="none">
+                <a:solidFill>
+                  <a:schemeClr val="dk1"/>
+                </a:solidFill>
+                <a:latin typeface="Julius Sans One"/>
+                <a:ea typeface="Julius Sans One"/>
+                <a:cs typeface="Julius Sans One"/>
+                <a:sym typeface="Julius Sans One"/>
+              </a:defRPr>
+            </a:lvl7pPr>
+            <a:lvl8pPr marR="0" lvl="7" algn="l" rtl="0">
+              <a:lnSpc>
+                <a:spcPct val="100000"/>
+              </a:lnSpc>
+              <a:spcBef>
+                <a:spcPts val="0"/>
+              </a:spcBef>
+              <a:spcAft>
+                <a:spcPts val="0"/>
+              </a:spcAft>
+              <a:buClr>
+                <a:schemeClr val="dk1"/>
+              </a:buClr>
+              <a:buSzPts val="3000"/>
+              <a:buFont typeface="Julius Sans One"/>
+              <a:buNone/>
+              <a:defRPr sz="3000" b="1" i="0" u="none" strike="noStrike" cap="none">
+                <a:solidFill>
+                  <a:schemeClr val="dk1"/>
+                </a:solidFill>
+                <a:latin typeface="Julius Sans One"/>
+                <a:ea typeface="Julius Sans One"/>
+                <a:cs typeface="Julius Sans One"/>
+                <a:sym typeface="Julius Sans One"/>
+              </a:defRPr>
+            </a:lvl8pPr>
+            <a:lvl9pPr marR="0" lvl="8" algn="l" rtl="0">
+              <a:lnSpc>
+                <a:spcPct val="100000"/>
+              </a:lnSpc>
+              <a:spcBef>
+                <a:spcPts val="0"/>
+              </a:spcBef>
+              <a:spcAft>
+                <a:spcPts val="0"/>
+              </a:spcAft>
+              <a:buClr>
+                <a:schemeClr val="dk1"/>
+              </a:buClr>
+              <a:buSzPts val="3000"/>
+              <a:buFont typeface="Julius Sans One"/>
+              <a:buNone/>
+              <a:defRPr sz="3000" b="1" i="0" u="none" strike="noStrike" cap="none">
+                <a:solidFill>
+                  <a:schemeClr val="dk1"/>
+                </a:solidFill>
+                <a:latin typeface="Julius Sans One"/>
+                <a:ea typeface="Julius Sans One"/>
+                <a:cs typeface="Julius Sans One"/>
+                <a:sym typeface="Julius Sans One"/>
+              </a:defRPr>
+            </a:lvl9pPr>
+          </a:lstStyle>
+          <a:p>
+            <a:r>
+              <a:rPr lang="en-US" sz="2400" dirty="0">
+                <a:solidFill>
+                  <a:srgbClr val="444D9B"/>
+                </a:solidFill>
+              </a:rPr>
+              <a:t>Brooklyn</a:t>
+            </a:r>
+          </a:p>
+        </p:txBody>
+      </p:sp>
+      <p:sp>
+        <p:nvSpPr>
+          <p:cNvPr id="4" name="Google Shape;705;p92">
+            <a:extLst>
+              <a:ext uri="{FF2B5EF4-FFF2-40B4-BE49-F238E27FC236}">
+                <a16:creationId xmlns:a16="http://schemas.microsoft.com/office/drawing/2014/main" id="{D6DA6266-15F5-92BD-45C8-B0FD5AA94111}"/>
+              </a:ext>
+            </a:extLst>
+          </p:cNvPr>
+          <p:cNvSpPr txBox="1">
+            <a:spLocks/>
+          </p:cNvSpPr>
+          <p:nvPr/>
+        </p:nvSpPr>
+        <p:spPr>
+          <a:xfrm>
+            <a:off x="6178901" y="1993376"/>
+            <a:ext cx="3162997" cy="528600"/>
+          </a:xfrm>
+          <a:prstGeom prst="rect">
+            <a:avLst/>
+          </a:prstGeom>
+          <a:noFill/>
+          <a:ln>
+            <a:noFill/>
+          </a:ln>
+        </p:spPr>
+        <p:txBody>
+          <a:bodyPr spcFirstLastPara="1" wrap="square" lIns="91425" tIns="91425" rIns="91425" bIns="91425" anchor="t" anchorCtr="0">
+            <a:noAutofit/>
+          </a:bodyPr>
+          <a:lstStyle>
+            <a:defPPr marR="0" lvl="0" algn="l" rtl="0">
+              <a:lnSpc>
+                <a:spcPct val="100000"/>
+              </a:lnSpc>
+              <a:spcBef>
+                <a:spcPts val="0"/>
+              </a:spcBef>
+              <a:spcAft>
+                <a:spcPts val="0"/>
+              </a:spcAft>
+            </a:defPPr>
+            <a:lvl1pPr marR="0" lvl="0" algn="ctr" rtl="0">
+              <a:lnSpc>
+                <a:spcPct val="100000"/>
+              </a:lnSpc>
+              <a:spcBef>
+                <a:spcPts val="0"/>
+              </a:spcBef>
+              <a:spcAft>
+                <a:spcPts val="0"/>
+              </a:spcAft>
+              <a:buClr>
+                <a:schemeClr val="dk1"/>
+              </a:buClr>
+              <a:buSzPts val="2700"/>
+              <a:buFont typeface="Julius Sans One"/>
+              <a:buNone/>
+              <a:defRPr sz="3000" b="1" i="0" u="none" strike="noStrike" cap="none">
+                <a:solidFill>
+                  <a:schemeClr val="dk1"/>
+                </a:solidFill>
+                <a:latin typeface="Julius Sans One"/>
+                <a:ea typeface="Julius Sans One"/>
+                <a:cs typeface="Julius Sans One"/>
+                <a:sym typeface="Julius Sans One"/>
+              </a:defRPr>
+            </a:lvl1pPr>
+            <a:lvl2pPr marR="0" lvl="1" algn="l" rtl="0">
+              <a:lnSpc>
+                <a:spcPct val="100000"/>
+              </a:lnSpc>
+              <a:spcBef>
+                <a:spcPts val="0"/>
+              </a:spcBef>
+              <a:spcAft>
+                <a:spcPts val="0"/>
+              </a:spcAft>
+              <a:buClr>
+                <a:schemeClr val="dk1"/>
+              </a:buClr>
+              <a:buSzPts val="3000"/>
+              <a:buFont typeface="Julius Sans One"/>
+              <a:buNone/>
+              <a:defRPr sz="3000" b="1" i="0" u="none" strike="noStrike" cap="none">
+                <a:solidFill>
+                  <a:schemeClr val="dk1"/>
+                </a:solidFill>
+                <a:latin typeface="Julius Sans One"/>
+                <a:ea typeface="Julius Sans One"/>
+                <a:cs typeface="Julius Sans One"/>
+                <a:sym typeface="Julius Sans One"/>
+              </a:defRPr>
+            </a:lvl2pPr>
+            <a:lvl3pPr marR="0" lvl="2" algn="l" rtl="0">
+              <a:lnSpc>
+                <a:spcPct val="100000"/>
+              </a:lnSpc>
+              <a:spcBef>
+                <a:spcPts val="0"/>
+              </a:spcBef>
+              <a:spcAft>
+                <a:spcPts val="0"/>
+              </a:spcAft>
+              <a:buClr>
+                <a:schemeClr val="dk1"/>
+              </a:buClr>
+              <a:buSzPts val="3000"/>
+              <a:buFont typeface="Julius Sans One"/>
+              <a:buNone/>
+              <a:defRPr sz="3000" b="1" i="0" u="none" strike="noStrike" cap="none">
+                <a:solidFill>
+                  <a:schemeClr val="dk1"/>
+                </a:solidFill>
+                <a:latin typeface="Julius Sans One"/>
+                <a:ea typeface="Julius Sans One"/>
+                <a:cs typeface="Julius Sans One"/>
+                <a:sym typeface="Julius Sans One"/>
+              </a:defRPr>
+            </a:lvl3pPr>
+            <a:lvl4pPr marR="0" lvl="3" algn="l" rtl="0">
+              <a:lnSpc>
+                <a:spcPct val="100000"/>
+              </a:lnSpc>
+              <a:spcBef>
+                <a:spcPts val="0"/>
+              </a:spcBef>
+              <a:spcAft>
+                <a:spcPts val="0"/>
+              </a:spcAft>
+              <a:buClr>
+                <a:schemeClr val="dk1"/>
+              </a:buClr>
+              <a:buSzPts val="3000"/>
+              <a:buFont typeface="Julius Sans One"/>
+              <a:buNone/>
+              <a:defRPr sz="3000" b="1" i="0" u="none" strike="noStrike" cap="none">
+                <a:solidFill>
+                  <a:schemeClr val="dk1"/>
+                </a:solidFill>
+                <a:latin typeface="Julius Sans One"/>
+                <a:ea typeface="Julius Sans One"/>
+                <a:cs typeface="Julius Sans One"/>
+                <a:sym typeface="Julius Sans One"/>
+              </a:defRPr>
+            </a:lvl4pPr>
+            <a:lvl5pPr marR="0" lvl="4" algn="l" rtl="0">
+              <a:lnSpc>
+                <a:spcPct val="100000"/>
+              </a:lnSpc>
+              <a:spcBef>
+                <a:spcPts val="0"/>
+              </a:spcBef>
+              <a:spcAft>
+                <a:spcPts val="0"/>
+              </a:spcAft>
+              <a:buClr>
+                <a:schemeClr val="dk1"/>
+              </a:buClr>
+              <a:buSzPts val="3000"/>
+              <a:buFont typeface="Julius Sans One"/>
+              <a:buNone/>
+              <a:defRPr sz="3000" b="1" i="0" u="none" strike="noStrike" cap="none">
+                <a:solidFill>
+                  <a:schemeClr val="dk1"/>
+                </a:solidFill>
+                <a:latin typeface="Julius Sans One"/>
+                <a:ea typeface="Julius Sans One"/>
+                <a:cs typeface="Julius Sans One"/>
+                <a:sym typeface="Julius Sans One"/>
+              </a:defRPr>
+            </a:lvl5pPr>
+            <a:lvl6pPr marR="0" lvl="5" algn="l" rtl="0">
+              <a:lnSpc>
+                <a:spcPct val="100000"/>
+              </a:lnSpc>
+              <a:spcBef>
+                <a:spcPts val="0"/>
+              </a:spcBef>
+              <a:spcAft>
+                <a:spcPts val="0"/>
+              </a:spcAft>
+              <a:buClr>
+                <a:schemeClr val="dk1"/>
+              </a:buClr>
+              <a:buSzPts val="3000"/>
+              <a:buFont typeface="Julius Sans One"/>
+              <a:buNone/>
+              <a:defRPr sz="3000" b="1" i="0" u="none" strike="noStrike" cap="none">
+                <a:solidFill>
+                  <a:schemeClr val="dk1"/>
+                </a:solidFill>
+                <a:latin typeface="Julius Sans One"/>
+                <a:ea typeface="Julius Sans One"/>
+                <a:cs typeface="Julius Sans One"/>
+                <a:sym typeface="Julius Sans One"/>
+              </a:defRPr>
+            </a:lvl6pPr>
+            <a:lvl7pPr marR="0" lvl="6" algn="l" rtl="0">
+              <a:lnSpc>
+                <a:spcPct val="100000"/>
+              </a:lnSpc>
+              <a:spcBef>
+                <a:spcPts val="0"/>
+              </a:spcBef>
+              <a:spcAft>
+                <a:spcPts val="0"/>
+              </a:spcAft>
+              <a:buClr>
+                <a:schemeClr val="dk1"/>
+              </a:buClr>
+              <a:buSzPts val="3000"/>
+              <a:buFont typeface="Julius Sans One"/>
+              <a:buNone/>
+              <a:defRPr sz="3000" b="1" i="0" u="none" strike="noStrike" cap="none">
+                <a:solidFill>
+                  <a:schemeClr val="dk1"/>
+                </a:solidFill>
+                <a:latin typeface="Julius Sans One"/>
+                <a:ea typeface="Julius Sans One"/>
+                <a:cs typeface="Julius Sans One"/>
+                <a:sym typeface="Julius Sans One"/>
+              </a:defRPr>
+            </a:lvl7pPr>
+            <a:lvl8pPr marR="0" lvl="7" algn="l" rtl="0">
+              <a:lnSpc>
+                <a:spcPct val="100000"/>
+              </a:lnSpc>
+              <a:spcBef>
+                <a:spcPts val="0"/>
+              </a:spcBef>
+              <a:spcAft>
+                <a:spcPts val="0"/>
+              </a:spcAft>
+              <a:buClr>
+                <a:schemeClr val="dk1"/>
+              </a:buClr>
+              <a:buSzPts val="3000"/>
+              <a:buFont typeface="Julius Sans One"/>
+              <a:buNone/>
+              <a:defRPr sz="3000" b="1" i="0" u="none" strike="noStrike" cap="none">
+                <a:solidFill>
+                  <a:schemeClr val="dk1"/>
+                </a:solidFill>
+                <a:latin typeface="Julius Sans One"/>
+                <a:ea typeface="Julius Sans One"/>
+                <a:cs typeface="Julius Sans One"/>
+                <a:sym typeface="Julius Sans One"/>
+              </a:defRPr>
+            </a:lvl8pPr>
+            <a:lvl9pPr marR="0" lvl="8" algn="l" rtl="0">
+              <a:lnSpc>
+                <a:spcPct val="100000"/>
+              </a:lnSpc>
+              <a:spcBef>
+                <a:spcPts val="0"/>
+              </a:spcBef>
+              <a:spcAft>
+                <a:spcPts val="0"/>
+              </a:spcAft>
+              <a:buClr>
+                <a:schemeClr val="dk1"/>
+              </a:buClr>
+              <a:buSzPts val="3000"/>
+              <a:buFont typeface="Julius Sans One"/>
+              <a:buNone/>
+              <a:defRPr sz="3000" b="1" i="0" u="none" strike="noStrike" cap="none">
+                <a:solidFill>
+                  <a:schemeClr val="dk1"/>
+                </a:solidFill>
+                <a:latin typeface="Julius Sans One"/>
+                <a:ea typeface="Julius Sans One"/>
+                <a:cs typeface="Julius Sans One"/>
+                <a:sym typeface="Julius Sans One"/>
+              </a:defRPr>
+            </a:lvl9pPr>
+          </a:lstStyle>
+          <a:p>
+            <a:r>
+              <a:rPr lang="en-US" sz="2400" dirty="0">
+                <a:solidFill>
+                  <a:srgbClr val="9B445C"/>
+                </a:solidFill>
+              </a:rPr>
+              <a:t>Manhattan</a:t>
+            </a:r>
+          </a:p>
+        </p:txBody>
+      </p:sp>
+      <p:sp>
+        <p:nvSpPr>
+          <p:cNvPr id="5" name="Google Shape;464;p67">
+            <a:extLst>
+              <a:ext uri="{FF2B5EF4-FFF2-40B4-BE49-F238E27FC236}">
+                <a16:creationId xmlns:a16="http://schemas.microsoft.com/office/drawing/2014/main" id="{9600095C-C75D-A03B-CD10-6444A3E7991B}"/>
+              </a:ext>
+            </a:extLst>
+          </p:cNvPr>
+          <p:cNvSpPr txBox="1">
+            <a:spLocks/>
+          </p:cNvSpPr>
+          <p:nvPr/>
+        </p:nvSpPr>
+        <p:spPr>
+          <a:xfrm>
+            <a:off x="67316" y="4787765"/>
+            <a:ext cx="3829200" cy="248400"/>
+          </a:xfrm>
+          <a:prstGeom prst="rect">
+            <a:avLst/>
+          </a:prstGeom>
+          <a:noFill/>
+          <a:ln>
+            <a:noFill/>
+          </a:ln>
+        </p:spPr>
+        <p:txBody>
+          <a:bodyPr spcFirstLastPara="1" wrap="square" lIns="91425" tIns="91425" rIns="91425" bIns="91425" anchor="t" anchorCtr="0">
+            <a:noAutofit/>
+          </a:bodyPr>
+          <a:lstStyle>
+            <a:defPPr marR="0" lvl="0" algn="l" rtl="0">
+              <a:lnSpc>
+                <a:spcPct val="100000"/>
+              </a:lnSpc>
+              <a:spcBef>
+                <a:spcPts val="0"/>
+              </a:spcBef>
+              <a:spcAft>
+                <a:spcPts val="0"/>
+              </a:spcAft>
+            </a:defPPr>
+            <a:lvl1pPr marL="457200" marR="0" lvl="0" indent="-323850" algn="l" rtl="0">
+              <a:lnSpc>
+                <a:spcPct val="100000"/>
+              </a:lnSpc>
+              <a:spcBef>
+                <a:spcPts val="0"/>
+              </a:spcBef>
+              <a:spcAft>
+                <a:spcPts val="0"/>
+              </a:spcAft>
+              <a:buClr>
+                <a:srgbClr val="000000"/>
+              </a:buClr>
+              <a:buSzPts val="1500"/>
+              <a:buFont typeface="Montserrat"/>
+              <a:buChar char="●"/>
+              <a:defRPr sz="1400" b="0" i="0" u="none" strike="noStrike" cap="none">
+                <a:solidFill>
+                  <a:schemeClr val="lt1"/>
+                </a:solidFill>
+                <a:latin typeface="Didact Gothic"/>
+                <a:ea typeface="Didact Gothic"/>
+                <a:cs typeface="Didact Gothic"/>
+                <a:sym typeface="Didact Gothic"/>
+              </a:defRPr>
+            </a:lvl1pPr>
+            <a:lvl2pPr marL="914400" marR="0" lvl="1" indent="-298450" algn="l" rtl="0">
+              <a:lnSpc>
+                <a:spcPct val="115000"/>
+              </a:lnSpc>
+              <a:spcBef>
+                <a:spcPts val="0"/>
+              </a:spcBef>
+              <a:spcAft>
+                <a:spcPts val="0"/>
+              </a:spcAft>
+              <a:buClr>
+                <a:srgbClr val="000000"/>
+              </a:buClr>
+              <a:buSzPts val="1100"/>
+              <a:buFont typeface="Montserrat"/>
+              <a:buChar char="○"/>
+              <a:defRPr sz="1400" b="0" i="0" u="none" strike="noStrike" cap="none">
+                <a:solidFill>
+                  <a:schemeClr val="lt1"/>
+                </a:solidFill>
+                <a:latin typeface="Didact Gothic"/>
+                <a:ea typeface="Didact Gothic"/>
+                <a:cs typeface="Didact Gothic"/>
+                <a:sym typeface="Didact Gothic"/>
+              </a:defRPr>
+            </a:lvl2pPr>
+            <a:lvl3pPr marL="1371600" marR="0" lvl="2" indent="-298450" algn="l" rtl="0">
+              <a:lnSpc>
+                <a:spcPct val="115000"/>
+              </a:lnSpc>
+              <a:spcBef>
+                <a:spcPts val="1600"/>
+              </a:spcBef>
+              <a:spcAft>
+                <a:spcPts val="0"/>
+              </a:spcAft>
+              <a:buClr>
+                <a:srgbClr val="000000"/>
+              </a:buClr>
+              <a:buSzPts val="1100"/>
+              <a:buFont typeface="Montserrat"/>
+              <a:buChar char="■"/>
+              <a:defRPr sz="1400" b="0" i="0" u="none" strike="noStrike" cap="none">
+                <a:solidFill>
+                  <a:schemeClr val="lt1"/>
+                </a:solidFill>
+                <a:latin typeface="Didact Gothic"/>
+                <a:ea typeface="Didact Gothic"/>
+                <a:cs typeface="Didact Gothic"/>
+                <a:sym typeface="Didact Gothic"/>
+              </a:defRPr>
+            </a:lvl3pPr>
+            <a:lvl4pPr marL="1828800" marR="0" lvl="3" indent="-298450" algn="l" rtl="0">
+              <a:lnSpc>
+                <a:spcPct val="115000"/>
+              </a:lnSpc>
+              <a:spcBef>
+                <a:spcPts val="1600"/>
+              </a:spcBef>
+              <a:spcAft>
+                <a:spcPts val="0"/>
+              </a:spcAft>
+              <a:buClr>
+                <a:srgbClr val="000000"/>
+              </a:buClr>
+              <a:buSzPts val="1100"/>
+              <a:buFont typeface="Montserrat"/>
+              <a:buChar char="●"/>
+              <a:defRPr sz="1400" b="0" i="0" u="none" strike="noStrike" cap="none">
+                <a:solidFill>
+                  <a:schemeClr val="lt1"/>
+                </a:solidFill>
+                <a:latin typeface="Didact Gothic"/>
+                <a:ea typeface="Didact Gothic"/>
+                <a:cs typeface="Didact Gothic"/>
+                <a:sym typeface="Didact Gothic"/>
+              </a:defRPr>
+            </a:lvl4pPr>
+            <a:lvl5pPr marL="2286000" marR="0" lvl="4" indent="-298450" algn="l" rtl="0">
+              <a:lnSpc>
+                <a:spcPct val="115000"/>
+              </a:lnSpc>
+              <a:spcBef>
+                <a:spcPts val="1600"/>
+              </a:spcBef>
+              <a:spcAft>
+                <a:spcPts val="0"/>
+              </a:spcAft>
+              <a:buClr>
+                <a:srgbClr val="000000"/>
+              </a:buClr>
+              <a:buSzPts val="1100"/>
+              <a:buFont typeface="Montserrat"/>
+              <a:buChar char="○"/>
+              <a:defRPr sz="1400" b="0" i="0" u="none" strike="noStrike" cap="none">
+                <a:solidFill>
+                  <a:schemeClr val="lt1"/>
+                </a:solidFill>
+                <a:latin typeface="Didact Gothic"/>
+                <a:ea typeface="Didact Gothic"/>
+                <a:cs typeface="Didact Gothic"/>
+                <a:sym typeface="Didact Gothic"/>
+              </a:defRPr>
+            </a:lvl5pPr>
+            <a:lvl6pPr marL="2743200" marR="0" lvl="5" indent="-298450" algn="l" rtl="0">
+              <a:lnSpc>
+                <a:spcPct val="115000"/>
+              </a:lnSpc>
+              <a:spcBef>
+                <a:spcPts val="1600"/>
+              </a:spcBef>
+              <a:spcAft>
+                <a:spcPts val="0"/>
+              </a:spcAft>
+              <a:buClr>
+                <a:srgbClr val="000000"/>
+              </a:buClr>
+              <a:buSzPts val="1100"/>
+              <a:buFont typeface="Montserrat"/>
+              <a:buChar char="■"/>
+              <a:defRPr sz="1400" b="0" i="0" u="none" strike="noStrike" cap="none">
+                <a:solidFill>
+                  <a:schemeClr val="lt1"/>
+                </a:solidFill>
+                <a:latin typeface="Didact Gothic"/>
+                <a:ea typeface="Didact Gothic"/>
+                <a:cs typeface="Didact Gothic"/>
+                <a:sym typeface="Didact Gothic"/>
+              </a:defRPr>
+            </a:lvl6pPr>
+            <a:lvl7pPr marL="3200400" marR="0" lvl="6" indent="-298450" algn="l" rtl="0">
+              <a:lnSpc>
+                <a:spcPct val="115000"/>
+              </a:lnSpc>
+              <a:spcBef>
+                <a:spcPts val="1600"/>
+              </a:spcBef>
+              <a:spcAft>
+                <a:spcPts val="0"/>
+              </a:spcAft>
+              <a:buClr>
+                <a:srgbClr val="000000"/>
+              </a:buClr>
+              <a:buSzPts val="1100"/>
+              <a:buFont typeface="Montserrat"/>
+              <a:buChar char="●"/>
+              <a:defRPr sz="1400" b="0" i="0" u="none" strike="noStrike" cap="none">
+                <a:solidFill>
+                  <a:schemeClr val="lt1"/>
+                </a:solidFill>
+                <a:latin typeface="Didact Gothic"/>
+                <a:ea typeface="Didact Gothic"/>
+                <a:cs typeface="Didact Gothic"/>
+                <a:sym typeface="Didact Gothic"/>
+              </a:defRPr>
+            </a:lvl7pPr>
+            <a:lvl8pPr marL="3657600" marR="0" lvl="7" indent="-298450" algn="l" rtl="0">
+              <a:lnSpc>
+                <a:spcPct val="115000"/>
+              </a:lnSpc>
+              <a:spcBef>
+                <a:spcPts val="1600"/>
+              </a:spcBef>
+              <a:spcAft>
+                <a:spcPts val="0"/>
+              </a:spcAft>
+              <a:buClr>
+                <a:srgbClr val="000000"/>
+              </a:buClr>
+              <a:buSzPts val="1100"/>
+              <a:buFont typeface="Montserrat"/>
+              <a:buChar char="○"/>
+              <a:defRPr sz="1400" b="0" i="0" u="none" strike="noStrike" cap="none">
+                <a:solidFill>
+                  <a:schemeClr val="lt1"/>
+                </a:solidFill>
+                <a:latin typeface="Didact Gothic"/>
+                <a:ea typeface="Didact Gothic"/>
+                <a:cs typeface="Didact Gothic"/>
+                <a:sym typeface="Didact Gothic"/>
+              </a:defRPr>
+            </a:lvl8pPr>
+            <a:lvl9pPr marL="4114800" marR="0" lvl="8" indent="-298450" algn="l" rtl="0">
+              <a:lnSpc>
+                <a:spcPct val="115000"/>
+              </a:lnSpc>
+              <a:spcBef>
+                <a:spcPts val="1600"/>
+              </a:spcBef>
+              <a:spcAft>
+                <a:spcPts val="1600"/>
+              </a:spcAft>
+              <a:buClr>
+                <a:srgbClr val="000000"/>
+              </a:buClr>
+              <a:buSzPts val="1100"/>
+              <a:buFont typeface="Montserrat"/>
+              <a:buChar char="■"/>
+              <a:defRPr sz="1400" b="0" i="0" u="none" strike="noStrike" cap="none">
+                <a:solidFill>
+                  <a:schemeClr val="lt1"/>
+                </a:solidFill>
+                <a:latin typeface="Didact Gothic"/>
+                <a:ea typeface="Didact Gothic"/>
+                <a:cs typeface="Didact Gothic"/>
+                <a:sym typeface="Didact Gothic"/>
+              </a:defRPr>
+            </a:lvl9pPr>
+          </a:lstStyle>
+          <a:p>
+            <a:pPr marL="0" indent="0">
+              <a:buFont typeface="Montserrat"/>
+              <a:buNone/>
+            </a:pPr>
+            <a:r>
+              <a:rPr lang="en-US" sz="1000" i="1" dirty="0">
+                <a:solidFill>
+                  <a:schemeClr val="bg1">
+                    <a:lumMod val="25000"/>
+                  </a:schemeClr>
+                </a:solidFill>
+              </a:rPr>
+              <a:t>Medians are reported</a:t>
+            </a:r>
+          </a:p>
+        </p:txBody>
+      </p:sp>
+    </p:spTree>
+    <p:extLst>
+      <p:ext uri="{BB962C8B-B14F-4D97-AF65-F5344CB8AC3E}">
+        <p14:creationId xmlns:p14="http://schemas.microsoft.com/office/powerpoint/2010/main" val="2414529903"/>
+      </p:ext>
+    </p:extLst>
+  </p:cSld>
+  <p:clrMapOvr>
+    <a:masterClrMapping/>
+  </p:clrMapOvr>
+  <p:timing>
+    <p:tnLst>
+      <p:par>
+        <p:cTn id="1" dur="indefinite" restart="never" nodeType="tmRoot">
+          <p:childTnLst>
+            <p:seq concurrent="1" nextAc="seek">
+              <p:cTn id="2" dur="indefinite" nodeType="mainSeq">
+                <p:childTnLst>
+                  <p:par>
+                    <p:cTn id="3" fill="hold">
+                      <p:stCondLst>
+                        <p:cond delay="indefinite"/>
+                      </p:stCondLst>
+                      <p:childTnLst>
+                        <p:par>
+                          <p:cTn id="4" fill="hold">
+                            <p:stCondLst>
+                              <p:cond delay="0"/>
+                            </p:stCondLst>
+                            <p:childTnLst>
+                              <p:par>
+                                <p:cTn id="5" presetID="10" presetClass="entr" presetSubtype="0" fill="hold" grpId="0" nodeType="clickEffect">
+                                  <p:stCondLst>
+                                    <p:cond delay="0"/>
+                                  </p:stCondLst>
+                                  <p:childTnLst>
+                                    <p:set>
+                                      <p:cBhvr>
+                                        <p:cTn id="6" dur="1" fill="hold">
+                                          <p:stCondLst>
+                                            <p:cond delay="0"/>
+                                          </p:stCondLst>
+                                        </p:cTn>
+                                        <p:tgtEl>
+                                          <p:spTgt spid="714"/>
+                                        </p:tgtEl>
+                                        <p:attrNameLst>
+                                          <p:attrName>style.visibility</p:attrName>
+                                        </p:attrNameLst>
+                                      </p:cBhvr>
+                                      <p:to>
+                                        <p:strVal val="visible"/>
+                                      </p:to>
+                                    </p:set>
+                                    <p:animEffect transition="in" filter="fade">
+                                      <p:cBhvr>
+                                        <p:cTn id="7" dur="500"/>
+                                        <p:tgtEl>
+                                          <p:spTgt spid="714"/>
+                                        </p:tgtEl>
+                                      </p:cBhvr>
+                                    </p:animEffect>
+                                  </p:childTnLst>
+                                </p:cTn>
+                              </p:par>
+                              <p:par>
+                                <p:cTn id="8" presetID="10" presetClass="entr" presetSubtype="0" fill="hold" grpId="0" nodeType="withEffect">
+                                  <p:stCondLst>
+                                    <p:cond delay="0"/>
+                                  </p:stCondLst>
+                                  <p:childTnLst>
+                                    <p:set>
+                                      <p:cBhvr>
+                                        <p:cTn id="9" dur="1" fill="hold">
+                                          <p:stCondLst>
+                                            <p:cond delay="0"/>
+                                          </p:stCondLst>
+                                        </p:cTn>
+                                        <p:tgtEl>
+                                          <p:spTgt spid="706"/>
+                                        </p:tgtEl>
+                                        <p:attrNameLst>
+                                          <p:attrName>style.visibility</p:attrName>
+                                        </p:attrNameLst>
+                                      </p:cBhvr>
+                                      <p:to>
+                                        <p:strVal val="visible"/>
+                                      </p:to>
+                                    </p:set>
+                                    <p:animEffect transition="in" filter="fade">
+                                      <p:cBhvr>
+                                        <p:cTn id="10" dur="500"/>
+                                        <p:tgtEl>
+                                          <p:spTgt spid="706"/>
+                                        </p:tgtEl>
+                                      </p:cBhvr>
+                                    </p:animEffect>
+                                  </p:childTnLst>
+                                </p:cTn>
+                              </p:par>
+                              <p:par>
+                                <p:cTn id="11" presetID="10" presetClass="entr" presetSubtype="0" fill="hold" grpId="0" nodeType="withEffect">
+                                  <p:stCondLst>
+                                    <p:cond delay="0"/>
+                                  </p:stCondLst>
+                                  <p:childTnLst>
+                                    <p:set>
+                                      <p:cBhvr>
+                                        <p:cTn id="12" dur="1" fill="hold">
+                                          <p:stCondLst>
+                                            <p:cond delay="0"/>
+                                          </p:stCondLst>
+                                        </p:cTn>
+                                        <p:tgtEl>
+                                          <p:spTgt spid="707">
+                                            <p:txEl>
+                                              <p:pRg st="0" end="0"/>
+                                            </p:txEl>
+                                          </p:spTgt>
+                                        </p:tgtEl>
+                                        <p:attrNameLst>
+                                          <p:attrName>style.visibility</p:attrName>
+                                        </p:attrNameLst>
+                                      </p:cBhvr>
+                                      <p:to>
+                                        <p:strVal val="visible"/>
+                                      </p:to>
+                                    </p:set>
+                                    <p:animEffect transition="in" filter="fade">
+                                      <p:cBhvr>
+                                        <p:cTn id="13" dur="500"/>
+                                        <p:tgtEl>
+                                          <p:spTgt spid="707">
+                                            <p:txEl>
+                                              <p:pRg st="0" end="0"/>
+                                            </p:txEl>
+                                          </p:spTgt>
+                                        </p:tgtEl>
+                                      </p:cBhvr>
+                                    </p:animEffect>
+                                  </p:childTnLst>
+                                </p:cTn>
+                              </p:par>
+                              <p:par>
+                                <p:cTn id="14" presetID="10" presetClass="entr" presetSubtype="0" fill="hold" grpId="0" nodeType="withEffect">
+                                  <p:stCondLst>
+                                    <p:cond delay="0"/>
+                                  </p:stCondLst>
+                                  <p:childTnLst>
+                                    <p:set>
+                                      <p:cBhvr>
+                                        <p:cTn id="15" dur="1" fill="hold">
+                                          <p:stCondLst>
+                                            <p:cond delay="0"/>
+                                          </p:stCondLst>
+                                        </p:cTn>
+                                        <p:tgtEl>
+                                          <p:spTgt spid="716"/>
+                                        </p:tgtEl>
+                                        <p:attrNameLst>
+                                          <p:attrName>style.visibility</p:attrName>
+                                        </p:attrNameLst>
+                                      </p:cBhvr>
+                                      <p:to>
+                                        <p:strVal val="visible"/>
+                                      </p:to>
+                                    </p:set>
+                                    <p:animEffect transition="in" filter="fade">
+                                      <p:cBhvr>
+                                        <p:cTn id="16" dur="500"/>
+                                        <p:tgtEl>
+                                          <p:spTgt spid="716"/>
+                                        </p:tgtEl>
+                                      </p:cBhvr>
+                                    </p:animEffect>
+                                  </p:childTnLst>
+                                </p:cTn>
+                              </p:par>
+                              <p:par>
+                                <p:cTn id="17" presetID="10" presetClass="entr" presetSubtype="0" fill="hold" grpId="0" nodeType="withEffect">
+                                  <p:stCondLst>
+                                    <p:cond delay="0"/>
+                                  </p:stCondLst>
+                                  <p:childTnLst>
+                                    <p:set>
+                                      <p:cBhvr>
+                                        <p:cTn id="18" dur="1" fill="hold">
+                                          <p:stCondLst>
+                                            <p:cond delay="0"/>
+                                          </p:stCondLst>
+                                        </p:cTn>
+                                        <p:tgtEl>
+                                          <p:spTgt spid="710"/>
+                                        </p:tgtEl>
+                                        <p:attrNameLst>
+                                          <p:attrName>style.visibility</p:attrName>
+                                        </p:attrNameLst>
+                                      </p:cBhvr>
+                                      <p:to>
+                                        <p:strVal val="visible"/>
+                                      </p:to>
+                                    </p:set>
+                                    <p:animEffect transition="in" filter="fade">
+                                      <p:cBhvr>
+                                        <p:cTn id="19" dur="500"/>
+                                        <p:tgtEl>
+                                          <p:spTgt spid="710"/>
+                                        </p:tgtEl>
+                                      </p:cBhvr>
+                                    </p:animEffect>
+                                  </p:childTnLst>
+                                </p:cTn>
+                              </p:par>
+                              <p:par>
+                                <p:cTn id="20" presetID="10" presetClass="entr" presetSubtype="0" fill="hold" grpId="0" nodeType="withEffect">
+                                  <p:stCondLst>
+                                    <p:cond delay="0"/>
+                                  </p:stCondLst>
+                                  <p:childTnLst>
+                                    <p:set>
+                                      <p:cBhvr>
+                                        <p:cTn id="21" dur="1" fill="hold">
+                                          <p:stCondLst>
+                                            <p:cond delay="0"/>
+                                          </p:stCondLst>
+                                        </p:cTn>
+                                        <p:tgtEl>
+                                          <p:spTgt spid="711">
+                                            <p:txEl>
+                                              <p:pRg st="0" end="0"/>
+                                            </p:txEl>
+                                          </p:spTgt>
+                                        </p:tgtEl>
+                                        <p:attrNameLst>
+                                          <p:attrName>style.visibility</p:attrName>
+                                        </p:attrNameLst>
+                                      </p:cBhvr>
+                                      <p:to>
+                                        <p:strVal val="visible"/>
+                                      </p:to>
+                                    </p:set>
+                                    <p:animEffect transition="in" filter="fade">
+                                      <p:cBhvr>
+                                        <p:cTn id="22" dur="500"/>
+                                        <p:tgtEl>
+                                          <p:spTgt spid="711">
+                                            <p:txEl>
+                                              <p:pRg st="0" end="0"/>
+                                            </p:txEl>
+                                          </p:spTgt>
+                                        </p:tgtEl>
+                                      </p:cBhvr>
+                                    </p:animEffect>
+                                  </p:childTnLst>
+                                </p:cTn>
+                              </p:par>
+                            </p:childTnLst>
+                          </p:cTn>
+                        </p:par>
+                      </p:childTnLst>
+                    </p:cTn>
+                  </p:par>
+                  <p:par>
+                    <p:cTn id="23" fill="hold">
+                      <p:stCondLst>
+                        <p:cond delay="indefinite"/>
+                      </p:stCondLst>
+                      <p:childTnLst>
+                        <p:par>
+                          <p:cTn id="24" fill="hold">
+                            <p:stCondLst>
+                              <p:cond delay="0"/>
+                            </p:stCondLst>
+                            <p:childTnLst>
+                              <p:par>
+                                <p:cTn id="25" presetID="10" presetClass="entr" presetSubtype="0" fill="hold" grpId="0" nodeType="clickEffect">
+                                  <p:stCondLst>
+                                    <p:cond delay="0"/>
+                                  </p:stCondLst>
+                                  <p:childTnLst>
+                                    <p:set>
+                                      <p:cBhvr>
+                                        <p:cTn id="26" dur="1" fill="hold">
+                                          <p:stCondLst>
+                                            <p:cond delay="0"/>
+                                          </p:stCondLst>
+                                        </p:cTn>
+                                        <p:tgtEl>
+                                          <p:spTgt spid="715"/>
+                                        </p:tgtEl>
+                                        <p:attrNameLst>
+                                          <p:attrName>style.visibility</p:attrName>
+                                        </p:attrNameLst>
+                                      </p:cBhvr>
+                                      <p:to>
+                                        <p:strVal val="visible"/>
+                                      </p:to>
+                                    </p:set>
+                                    <p:animEffect transition="in" filter="fade">
+                                      <p:cBhvr>
+                                        <p:cTn id="27" dur="500"/>
+                                        <p:tgtEl>
+                                          <p:spTgt spid="715"/>
+                                        </p:tgtEl>
+                                      </p:cBhvr>
+                                    </p:animEffect>
+                                  </p:childTnLst>
+                                </p:cTn>
+                              </p:par>
+                              <p:par>
+                                <p:cTn id="28" presetID="10" presetClass="entr" presetSubtype="0" fill="hold" grpId="0" nodeType="withEffect">
+                                  <p:stCondLst>
+                                    <p:cond delay="0"/>
+                                  </p:stCondLst>
+                                  <p:childTnLst>
+                                    <p:set>
+                                      <p:cBhvr>
+                                        <p:cTn id="29" dur="1" fill="hold">
+                                          <p:stCondLst>
+                                            <p:cond delay="0"/>
+                                          </p:stCondLst>
+                                        </p:cTn>
+                                        <p:tgtEl>
+                                          <p:spTgt spid="708"/>
+                                        </p:tgtEl>
+                                        <p:attrNameLst>
+                                          <p:attrName>style.visibility</p:attrName>
+                                        </p:attrNameLst>
+                                      </p:cBhvr>
+                                      <p:to>
+                                        <p:strVal val="visible"/>
+                                      </p:to>
+                                    </p:set>
+                                    <p:animEffect transition="in" filter="fade">
+                                      <p:cBhvr>
+                                        <p:cTn id="30" dur="500"/>
+                                        <p:tgtEl>
+                                          <p:spTgt spid="708"/>
+                                        </p:tgtEl>
+                                      </p:cBhvr>
+                                    </p:animEffect>
+                                  </p:childTnLst>
+                                </p:cTn>
+                              </p:par>
+                              <p:par>
+                                <p:cTn id="31" presetID="10" presetClass="entr" presetSubtype="0" fill="hold" grpId="0" nodeType="withEffect">
+                                  <p:stCondLst>
+                                    <p:cond delay="0"/>
+                                  </p:stCondLst>
+                                  <p:childTnLst>
+                                    <p:set>
+                                      <p:cBhvr>
+                                        <p:cTn id="32" dur="1" fill="hold">
+                                          <p:stCondLst>
+                                            <p:cond delay="0"/>
+                                          </p:stCondLst>
+                                        </p:cTn>
+                                        <p:tgtEl>
+                                          <p:spTgt spid="709">
+                                            <p:txEl>
+                                              <p:pRg st="0" end="0"/>
+                                            </p:txEl>
+                                          </p:spTgt>
+                                        </p:tgtEl>
+                                        <p:attrNameLst>
+                                          <p:attrName>style.visibility</p:attrName>
+                                        </p:attrNameLst>
+                                      </p:cBhvr>
+                                      <p:to>
+                                        <p:strVal val="visible"/>
+                                      </p:to>
+                                    </p:set>
+                                    <p:animEffect transition="in" filter="fade">
+                                      <p:cBhvr>
+                                        <p:cTn id="33" dur="500"/>
+                                        <p:tgtEl>
+                                          <p:spTgt spid="709">
+                                            <p:txEl>
+                                              <p:pRg st="0" end="0"/>
+                                            </p:txEl>
+                                          </p:spTgt>
+                                        </p:tgtEl>
+                                      </p:cBhvr>
+                                    </p:animEffect>
+                                  </p:childTnLst>
+                                </p:cTn>
+                              </p:par>
+                              <p:par>
+                                <p:cTn id="34" presetID="10" presetClass="entr" presetSubtype="0" fill="hold" grpId="0" nodeType="withEffect">
+                                  <p:stCondLst>
+                                    <p:cond delay="0"/>
+                                  </p:stCondLst>
+                                  <p:childTnLst>
+                                    <p:set>
+                                      <p:cBhvr>
+                                        <p:cTn id="35" dur="1" fill="hold">
+                                          <p:stCondLst>
+                                            <p:cond delay="0"/>
+                                          </p:stCondLst>
+                                        </p:cTn>
+                                        <p:tgtEl>
+                                          <p:spTgt spid="717"/>
+                                        </p:tgtEl>
+                                        <p:attrNameLst>
+                                          <p:attrName>style.visibility</p:attrName>
+                                        </p:attrNameLst>
+                                      </p:cBhvr>
+                                      <p:to>
+                                        <p:strVal val="visible"/>
+                                      </p:to>
+                                    </p:set>
+                                    <p:animEffect transition="in" filter="fade">
+                                      <p:cBhvr>
+                                        <p:cTn id="36" dur="500"/>
+                                        <p:tgtEl>
+                                          <p:spTgt spid="717"/>
+                                        </p:tgtEl>
+                                      </p:cBhvr>
+                                    </p:animEffect>
+                                  </p:childTnLst>
+                                </p:cTn>
+                              </p:par>
+                              <p:par>
+                                <p:cTn id="37" presetID="10" presetClass="entr" presetSubtype="0" fill="hold" grpId="0" nodeType="withEffect">
+                                  <p:stCondLst>
+                                    <p:cond delay="0"/>
+                                  </p:stCondLst>
+                                  <p:childTnLst>
+                                    <p:set>
+                                      <p:cBhvr>
+                                        <p:cTn id="38" dur="1" fill="hold">
+                                          <p:stCondLst>
+                                            <p:cond delay="0"/>
+                                          </p:stCondLst>
+                                        </p:cTn>
+                                        <p:tgtEl>
+                                          <p:spTgt spid="712"/>
+                                        </p:tgtEl>
+                                        <p:attrNameLst>
+                                          <p:attrName>style.visibility</p:attrName>
+                                        </p:attrNameLst>
+                                      </p:cBhvr>
+                                      <p:to>
+                                        <p:strVal val="visible"/>
+                                      </p:to>
+                                    </p:set>
+                                    <p:animEffect transition="in" filter="fade">
+                                      <p:cBhvr>
+                                        <p:cTn id="39" dur="500"/>
+                                        <p:tgtEl>
+                                          <p:spTgt spid="712"/>
+                                        </p:tgtEl>
+                                      </p:cBhvr>
+                                    </p:animEffect>
+                                  </p:childTnLst>
+                                </p:cTn>
+                              </p:par>
+                              <p:par>
+                                <p:cTn id="40" presetID="10" presetClass="entr" presetSubtype="0" fill="hold" grpId="0" nodeType="withEffect">
+                                  <p:stCondLst>
+                                    <p:cond delay="0"/>
+                                  </p:stCondLst>
+                                  <p:childTnLst>
+                                    <p:set>
+                                      <p:cBhvr>
+                                        <p:cTn id="41" dur="1" fill="hold">
+                                          <p:stCondLst>
+                                            <p:cond delay="0"/>
+                                          </p:stCondLst>
+                                        </p:cTn>
+                                        <p:tgtEl>
+                                          <p:spTgt spid="713">
+                                            <p:txEl>
+                                              <p:pRg st="0" end="0"/>
+                                            </p:txEl>
+                                          </p:spTgt>
+                                        </p:tgtEl>
+                                        <p:attrNameLst>
+                                          <p:attrName>style.visibility</p:attrName>
+                                        </p:attrNameLst>
+                                      </p:cBhvr>
+                                      <p:to>
+                                        <p:strVal val="visible"/>
+                                      </p:to>
+                                    </p:set>
+                                    <p:animEffect transition="in" filter="fade">
+                                      <p:cBhvr>
+                                        <p:cTn id="42" dur="500"/>
+                                        <p:tgtEl>
+                                          <p:spTgt spid="713">
+                                            <p:txEl>
+                                              <p:pRg st="0" end="0"/>
+                                            </p:txEl>
+                                          </p:spTgt>
+                                        </p:tgtEl>
+                                      </p:cBhvr>
+                                    </p:animEffect>
+                                  </p:childTnLst>
+                                </p:cTn>
+                              </p:par>
+                            </p:childTnLst>
+                          </p:cTn>
+                        </p:par>
+                      </p:childTnLst>
+                    </p:cTn>
+                  </p:par>
+                </p:childTnLst>
+              </p:cTn>
+              <p:prevCondLst>
+                <p:cond evt="onPrev" delay="0">
+                  <p:tgtEl>
+                    <p:sldTgt/>
+                  </p:tgtEl>
+                </p:cond>
+              </p:prevCondLst>
+              <p:nextCondLst>
+                <p:cond evt="onNext" delay="0">
+                  <p:tgtEl>
+                    <p:sldTgt/>
+                  </p:tgtEl>
+                </p:cond>
+              </p:nextCondLst>
+            </p:seq>
+          </p:childTnLst>
+        </p:cTn>
+      </p:par>
+    </p:tnLst>
+    <p:bldLst>
+      <p:bldP spid="706" grpId="0"/>
+      <p:bldP spid="707" grpId="0" build="p"/>
+      <p:bldP spid="708" grpId="0"/>
+      <p:bldP spid="709" grpId="0" build="p"/>
+      <p:bldP spid="710" grpId="0"/>
+      <p:bldP spid="711" grpId="0" build="p"/>
+      <p:bldP spid="712" grpId="0"/>
+      <p:bldP spid="713" grpId="0" build="p"/>
+      <p:bldP spid="714" grpId="0" animBg="1"/>
+      <p:bldP spid="715" grpId="0" animBg="1"/>
+      <p:bldP spid="716" grpId="0" animBg="1"/>
+      <p:bldP spid="717" grpId="0" animBg="1"/>
+    </p:bldLst>
+  </p:timing>
+</p:sld>
+</file>
+
+<file path=ppt/slides/slide3.xml><?xml version="1.0" encoding="utf-8"?>
+<p:sld xmlns:a="http://schemas.openxmlformats.org/drawingml/2006/main" xmlns:r="http://schemas.openxmlformats.org/officeDocument/2006/relationships" xmlns:p="http://schemas.openxmlformats.org/presentationml/2006/main">
+  <p:cSld>
+    <p:spTree>
+      <p:nvGrpSpPr>
+        <p:cNvPr id="1" name="Shape 704"/>
+        <p:cNvGrpSpPr/>
+        <p:nvPr/>
+      </p:nvGrpSpPr>
+      <p:grpSpPr>
+        <a:xfrm>
+          <a:off x="0" y="0"/>
+          <a:ext cx="0" cy="0"/>
+          <a:chOff x="0" y="0"/>
+          <a:chExt cx="0" cy="0"/>
+        </a:xfrm>
+      </p:grpSpPr>
+      <p:sp>
+        <p:nvSpPr>
+          <p:cNvPr id="706" name="Google Shape;706;p92"/>
+          <p:cNvSpPr txBox="1">
+            <a:spLocks noGrp="1"/>
+          </p:cNvSpPr>
+          <p:nvPr>
+            <p:ph type="title" idx="2"/>
+          </p:nvPr>
+        </p:nvSpPr>
+        <p:spPr>
+          <a:xfrm>
+            <a:off x="1120875" y="899475"/>
+            <a:ext cx="1959300" cy="333900"/>
+          </a:xfrm>
+          <a:prstGeom prst="rect">
+            <a:avLst/>
+          </a:prstGeom>
+        </p:spPr>
+        <p:txBody>
+          <a:bodyPr spcFirstLastPara="1" wrap="square" lIns="91425" tIns="91425" rIns="91425" bIns="91425" anchor="ctr" anchorCtr="0">
+            <a:noAutofit/>
+          </a:bodyPr>
+          <a:lstStyle/>
+          <a:p>
+            <a:pPr marL="0" lvl="0" indent="0" algn="ctr" rtl="0">
+              <a:spcBef>
+                <a:spcPts val="0"/>
+              </a:spcBef>
+              <a:spcAft>
+                <a:spcPts val="0"/>
+              </a:spcAft>
+              <a:buNone/>
+            </a:pPr>
+            <a:r>
+              <a:rPr lang="en" sz="2400" dirty="0"/>
+              <a:t>Employees</a:t>
+            </a:r>
+            <a:endParaRPr sz="2400" dirty="0"/>
+          </a:p>
+        </p:txBody>
+      </p:sp>
+      <p:sp>
+        <p:nvSpPr>
+          <p:cNvPr id="708" name="Google Shape;708;p92"/>
+          <p:cNvSpPr txBox="1">
+            <a:spLocks noGrp="1"/>
+          </p:cNvSpPr>
+          <p:nvPr>
+            <p:ph type="title" idx="3"/>
+          </p:nvPr>
+        </p:nvSpPr>
+        <p:spPr>
+          <a:xfrm>
+            <a:off x="1120875" y="3477975"/>
+            <a:ext cx="1959300" cy="333900"/>
+          </a:xfrm>
+          <a:prstGeom prst="rect">
+            <a:avLst/>
+          </a:prstGeom>
+        </p:spPr>
+        <p:txBody>
+          <a:bodyPr spcFirstLastPara="1" wrap="square" lIns="91425" tIns="91425" rIns="91425" bIns="91425" anchor="ctr" anchorCtr="0">
+            <a:noAutofit/>
+          </a:bodyPr>
+          <a:lstStyle/>
+          <a:p>
+            <a:pPr marL="0" lvl="0" indent="0" algn="ctr" rtl="0">
+              <a:spcBef>
+                <a:spcPts val="0"/>
+              </a:spcBef>
+              <a:spcAft>
+                <a:spcPts val="0"/>
+              </a:spcAft>
+              <a:buNone/>
+            </a:pPr>
+            <a:r>
+              <a:rPr lang="en" sz="2400" dirty="0"/>
+              <a:t>Meals</a:t>
+            </a:r>
+            <a:endParaRPr sz="2400" dirty="0"/>
+          </a:p>
+        </p:txBody>
+      </p:sp>
+      <p:sp>
+        <p:nvSpPr>
+          <p:cNvPr id="709" name="Google Shape;709;p92"/>
+          <p:cNvSpPr txBox="1">
+            <a:spLocks noGrp="1"/>
+          </p:cNvSpPr>
+          <p:nvPr>
+            <p:ph type="subTitle" idx="4"/>
+          </p:nvPr>
+        </p:nvSpPr>
+        <p:spPr>
+          <a:xfrm>
+            <a:off x="734175" y="3747815"/>
+            <a:ext cx="2732700" cy="807300"/>
+          </a:xfrm>
+          <a:prstGeom prst="rect">
+            <a:avLst/>
+          </a:prstGeom>
+        </p:spPr>
+        <p:txBody>
+          <a:bodyPr spcFirstLastPara="1" wrap="square" lIns="91425" tIns="91425" rIns="91425" bIns="91425" anchor="t" anchorCtr="0">
+            <a:noAutofit/>
+          </a:bodyPr>
+          <a:lstStyle/>
+          <a:p>
+            <a:pPr marL="0" lvl="0" indent="0" algn="ctr" rtl="0">
+              <a:spcBef>
+                <a:spcPts val="0"/>
+              </a:spcBef>
+              <a:spcAft>
+                <a:spcPts val="0"/>
+              </a:spcAft>
+              <a:buNone/>
+            </a:pPr>
+            <a:r>
+              <a:rPr lang="en-US" sz="2400" dirty="0"/>
+              <a:t>24%</a:t>
+            </a:r>
+          </a:p>
+        </p:txBody>
+      </p:sp>
+      <p:sp>
+        <p:nvSpPr>
+          <p:cNvPr id="710" name="Google Shape;710;p92"/>
+          <p:cNvSpPr txBox="1">
+            <a:spLocks noGrp="1"/>
+          </p:cNvSpPr>
+          <p:nvPr>
+            <p:ph type="title" idx="5"/>
+          </p:nvPr>
+        </p:nvSpPr>
+        <p:spPr>
+          <a:xfrm>
+            <a:off x="6063846" y="899475"/>
+            <a:ext cx="1959300" cy="333900"/>
+          </a:xfrm>
+          <a:prstGeom prst="rect">
+            <a:avLst/>
+          </a:prstGeom>
+        </p:spPr>
+        <p:txBody>
+          <a:bodyPr spcFirstLastPara="1" wrap="square" lIns="91425" tIns="91425" rIns="91425" bIns="91425" anchor="ctr" anchorCtr="0">
+            <a:noAutofit/>
+          </a:bodyPr>
+          <a:lstStyle/>
+          <a:p>
+            <a:pPr marL="0" lvl="0" indent="0" algn="ctr" rtl="0">
+              <a:spcBef>
+                <a:spcPts val="0"/>
+              </a:spcBef>
+              <a:spcAft>
+                <a:spcPts val="0"/>
+              </a:spcAft>
+              <a:buNone/>
+            </a:pPr>
+            <a:r>
+              <a:rPr lang="en" sz="2400" dirty="0"/>
+              <a:t>Employees</a:t>
+            </a:r>
+            <a:endParaRPr sz="2400" dirty="0"/>
+          </a:p>
+        </p:txBody>
+      </p:sp>
+      <p:sp>
+        <p:nvSpPr>
+          <p:cNvPr id="712" name="Google Shape;712;p92"/>
+          <p:cNvSpPr txBox="1">
+            <a:spLocks noGrp="1"/>
+          </p:cNvSpPr>
+          <p:nvPr>
+            <p:ph type="title" idx="7"/>
+          </p:nvPr>
+        </p:nvSpPr>
+        <p:spPr>
+          <a:xfrm>
+            <a:off x="6063846" y="3478125"/>
+            <a:ext cx="1959300" cy="333900"/>
+          </a:xfrm>
+          <a:prstGeom prst="rect">
+            <a:avLst/>
+          </a:prstGeom>
+        </p:spPr>
+        <p:txBody>
+          <a:bodyPr spcFirstLastPara="1" wrap="square" lIns="91425" tIns="91425" rIns="91425" bIns="91425" anchor="ctr" anchorCtr="0">
+            <a:noAutofit/>
+          </a:bodyPr>
+          <a:lstStyle/>
+          <a:p>
+            <a:pPr marL="0" lvl="0" indent="0" algn="ctr" rtl="0">
+              <a:spcBef>
+                <a:spcPts val="0"/>
+              </a:spcBef>
+              <a:spcAft>
+                <a:spcPts val="0"/>
+              </a:spcAft>
+              <a:buNone/>
+            </a:pPr>
+            <a:r>
+              <a:rPr lang="en" sz="2400" dirty="0"/>
+              <a:t>Meals</a:t>
+            </a:r>
+            <a:endParaRPr sz="2400" dirty="0"/>
+          </a:p>
+        </p:txBody>
+      </p:sp>
+      <p:sp>
+        <p:nvSpPr>
+          <p:cNvPr id="713" name="Google Shape;713;p92"/>
+          <p:cNvSpPr txBox="1">
+            <a:spLocks noGrp="1"/>
+          </p:cNvSpPr>
+          <p:nvPr>
+            <p:ph type="subTitle" idx="8"/>
+          </p:nvPr>
+        </p:nvSpPr>
+        <p:spPr>
+          <a:xfrm>
+            <a:off x="5677150" y="3746088"/>
+            <a:ext cx="2732700" cy="807300"/>
+          </a:xfrm>
+          <a:prstGeom prst="rect">
+            <a:avLst/>
+          </a:prstGeom>
+        </p:spPr>
+        <p:txBody>
+          <a:bodyPr spcFirstLastPara="1" wrap="square" lIns="91425" tIns="91425" rIns="91425" bIns="91425" anchor="t" anchorCtr="0">
+            <a:noAutofit/>
+          </a:bodyPr>
+          <a:lstStyle/>
+          <a:p>
+            <a:pPr marL="0" lvl="0" indent="0" algn="ctr" rtl="0">
+              <a:spcBef>
+                <a:spcPts val="0"/>
+              </a:spcBef>
+              <a:spcAft>
+                <a:spcPts val="0"/>
+              </a:spcAft>
+              <a:buNone/>
+            </a:pPr>
+            <a:r>
+              <a:rPr lang="en-US" sz="2400" dirty="0"/>
+              <a:t>25%</a:t>
+            </a:r>
+          </a:p>
+        </p:txBody>
+      </p:sp>
+      <p:sp>
+        <p:nvSpPr>
+          <p:cNvPr id="714" name="Google Shape;714;p92"/>
+          <p:cNvSpPr/>
+          <p:nvPr/>
+        </p:nvSpPr>
+        <p:spPr>
+          <a:xfrm rot="10800000">
+            <a:off x="1682775" y="545312"/>
+            <a:ext cx="835500" cy="259800"/>
+          </a:xfrm>
+          <a:prstGeom prst="triangle">
+            <a:avLst>
+              <a:gd name="adj" fmla="val 50000"/>
+            </a:avLst>
+          </a:prstGeom>
+          <a:solidFill>
+            <a:srgbClr val="444D9B"/>
+          </a:solidFill>
+          <a:ln>
+            <a:noFill/>
+          </a:ln>
+        </p:spPr>
+        <p:txBody>
+          <a:bodyPr spcFirstLastPara="1" wrap="square" lIns="91425" tIns="91425" rIns="91425" bIns="91425" anchor="ctr" anchorCtr="0">
+            <a:noAutofit/>
+          </a:bodyPr>
+          <a:lstStyle/>
+          <a:p>
+            <a:pPr marL="0" lvl="0" indent="0" algn="l" rtl="0">
+              <a:spcBef>
+                <a:spcPts val="0"/>
+              </a:spcBef>
+              <a:spcAft>
+                <a:spcPts val="0"/>
+              </a:spcAft>
+              <a:buNone/>
+            </a:pPr>
+            <a:endParaRPr dirty="0"/>
+          </a:p>
+        </p:txBody>
+      </p:sp>
+      <p:sp>
+        <p:nvSpPr>
+          <p:cNvPr id="715" name="Google Shape;715;p92"/>
+          <p:cNvSpPr/>
+          <p:nvPr/>
+        </p:nvSpPr>
+        <p:spPr>
+          <a:xfrm rot="10800000">
+            <a:off x="1682775" y="3132225"/>
+            <a:ext cx="835500" cy="259800"/>
+          </a:xfrm>
+          <a:prstGeom prst="triangle">
+            <a:avLst>
+              <a:gd name="adj" fmla="val 50000"/>
+            </a:avLst>
+          </a:prstGeom>
+          <a:solidFill>
+            <a:srgbClr val="444D9B"/>
+          </a:solidFill>
+          <a:ln>
+            <a:noFill/>
+          </a:ln>
+        </p:spPr>
+        <p:txBody>
+          <a:bodyPr spcFirstLastPara="1" wrap="square" lIns="91425" tIns="91425" rIns="91425" bIns="91425" anchor="ctr" anchorCtr="0">
+            <a:noAutofit/>
+          </a:bodyPr>
+          <a:lstStyle/>
+          <a:p>
+            <a:pPr marL="0" lvl="0" indent="0" algn="l" rtl="0">
+              <a:spcBef>
+                <a:spcPts val="0"/>
+              </a:spcBef>
+              <a:spcAft>
+                <a:spcPts val="0"/>
+              </a:spcAft>
+              <a:buNone/>
+            </a:pPr>
+            <a:endParaRPr/>
+          </a:p>
+        </p:txBody>
+      </p:sp>
+      <p:sp>
+        <p:nvSpPr>
+          <p:cNvPr id="716" name="Google Shape;716;p92"/>
+          <p:cNvSpPr/>
+          <p:nvPr/>
+        </p:nvSpPr>
+        <p:spPr>
+          <a:xfrm rot="10800000">
+            <a:off x="6625746" y="545312"/>
+            <a:ext cx="835500" cy="259800"/>
+          </a:xfrm>
+          <a:prstGeom prst="triangle">
+            <a:avLst>
+              <a:gd name="adj" fmla="val 50000"/>
+            </a:avLst>
+          </a:prstGeom>
+          <a:solidFill>
+            <a:srgbClr val="9B445C"/>
+          </a:solidFill>
+          <a:ln>
+            <a:noFill/>
+          </a:ln>
+        </p:spPr>
+        <p:txBody>
+          <a:bodyPr spcFirstLastPara="1" wrap="square" lIns="91425" tIns="91425" rIns="91425" bIns="91425" anchor="ctr" anchorCtr="0">
+            <a:noAutofit/>
+          </a:bodyPr>
+          <a:lstStyle/>
+          <a:p>
+            <a:pPr marL="0" lvl="0" indent="0" algn="l" rtl="0">
+              <a:spcBef>
+                <a:spcPts val="0"/>
+              </a:spcBef>
+              <a:spcAft>
+                <a:spcPts val="0"/>
+              </a:spcAft>
+              <a:buNone/>
+            </a:pPr>
+            <a:endParaRPr dirty="0"/>
+          </a:p>
+        </p:txBody>
+      </p:sp>
+      <p:sp>
+        <p:nvSpPr>
+          <p:cNvPr id="717" name="Google Shape;717;p92"/>
+          <p:cNvSpPr/>
+          <p:nvPr/>
+        </p:nvSpPr>
+        <p:spPr>
+          <a:xfrm rot="10800000">
+            <a:off x="6625746" y="3132000"/>
+            <a:ext cx="835500" cy="259800"/>
+          </a:xfrm>
+          <a:prstGeom prst="triangle">
+            <a:avLst>
+              <a:gd name="adj" fmla="val 50000"/>
+            </a:avLst>
+          </a:prstGeom>
+          <a:solidFill>
+            <a:srgbClr val="9B445C"/>
+          </a:solidFill>
+          <a:ln>
+            <a:noFill/>
+          </a:ln>
+        </p:spPr>
+        <p:txBody>
+          <a:bodyPr spcFirstLastPara="1" wrap="square" lIns="91425" tIns="91425" rIns="91425" bIns="91425" anchor="ctr" anchorCtr="0">
+            <a:noAutofit/>
+          </a:bodyPr>
+          <a:lstStyle/>
+          <a:p>
+            <a:pPr marL="0" lvl="0" indent="0" algn="l" rtl="0">
+              <a:spcBef>
+                <a:spcPts val="0"/>
+              </a:spcBef>
+              <a:spcAft>
+                <a:spcPts val="0"/>
+              </a:spcAft>
+              <a:buNone/>
+            </a:pPr>
+            <a:endParaRPr/>
+          </a:p>
+        </p:txBody>
+      </p:sp>
+      <p:cxnSp>
+        <p:nvCxnSpPr>
+          <p:cNvPr id="718" name="Google Shape;718;p92"/>
+          <p:cNvCxnSpPr/>
+          <p:nvPr/>
+        </p:nvCxnSpPr>
+        <p:spPr>
+          <a:xfrm>
+            <a:off x="-22525" y="2564950"/>
+            <a:ext cx="2858700" cy="0"/>
+          </a:xfrm>
+          <a:prstGeom prst="straightConnector1">
+            <a:avLst/>
+          </a:prstGeom>
+          <a:noFill/>
+          <a:ln w="19050" cap="flat" cmpd="sng">
+            <a:solidFill>
+              <a:schemeClr val="dk1"/>
+            </a:solidFill>
+            <a:prstDash val="solid"/>
+            <a:round/>
+            <a:headEnd type="none" w="med" len="med"/>
+            <a:tailEnd type="none" w="med" len="med"/>
+          </a:ln>
+        </p:spPr>
+      </p:cxnSp>
+      <p:cxnSp>
+        <p:nvCxnSpPr>
+          <p:cNvPr id="719" name="Google Shape;719;p92"/>
+          <p:cNvCxnSpPr/>
+          <p:nvPr/>
+        </p:nvCxnSpPr>
+        <p:spPr>
+          <a:xfrm>
+            <a:off x="6285300" y="2571750"/>
+            <a:ext cx="2858700" cy="0"/>
+          </a:xfrm>
+          <a:prstGeom prst="straightConnector1">
+            <a:avLst/>
+          </a:prstGeom>
+          <a:noFill/>
+          <a:ln w="19050" cap="flat" cmpd="sng">
+            <a:solidFill>
+              <a:schemeClr val="dk1"/>
+            </a:solidFill>
+            <a:prstDash val="solid"/>
+            <a:round/>
+            <a:headEnd type="none" w="med" len="med"/>
+            <a:tailEnd type="none" w="med" len="med"/>
+          </a:ln>
+        </p:spPr>
+      </p:cxnSp>
+      <p:cxnSp>
+        <p:nvCxnSpPr>
+          <p:cNvPr id="720" name="Google Shape;720;p92"/>
+          <p:cNvCxnSpPr/>
+          <p:nvPr/>
+        </p:nvCxnSpPr>
+        <p:spPr>
+          <a:xfrm>
+            <a:off x="4572000" y="3179625"/>
+            <a:ext cx="0" cy="930900"/>
+          </a:xfrm>
+          <a:prstGeom prst="straightConnector1">
+            <a:avLst/>
+          </a:prstGeom>
+          <a:noFill/>
+          <a:ln w="19050" cap="flat" cmpd="sng">
+            <a:solidFill>
+              <a:schemeClr val="dk1"/>
+            </a:solidFill>
+            <a:prstDash val="solid"/>
+            <a:round/>
+            <a:headEnd type="none" w="med" len="med"/>
+            <a:tailEnd type="none" w="med" len="med"/>
+          </a:ln>
+        </p:spPr>
+      </p:cxnSp>
+      <p:cxnSp>
+        <p:nvCxnSpPr>
+          <p:cNvPr id="721" name="Google Shape;721;p92"/>
+          <p:cNvCxnSpPr/>
+          <p:nvPr/>
+        </p:nvCxnSpPr>
+        <p:spPr>
+          <a:xfrm>
+            <a:off x="4572000" y="1276600"/>
+            <a:ext cx="0" cy="930900"/>
+          </a:xfrm>
+          <a:prstGeom prst="straightConnector1">
+            <a:avLst/>
+          </a:prstGeom>
+          <a:noFill/>
+          <a:ln w="19050" cap="flat" cmpd="sng">
+            <a:solidFill>
+              <a:schemeClr val="dk1"/>
+            </a:solidFill>
+            <a:prstDash val="solid"/>
+            <a:round/>
+            <a:headEnd type="none" w="med" len="med"/>
+            <a:tailEnd type="none" w="med" len="med"/>
+          </a:ln>
+        </p:spPr>
+      </p:cxnSp>
+      <p:sp>
+        <p:nvSpPr>
+          <p:cNvPr id="3" name="Google Shape;705;p92">
+            <a:extLst>
+              <a:ext uri="{FF2B5EF4-FFF2-40B4-BE49-F238E27FC236}">
+                <a16:creationId xmlns:a16="http://schemas.microsoft.com/office/drawing/2014/main" id="{DF8B365C-BD16-1B77-AADD-0F7372883EF5}"/>
+              </a:ext>
+            </a:extLst>
+          </p:cNvPr>
+          <p:cNvSpPr txBox="1">
+            <a:spLocks/>
+          </p:cNvSpPr>
+          <p:nvPr/>
+        </p:nvSpPr>
+        <p:spPr>
+          <a:xfrm>
+            <a:off x="-98965" y="1993376"/>
+            <a:ext cx="3162997" cy="528600"/>
+          </a:xfrm>
+          <a:prstGeom prst="rect">
+            <a:avLst/>
+          </a:prstGeom>
+          <a:noFill/>
+          <a:ln>
+            <a:noFill/>
+          </a:ln>
+        </p:spPr>
+        <p:txBody>
+          <a:bodyPr spcFirstLastPara="1" wrap="square" lIns="91425" tIns="91425" rIns="91425" bIns="91425" anchor="t" anchorCtr="0">
+            <a:noAutofit/>
+          </a:bodyPr>
+          <a:lstStyle>
+            <a:defPPr marR="0" lvl="0" algn="l" rtl="0">
+              <a:lnSpc>
+                <a:spcPct val="100000"/>
+              </a:lnSpc>
+              <a:spcBef>
+                <a:spcPts val="0"/>
+              </a:spcBef>
+              <a:spcAft>
+                <a:spcPts val="0"/>
+              </a:spcAft>
+            </a:defPPr>
+            <a:lvl1pPr marR="0" lvl="0" algn="ctr" rtl="0">
+              <a:lnSpc>
+                <a:spcPct val="100000"/>
+              </a:lnSpc>
+              <a:spcBef>
+                <a:spcPts val="0"/>
+              </a:spcBef>
+              <a:spcAft>
+                <a:spcPts val="0"/>
+              </a:spcAft>
+              <a:buClr>
+                <a:schemeClr val="dk1"/>
+              </a:buClr>
+              <a:buSzPts val="2700"/>
+              <a:buFont typeface="Julius Sans One"/>
+              <a:buNone/>
+              <a:defRPr sz="3000" b="1" i="0" u="none" strike="noStrike" cap="none">
+                <a:solidFill>
+                  <a:schemeClr val="dk1"/>
+                </a:solidFill>
+                <a:latin typeface="Julius Sans One"/>
+                <a:ea typeface="Julius Sans One"/>
+                <a:cs typeface="Julius Sans One"/>
+                <a:sym typeface="Julius Sans One"/>
+              </a:defRPr>
+            </a:lvl1pPr>
+            <a:lvl2pPr marR="0" lvl="1" algn="l" rtl="0">
+              <a:lnSpc>
+                <a:spcPct val="100000"/>
+              </a:lnSpc>
+              <a:spcBef>
+                <a:spcPts val="0"/>
+              </a:spcBef>
+              <a:spcAft>
+                <a:spcPts val="0"/>
+              </a:spcAft>
+              <a:buClr>
+                <a:schemeClr val="dk1"/>
+              </a:buClr>
+              <a:buSzPts val="3000"/>
+              <a:buFont typeface="Julius Sans One"/>
+              <a:buNone/>
+              <a:defRPr sz="3000" b="1" i="0" u="none" strike="noStrike" cap="none">
+                <a:solidFill>
+                  <a:schemeClr val="dk1"/>
+                </a:solidFill>
+                <a:latin typeface="Julius Sans One"/>
+                <a:ea typeface="Julius Sans One"/>
+                <a:cs typeface="Julius Sans One"/>
+                <a:sym typeface="Julius Sans One"/>
+              </a:defRPr>
+            </a:lvl2pPr>
+            <a:lvl3pPr marR="0" lvl="2" algn="l" rtl="0">
+              <a:lnSpc>
+                <a:spcPct val="100000"/>
+              </a:lnSpc>
+              <a:spcBef>
+                <a:spcPts val="0"/>
+              </a:spcBef>
+              <a:spcAft>
+                <a:spcPts val="0"/>
+              </a:spcAft>
+              <a:buClr>
+                <a:schemeClr val="dk1"/>
+              </a:buClr>
+              <a:buSzPts val="3000"/>
+              <a:buFont typeface="Julius Sans One"/>
+              <a:buNone/>
+              <a:defRPr sz="3000" b="1" i="0" u="none" strike="noStrike" cap="none">
+                <a:solidFill>
+                  <a:schemeClr val="dk1"/>
+                </a:solidFill>
+                <a:latin typeface="Julius Sans One"/>
+                <a:ea typeface="Julius Sans One"/>
+                <a:cs typeface="Julius Sans One"/>
+                <a:sym typeface="Julius Sans One"/>
+              </a:defRPr>
+            </a:lvl3pPr>
+            <a:lvl4pPr marR="0" lvl="3" algn="l" rtl="0">
+              <a:lnSpc>
+                <a:spcPct val="100000"/>
+              </a:lnSpc>
+              <a:spcBef>
+                <a:spcPts val="0"/>
+              </a:spcBef>
+              <a:spcAft>
+                <a:spcPts val="0"/>
+              </a:spcAft>
+              <a:buClr>
+                <a:schemeClr val="dk1"/>
+              </a:buClr>
+              <a:buSzPts val="3000"/>
+              <a:buFont typeface="Julius Sans One"/>
+              <a:buNone/>
+              <a:defRPr sz="3000" b="1" i="0" u="none" strike="noStrike" cap="none">
+                <a:solidFill>
+                  <a:schemeClr val="dk1"/>
+                </a:solidFill>
+                <a:latin typeface="Julius Sans One"/>
+                <a:ea typeface="Julius Sans One"/>
+                <a:cs typeface="Julius Sans One"/>
+                <a:sym typeface="Julius Sans One"/>
+              </a:defRPr>
+            </a:lvl4pPr>
+            <a:lvl5pPr marR="0" lvl="4" algn="l" rtl="0">
+              <a:lnSpc>
+                <a:spcPct val="100000"/>
+              </a:lnSpc>
+              <a:spcBef>
+                <a:spcPts val="0"/>
+              </a:spcBef>
+              <a:spcAft>
+                <a:spcPts val="0"/>
+              </a:spcAft>
+              <a:buClr>
+                <a:schemeClr val="dk1"/>
+              </a:buClr>
+              <a:buSzPts val="3000"/>
+              <a:buFont typeface="Julius Sans One"/>
+              <a:buNone/>
+              <a:defRPr sz="3000" b="1" i="0" u="none" strike="noStrike" cap="none">
+                <a:solidFill>
+                  <a:schemeClr val="dk1"/>
+                </a:solidFill>
+                <a:latin typeface="Julius Sans One"/>
+                <a:ea typeface="Julius Sans One"/>
+                <a:cs typeface="Julius Sans One"/>
+                <a:sym typeface="Julius Sans One"/>
+              </a:defRPr>
+            </a:lvl5pPr>
+            <a:lvl6pPr marR="0" lvl="5" algn="l" rtl="0">
+              <a:lnSpc>
+                <a:spcPct val="100000"/>
+              </a:lnSpc>
+              <a:spcBef>
+                <a:spcPts val="0"/>
+              </a:spcBef>
+              <a:spcAft>
+                <a:spcPts val="0"/>
+              </a:spcAft>
+              <a:buClr>
+                <a:schemeClr val="dk1"/>
+              </a:buClr>
+              <a:buSzPts val="3000"/>
+              <a:buFont typeface="Julius Sans One"/>
+              <a:buNone/>
+              <a:defRPr sz="3000" b="1" i="0" u="none" strike="noStrike" cap="none">
+                <a:solidFill>
+                  <a:schemeClr val="dk1"/>
+                </a:solidFill>
+                <a:latin typeface="Julius Sans One"/>
+                <a:ea typeface="Julius Sans One"/>
+                <a:cs typeface="Julius Sans One"/>
+                <a:sym typeface="Julius Sans One"/>
+              </a:defRPr>
+            </a:lvl6pPr>
+            <a:lvl7pPr marR="0" lvl="6" algn="l" rtl="0">
+              <a:lnSpc>
+                <a:spcPct val="100000"/>
+              </a:lnSpc>
+              <a:spcBef>
+                <a:spcPts val="0"/>
+              </a:spcBef>
+              <a:spcAft>
+                <a:spcPts val="0"/>
+              </a:spcAft>
+              <a:buClr>
+                <a:schemeClr val="dk1"/>
+              </a:buClr>
+              <a:buSzPts val="3000"/>
+              <a:buFont typeface="Julius Sans One"/>
+              <a:buNone/>
+              <a:defRPr sz="3000" b="1" i="0" u="none" strike="noStrike" cap="none">
+                <a:solidFill>
+                  <a:schemeClr val="dk1"/>
+                </a:solidFill>
+                <a:latin typeface="Julius Sans One"/>
+                <a:ea typeface="Julius Sans One"/>
+                <a:cs typeface="Julius Sans One"/>
+                <a:sym typeface="Julius Sans One"/>
+              </a:defRPr>
+            </a:lvl7pPr>
+            <a:lvl8pPr marR="0" lvl="7" algn="l" rtl="0">
+              <a:lnSpc>
+                <a:spcPct val="100000"/>
+              </a:lnSpc>
+              <a:spcBef>
+                <a:spcPts val="0"/>
+              </a:spcBef>
+              <a:spcAft>
+                <a:spcPts val="0"/>
+              </a:spcAft>
+              <a:buClr>
+                <a:schemeClr val="dk1"/>
+              </a:buClr>
+              <a:buSzPts val="3000"/>
+              <a:buFont typeface="Julius Sans One"/>
+              <a:buNone/>
+              <a:defRPr sz="3000" b="1" i="0" u="none" strike="noStrike" cap="none">
+                <a:solidFill>
+                  <a:schemeClr val="dk1"/>
+                </a:solidFill>
+                <a:latin typeface="Julius Sans One"/>
+                <a:ea typeface="Julius Sans One"/>
+                <a:cs typeface="Julius Sans One"/>
+                <a:sym typeface="Julius Sans One"/>
+              </a:defRPr>
+            </a:lvl8pPr>
+            <a:lvl9pPr marR="0" lvl="8" algn="l" rtl="0">
+              <a:lnSpc>
+                <a:spcPct val="100000"/>
+              </a:lnSpc>
+              <a:spcBef>
+                <a:spcPts val="0"/>
+              </a:spcBef>
+              <a:spcAft>
+                <a:spcPts val="0"/>
+              </a:spcAft>
+              <a:buClr>
+                <a:schemeClr val="dk1"/>
+              </a:buClr>
+              <a:buSzPts val="3000"/>
+              <a:buFont typeface="Julius Sans One"/>
+              <a:buNone/>
+              <a:defRPr sz="3000" b="1" i="0" u="none" strike="noStrike" cap="none">
+                <a:solidFill>
+                  <a:schemeClr val="dk1"/>
+                </a:solidFill>
+                <a:latin typeface="Julius Sans One"/>
+                <a:ea typeface="Julius Sans One"/>
+                <a:cs typeface="Julius Sans One"/>
+                <a:sym typeface="Julius Sans One"/>
+              </a:defRPr>
+            </a:lvl9pPr>
+          </a:lstStyle>
+          <a:p>
+            <a:r>
+              <a:rPr lang="en-US" sz="2400" dirty="0">
+                <a:solidFill>
+                  <a:srgbClr val="444D9B"/>
+                </a:solidFill>
+              </a:rPr>
+              <a:t>Brooklyn</a:t>
+            </a:r>
+          </a:p>
+        </p:txBody>
+      </p:sp>
+      <p:sp>
+        <p:nvSpPr>
+          <p:cNvPr id="4" name="Google Shape;705;p92">
+            <a:extLst>
+              <a:ext uri="{FF2B5EF4-FFF2-40B4-BE49-F238E27FC236}">
+                <a16:creationId xmlns:a16="http://schemas.microsoft.com/office/drawing/2014/main" id="{D6DA6266-15F5-92BD-45C8-B0FD5AA94111}"/>
+              </a:ext>
+            </a:extLst>
+          </p:cNvPr>
+          <p:cNvSpPr txBox="1">
+            <a:spLocks/>
+          </p:cNvSpPr>
+          <p:nvPr/>
+        </p:nvSpPr>
+        <p:spPr>
+          <a:xfrm>
+            <a:off x="6178901" y="1993376"/>
+            <a:ext cx="3162997" cy="528600"/>
+          </a:xfrm>
+          <a:prstGeom prst="rect">
+            <a:avLst/>
+          </a:prstGeom>
+          <a:noFill/>
+          <a:ln>
+            <a:noFill/>
+          </a:ln>
+        </p:spPr>
+        <p:txBody>
+          <a:bodyPr spcFirstLastPara="1" wrap="square" lIns="91425" tIns="91425" rIns="91425" bIns="91425" anchor="t" anchorCtr="0">
+            <a:noAutofit/>
+          </a:bodyPr>
+          <a:lstStyle>
+            <a:defPPr marR="0" lvl="0" algn="l" rtl="0">
+              <a:lnSpc>
+                <a:spcPct val="100000"/>
+              </a:lnSpc>
+              <a:spcBef>
+                <a:spcPts val="0"/>
+              </a:spcBef>
+              <a:spcAft>
+                <a:spcPts val="0"/>
+              </a:spcAft>
+            </a:defPPr>
+            <a:lvl1pPr marR="0" lvl="0" algn="ctr" rtl="0">
+              <a:lnSpc>
+                <a:spcPct val="100000"/>
+              </a:lnSpc>
+              <a:spcBef>
+                <a:spcPts val="0"/>
+              </a:spcBef>
+              <a:spcAft>
+                <a:spcPts val="0"/>
+              </a:spcAft>
+              <a:buClr>
+                <a:schemeClr val="dk1"/>
+              </a:buClr>
+              <a:buSzPts val="2700"/>
+              <a:buFont typeface="Julius Sans One"/>
+              <a:buNone/>
+              <a:defRPr sz="3000" b="1" i="0" u="none" strike="noStrike" cap="none">
+                <a:solidFill>
+                  <a:schemeClr val="dk1"/>
+                </a:solidFill>
+                <a:latin typeface="Julius Sans One"/>
+                <a:ea typeface="Julius Sans One"/>
+                <a:cs typeface="Julius Sans One"/>
+                <a:sym typeface="Julius Sans One"/>
+              </a:defRPr>
+            </a:lvl1pPr>
+            <a:lvl2pPr marR="0" lvl="1" algn="l" rtl="0">
+              <a:lnSpc>
+                <a:spcPct val="100000"/>
+              </a:lnSpc>
+              <a:spcBef>
+                <a:spcPts val="0"/>
+              </a:spcBef>
+              <a:spcAft>
+                <a:spcPts val="0"/>
+              </a:spcAft>
+              <a:buClr>
+                <a:schemeClr val="dk1"/>
+              </a:buClr>
+              <a:buSzPts val="3000"/>
+              <a:buFont typeface="Julius Sans One"/>
+              <a:buNone/>
+              <a:defRPr sz="3000" b="1" i="0" u="none" strike="noStrike" cap="none">
+                <a:solidFill>
+                  <a:schemeClr val="dk1"/>
+                </a:solidFill>
+                <a:latin typeface="Julius Sans One"/>
+                <a:ea typeface="Julius Sans One"/>
+                <a:cs typeface="Julius Sans One"/>
+                <a:sym typeface="Julius Sans One"/>
+              </a:defRPr>
+            </a:lvl2pPr>
+            <a:lvl3pPr marR="0" lvl="2" algn="l" rtl="0">
+              <a:lnSpc>
+                <a:spcPct val="100000"/>
+              </a:lnSpc>
+              <a:spcBef>
+                <a:spcPts val="0"/>
+              </a:spcBef>
+              <a:spcAft>
+                <a:spcPts val="0"/>
+              </a:spcAft>
+              <a:buClr>
+                <a:schemeClr val="dk1"/>
+              </a:buClr>
+              <a:buSzPts val="3000"/>
+              <a:buFont typeface="Julius Sans One"/>
+              <a:buNone/>
+              <a:defRPr sz="3000" b="1" i="0" u="none" strike="noStrike" cap="none">
+                <a:solidFill>
+                  <a:schemeClr val="dk1"/>
+                </a:solidFill>
+                <a:latin typeface="Julius Sans One"/>
+                <a:ea typeface="Julius Sans One"/>
+                <a:cs typeface="Julius Sans One"/>
+                <a:sym typeface="Julius Sans One"/>
+              </a:defRPr>
+            </a:lvl3pPr>
+            <a:lvl4pPr marR="0" lvl="3" algn="l" rtl="0">
+              <a:lnSpc>
+                <a:spcPct val="100000"/>
+              </a:lnSpc>
+              <a:spcBef>
+                <a:spcPts val="0"/>
+              </a:spcBef>
+              <a:spcAft>
+                <a:spcPts val="0"/>
+              </a:spcAft>
+              <a:buClr>
+                <a:schemeClr val="dk1"/>
+              </a:buClr>
+              <a:buSzPts val="3000"/>
+              <a:buFont typeface="Julius Sans One"/>
+              <a:buNone/>
+              <a:defRPr sz="3000" b="1" i="0" u="none" strike="noStrike" cap="none">
+                <a:solidFill>
+                  <a:schemeClr val="dk1"/>
+                </a:solidFill>
+                <a:latin typeface="Julius Sans One"/>
+                <a:ea typeface="Julius Sans One"/>
+                <a:cs typeface="Julius Sans One"/>
+                <a:sym typeface="Julius Sans One"/>
+              </a:defRPr>
+            </a:lvl4pPr>
+            <a:lvl5pPr marR="0" lvl="4" algn="l" rtl="0">
+              <a:lnSpc>
+                <a:spcPct val="100000"/>
+              </a:lnSpc>
+              <a:spcBef>
+                <a:spcPts val="0"/>
+              </a:spcBef>
+              <a:spcAft>
+                <a:spcPts val="0"/>
+              </a:spcAft>
+              <a:buClr>
+                <a:schemeClr val="dk1"/>
+              </a:buClr>
+              <a:buSzPts val="3000"/>
+              <a:buFont typeface="Julius Sans One"/>
+              <a:buNone/>
+              <a:defRPr sz="3000" b="1" i="0" u="none" strike="noStrike" cap="none">
+                <a:solidFill>
+                  <a:schemeClr val="dk1"/>
+                </a:solidFill>
+                <a:latin typeface="Julius Sans One"/>
+                <a:ea typeface="Julius Sans One"/>
+                <a:cs typeface="Julius Sans One"/>
+                <a:sym typeface="Julius Sans One"/>
+              </a:defRPr>
+            </a:lvl5pPr>
+            <a:lvl6pPr marR="0" lvl="5" algn="l" rtl="0">
+              <a:lnSpc>
+                <a:spcPct val="100000"/>
+              </a:lnSpc>
+              <a:spcBef>
+                <a:spcPts val="0"/>
+              </a:spcBef>
+              <a:spcAft>
+                <a:spcPts val="0"/>
+              </a:spcAft>
+              <a:buClr>
+                <a:schemeClr val="dk1"/>
+              </a:buClr>
+              <a:buSzPts val="3000"/>
+              <a:buFont typeface="Julius Sans One"/>
+              <a:buNone/>
+              <a:defRPr sz="3000" b="1" i="0" u="none" strike="noStrike" cap="none">
+                <a:solidFill>
+                  <a:schemeClr val="dk1"/>
+                </a:solidFill>
+                <a:latin typeface="Julius Sans One"/>
+                <a:ea typeface="Julius Sans One"/>
+                <a:cs typeface="Julius Sans One"/>
+                <a:sym typeface="Julius Sans One"/>
+              </a:defRPr>
+            </a:lvl6pPr>
+            <a:lvl7pPr marR="0" lvl="6" algn="l" rtl="0">
+              <a:lnSpc>
+                <a:spcPct val="100000"/>
+              </a:lnSpc>
+              <a:spcBef>
+                <a:spcPts val="0"/>
+              </a:spcBef>
+              <a:spcAft>
+                <a:spcPts val="0"/>
+              </a:spcAft>
+              <a:buClr>
+                <a:schemeClr val="dk1"/>
+              </a:buClr>
+              <a:buSzPts val="3000"/>
+              <a:buFont typeface="Julius Sans One"/>
+              <a:buNone/>
+              <a:defRPr sz="3000" b="1" i="0" u="none" strike="noStrike" cap="none">
+                <a:solidFill>
+                  <a:schemeClr val="dk1"/>
+                </a:solidFill>
+                <a:latin typeface="Julius Sans One"/>
+                <a:ea typeface="Julius Sans One"/>
+                <a:cs typeface="Julius Sans One"/>
+                <a:sym typeface="Julius Sans One"/>
+              </a:defRPr>
+            </a:lvl7pPr>
+            <a:lvl8pPr marR="0" lvl="7" algn="l" rtl="0">
+              <a:lnSpc>
+                <a:spcPct val="100000"/>
+              </a:lnSpc>
+              <a:spcBef>
+                <a:spcPts val="0"/>
+              </a:spcBef>
+              <a:spcAft>
+                <a:spcPts val="0"/>
+              </a:spcAft>
+              <a:buClr>
+                <a:schemeClr val="dk1"/>
+              </a:buClr>
+              <a:buSzPts val="3000"/>
+              <a:buFont typeface="Julius Sans One"/>
+              <a:buNone/>
+              <a:defRPr sz="3000" b="1" i="0" u="none" strike="noStrike" cap="none">
+                <a:solidFill>
+                  <a:schemeClr val="dk1"/>
+                </a:solidFill>
+                <a:latin typeface="Julius Sans One"/>
+                <a:ea typeface="Julius Sans One"/>
+                <a:cs typeface="Julius Sans One"/>
+                <a:sym typeface="Julius Sans One"/>
+              </a:defRPr>
+            </a:lvl8pPr>
+            <a:lvl9pPr marR="0" lvl="8" algn="l" rtl="0">
+              <a:lnSpc>
+                <a:spcPct val="100000"/>
+              </a:lnSpc>
+              <a:spcBef>
+                <a:spcPts val="0"/>
+              </a:spcBef>
+              <a:spcAft>
+                <a:spcPts val="0"/>
+              </a:spcAft>
+              <a:buClr>
+                <a:schemeClr val="dk1"/>
+              </a:buClr>
+              <a:buSzPts val="3000"/>
+              <a:buFont typeface="Julius Sans One"/>
+              <a:buNone/>
+              <a:defRPr sz="3000" b="1" i="0" u="none" strike="noStrike" cap="none">
+                <a:solidFill>
+                  <a:schemeClr val="dk1"/>
+                </a:solidFill>
+                <a:latin typeface="Julius Sans One"/>
+                <a:ea typeface="Julius Sans One"/>
+                <a:cs typeface="Julius Sans One"/>
+                <a:sym typeface="Julius Sans One"/>
+              </a:defRPr>
+            </a:lvl9pPr>
+          </a:lstStyle>
+          <a:p>
+            <a:r>
+              <a:rPr lang="en-US" sz="2400" dirty="0">
+                <a:solidFill>
+                  <a:srgbClr val="9B445C"/>
+                </a:solidFill>
+              </a:rPr>
+              <a:t>Manhattan</a:t>
+            </a:r>
+          </a:p>
+        </p:txBody>
+      </p:sp>
+      <p:sp>
+        <p:nvSpPr>
+          <p:cNvPr id="5" name="Google Shape;464;p67">
+            <a:extLst>
+              <a:ext uri="{FF2B5EF4-FFF2-40B4-BE49-F238E27FC236}">
+                <a16:creationId xmlns:a16="http://schemas.microsoft.com/office/drawing/2014/main" id="{9600095C-C75D-A03B-CD10-6444A3E7991B}"/>
+              </a:ext>
+            </a:extLst>
+          </p:cNvPr>
+          <p:cNvSpPr txBox="1">
+            <a:spLocks/>
+          </p:cNvSpPr>
+          <p:nvPr/>
+        </p:nvSpPr>
+        <p:spPr>
+          <a:xfrm>
+            <a:off x="67316" y="4787765"/>
+            <a:ext cx="3829200" cy="248400"/>
+          </a:xfrm>
+          <a:prstGeom prst="rect">
+            <a:avLst/>
+          </a:prstGeom>
+          <a:noFill/>
+          <a:ln>
+            <a:noFill/>
+          </a:ln>
+        </p:spPr>
+        <p:txBody>
+          <a:bodyPr spcFirstLastPara="1" wrap="square" lIns="91425" tIns="91425" rIns="91425" bIns="91425" anchor="t" anchorCtr="0">
+            <a:noAutofit/>
+          </a:bodyPr>
+          <a:lstStyle>
+            <a:defPPr marR="0" lvl="0" algn="l" rtl="0">
+              <a:lnSpc>
+                <a:spcPct val="100000"/>
+              </a:lnSpc>
+              <a:spcBef>
+                <a:spcPts val="0"/>
+              </a:spcBef>
+              <a:spcAft>
+                <a:spcPts val="0"/>
+              </a:spcAft>
+            </a:defPPr>
+            <a:lvl1pPr marL="457200" marR="0" lvl="0" indent="-323850" algn="l" rtl="0">
+              <a:lnSpc>
+                <a:spcPct val="100000"/>
+              </a:lnSpc>
+              <a:spcBef>
+                <a:spcPts val="0"/>
+              </a:spcBef>
+              <a:spcAft>
+                <a:spcPts val="0"/>
+              </a:spcAft>
+              <a:buClr>
+                <a:srgbClr val="000000"/>
+              </a:buClr>
+              <a:buSzPts val="1500"/>
+              <a:buFont typeface="Montserrat"/>
+              <a:buChar char="●"/>
+              <a:defRPr sz="1400" b="0" i="0" u="none" strike="noStrike" cap="none">
+                <a:solidFill>
+                  <a:schemeClr val="lt1"/>
+                </a:solidFill>
+                <a:latin typeface="Didact Gothic"/>
+                <a:ea typeface="Didact Gothic"/>
+                <a:cs typeface="Didact Gothic"/>
+                <a:sym typeface="Didact Gothic"/>
+              </a:defRPr>
+            </a:lvl1pPr>
+            <a:lvl2pPr marL="914400" marR="0" lvl="1" indent="-298450" algn="l" rtl="0">
+              <a:lnSpc>
+                <a:spcPct val="115000"/>
+              </a:lnSpc>
+              <a:spcBef>
+                <a:spcPts val="0"/>
+              </a:spcBef>
+              <a:spcAft>
+                <a:spcPts val="0"/>
+              </a:spcAft>
+              <a:buClr>
+                <a:srgbClr val="000000"/>
+              </a:buClr>
+              <a:buSzPts val="1100"/>
+              <a:buFont typeface="Montserrat"/>
+              <a:buChar char="○"/>
+              <a:defRPr sz="1400" b="0" i="0" u="none" strike="noStrike" cap="none">
+                <a:solidFill>
+                  <a:schemeClr val="lt1"/>
+                </a:solidFill>
+                <a:latin typeface="Didact Gothic"/>
+                <a:ea typeface="Didact Gothic"/>
+                <a:cs typeface="Didact Gothic"/>
+                <a:sym typeface="Didact Gothic"/>
+              </a:defRPr>
+            </a:lvl2pPr>
+            <a:lvl3pPr marL="1371600" marR="0" lvl="2" indent="-298450" algn="l" rtl="0">
+              <a:lnSpc>
+                <a:spcPct val="115000"/>
+              </a:lnSpc>
+              <a:spcBef>
+                <a:spcPts val="1600"/>
+              </a:spcBef>
+              <a:spcAft>
+                <a:spcPts val="0"/>
+              </a:spcAft>
+              <a:buClr>
+                <a:srgbClr val="000000"/>
+              </a:buClr>
+              <a:buSzPts val="1100"/>
+              <a:buFont typeface="Montserrat"/>
+              <a:buChar char="■"/>
+              <a:defRPr sz="1400" b="0" i="0" u="none" strike="noStrike" cap="none">
+                <a:solidFill>
+                  <a:schemeClr val="lt1"/>
+                </a:solidFill>
+                <a:latin typeface="Didact Gothic"/>
+                <a:ea typeface="Didact Gothic"/>
+                <a:cs typeface="Didact Gothic"/>
+                <a:sym typeface="Didact Gothic"/>
+              </a:defRPr>
+            </a:lvl3pPr>
+            <a:lvl4pPr marL="1828800" marR="0" lvl="3" indent="-298450" algn="l" rtl="0">
+              <a:lnSpc>
+                <a:spcPct val="115000"/>
+              </a:lnSpc>
+              <a:spcBef>
+                <a:spcPts val="1600"/>
+              </a:spcBef>
+              <a:spcAft>
+                <a:spcPts val="0"/>
+              </a:spcAft>
+              <a:buClr>
+                <a:srgbClr val="000000"/>
+              </a:buClr>
+              <a:buSzPts val="1100"/>
+              <a:buFont typeface="Montserrat"/>
+              <a:buChar char="●"/>
+              <a:defRPr sz="1400" b="0" i="0" u="none" strike="noStrike" cap="none">
+                <a:solidFill>
+                  <a:schemeClr val="lt1"/>
+                </a:solidFill>
+                <a:latin typeface="Didact Gothic"/>
+                <a:ea typeface="Didact Gothic"/>
+                <a:cs typeface="Didact Gothic"/>
+                <a:sym typeface="Didact Gothic"/>
+              </a:defRPr>
+            </a:lvl4pPr>
+            <a:lvl5pPr marL="2286000" marR="0" lvl="4" indent="-298450" algn="l" rtl="0">
+              <a:lnSpc>
+                <a:spcPct val="115000"/>
+              </a:lnSpc>
+              <a:spcBef>
+                <a:spcPts val="1600"/>
+              </a:spcBef>
+              <a:spcAft>
+                <a:spcPts val="0"/>
+              </a:spcAft>
+              <a:buClr>
+                <a:srgbClr val="000000"/>
+              </a:buClr>
+              <a:buSzPts val="1100"/>
+              <a:buFont typeface="Montserrat"/>
+              <a:buChar char="○"/>
+              <a:defRPr sz="1400" b="0" i="0" u="none" strike="noStrike" cap="none">
+                <a:solidFill>
+                  <a:schemeClr val="lt1"/>
+                </a:solidFill>
+                <a:latin typeface="Didact Gothic"/>
+                <a:ea typeface="Didact Gothic"/>
+                <a:cs typeface="Didact Gothic"/>
+                <a:sym typeface="Didact Gothic"/>
+              </a:defRPr>
+            </a:lvl5pPr>
+            <a:lvl6pPr marL="2743200" marR="0" lvl="5" indent="-298450" algn="l" rtl="0">
+              <a:lnSpc>
+                <a:spcPct val="115000"/>
+              </a:lnSpc>
+              <a:spcBef>
+                <a:spcPts val="1600"/>
+              </a:spcBef>
+              <a:spcAft>
+                <a:spcPts val="0"/>
+              </a:spcAft>
+              <a:buClr>
+                <a:srgbClr val="000000"/>
+              </a:buClr>
+              <a:buSzPts val="1100"/>
+              <a:buFont typeface="Montserrat"/>
+              <a:buChar char="■"/>
+              <a:defRPr sz="1400" b="0" i="0" u="none" strike="noStrike" cap="none">
+                <a:solidFill>
+                  <a:schemeClr val="lt1"/>
+                </a:solidFill>
+                <a:latin typeface="Didact Gothic"/>
+                <a:ea typeface="Didact Gothic"/>
+                <a:cs typeface="Didact Gothic"/>
+                <a:sym typeface="Didact Gothic"/>
+              </a:defRPr>
+            </a:lvl6pPr>
+            <a:lvl7pPr marL="3200400" marR="0" lvl="6" indent="-298450" algn="l" rtl="0">
+              <a:lnSpc>
+                <a:spcPct val="115000"/>
+              </a:lnSpc>
+              <a:spcBef>
+                <a:spcPts val="1600"/>
+              </a:spcBef>
+              <a:spcAft>
+                <a:spcPts val="0"/>
+              </a:spcAft>
+              <a:buClr>
+                <a:srgbClr val="000000"/>
+              </a:buClr>
+              <a:buSzPts val="1100"/>
+              <a:buFont typeface="Montserrat"/>
+              <a:buChar char="●"/>
+              <a:defRPr sz="1400" b="0" i="0" u="none" strike="noStrike" cap="none">
+                <a:solidFill>
+                  <a:schemeClr val="lt1"/>
+                </a:solidFill>
+                <a:latin typeface="Didact Gothic"/>
+                <a:ea typeface="Didact Gothic"/>
+                <a:cs typeface="Didact Gothic"/>
+                <a:sym typeface="Didact Gothic"/>
+              </a:defRPr>
+            </a:lvl7pPr>
+            <a:lvl8pPr marL="3657600" marR="0" lvl="7" indent="-298450" algn="l" rtl="0">
+              <a:lnSpc>
+                <a:spcPct val="115000"/>
+              </a:lnSpc>
+              <a:spcBef>
+                <a:spcPts val="1600"/>
+              </a:spcBef>
+              <a:spcAft>
+                <a:spcPts val="0"/>
+              </a:spcAft>
+              <a:buClr>
+                <a:srgbClr val="000000"/>
+              </a:buClr>
+              <a:buSzPts val="1100"/>
+              <a:buFont typeface="Montserrat"/>
+              <a:buChar char="○"/>
+              <a:defRPr sz="1400" b="0" i="0" u="none" strike="noStrike" cap="none">
+                <a:solidFill>
+                  <a:schemeClr val="lt1"/>
+                </a:solidFill>
+                <a:latin typeface="Didact Gothic"/>
+                <a:ea typeface="Didact Gothic"/>
+                <a:cs typeface="Didact Gothic"/>
+                <a:sym typeface="Didact Gothic"/>
+              </a:defRPr>
+            </a:lvl8pPr>
+            <a:lvl9pPr marL="4114800" marR="0" lvl="8" indent="-298450" algn="l" rtl="0">
+              <a:lnSpc>
+                <a:spcPct val="115000"/>
+              </a:lnSpc>
+              <a:spcBef>
+                <a:spcPts val="1600"/>
+              </a:spcBef>
+              <a:spcAft>
+                <a:spcPts val="1600"/>
+              </a:spcAft>
+              <a:buClr>
+                <a:srgbClr val="000000"/>
+              </a:buClr>
+              <a:buSzPts val="1100"/>
+              <a:buFont typeface="Montserrat"/>
+              <a:buChar char="■"/>
+              <a:defRPr sz="1400" b="0" i="0" u="none" strike="noStrike" cap="none">
+                <a:solidFill>
+                  <a:schemeClr val="lt1"/>
+                </a:solidFill>
+                <a:latin typeface="Didact Gothic"/>
+                <a:ea typeface="Didact Gothic"/>
+                <a:cs typeface="Didact Gothic"/>
+                <a:sym typeface="Didact Gothic"/>
+              </a:defRPr>
+            </a:lvl9pPr>
+          </a:lstStyle>
+          <a:p>
+            <a:pPr marL="0" indent="0">
+              <a:buFont typeface="Montserrat"/>
+              <a:buNone/>
+            </a:pPr>
+            <a:r>
+              <a:rPr lang="en-US" sz="1000" i="1" dirty="0">
+                <a:solidFill>
+                  <a:schemeClr val="bg1">
+                    <a:lumMod val="25000"/>
+                  </a:schemeClr>
+                </a:solidFill>
+              </a:rPr>
+              <a:t>Medians are reported</a:t>
+            </a:r>
+          </a:p>
+        </p:txBody>
+      </p:sp>
+      <p:sp>
+        <p:nvSpPr>
+          <p:cNvPr id="6" name="Subtitle 5">
+            <a:extLst>
+              <a:ext uri="{FF2B5EF4-FFF2-40B4-BE49-F238E27FC236}">
+                <a16:creationId xmlns:a16="http://schemas.microsoft.com/office/drawing/2014/main" id="{F50B77EB-0FDC-849E-1CB8-71643B9E23AF}"/>
+              </a:ext>
+            </a:extLst>
+          </p:cNvPr>
+          <p:cNvSpPr>
+            <a:spLocks noGrp="1"/>
+          </p:cNvSpPr>
+          <p:nvPr>
+            <p:ph type="subTitle" idx="1"/>
+          </p:nvPr>
+        </p:nvSpPr>
+        <p:spPr>
+          <a:xfrm>
+            <a:off x="666303" y="1179188"/>
+            <a:ext cx="2732700" cy="807300"/>
+          </a:xfrm>
+        </p:spPr>
+        <p:txBody>
+          <a:bodyPr/>
+          <a:lstStyle/>
+          <a:p>
+            <a:r>
+              <a:rPr lang="en-US" dirty="0"/>
+              <a:t>not reported</a:t>
+            </a:r>
+          </a:p>
+        </p:txBody>
+      </p:sp>
+      <p:sp>
+        <p:nvSpPr>
+          <p:cNvPr id="9" name="Subtitle 5">
+            <a:extLst>
+              <a:ext uri="{FF2B5EF4-FFF2-40B4-BE49-F238E27FC236}">
+                <a16:creationId xmlns:a16="http://schemas.microsoft.com/office/drawing/2014/main" id="{035B5C2B-093D-029A-70E1-30C2B2D2DA41}"/>
+              </a:ext>
+            </a:extLst>
+          </p:cNvPr>
+          <p:cNvSpPr txBox="1">
+            <a:spLocks/>
+          </p:cNvSpPr>
+          <p:nvPr/>
+        </p:nvSpPr>
+        <p:spPr>
+          <a:xfrm>
+            <a:off x="5655425" y="1207711"/>
+            <a:ext cx="2732700" cy="807300"/>
+          </a:xfrm>
+          <a:prstGeom prst="rect">
+            <a:avLst/>
+          </a:prstGeom>
+          <a:noFill/>
+          <a:ln>
+            <a:noFill/>
+          </a:ln>
+        </p:spPr>
+        <p:txBody>
+          <a:bodyPr spcFirstLastPara="1" wrap="square" lIns="91425" tIns="91425" rIns="91425" bIns="91425" anchor="t" anchorCtr="0">
+            <a:noAutofit/>
+          </a:bodyPr>
+          <a:lstStyle>
+            <a:defPPr marR="0" lvl="0" algn="l" rtl="0">
+              <a:lnSpc>
+                <a:spcPct val="100000"/>
+              </a:lnSpc>
+              <a:spcBef>
+                <a:spcPts val="0"/>
+              </a:spcBef>
+              <a:spcAft>
+                <a:spcPts val="0"/>
+              </a:spcAft>
+            </a:defPPr>
+            <a:lvl1pPr marL="457200" marR="0" lvl="0" indent="-317500" algn="ctr" rtl="0">
+              <a:lnSpc>
+                <a:spcPct val="100000"/>
+              </a:lnSpc>
+              <a:spcBef>
+                <a:spcPts val="0"/>
+              </a:spcBef>
+              <a:spcAft>
+                <a:spcPts val="0"/>
+              </a:spcAft>
+              <a:buClr>
+                <a:schemeClr val="dk1"/>
+              </a:buClr>
+              <a:buSzPts val="1400"/>
+              <a:buFont typeface="Didact Gothic"/>
+              <a:buNone/>
+              <a:defRPr sz="1400" b="0" i="0" u="none" strike="noStrike" cap="none">
+                <a:solidFill>
+                  <a:schemeClr val="dk1"/>
+                </a:solidFill>
+                <a:latin typeface="Didact Gothic"/>
+                <a:ea typeface="Didact Gothic"/>
+                <a:cs typeface="Didact Gothic"/>
+                <a:sym typeface="Didact Gothic"/>
+              </a:defRPr>
+            </a:lvl1pPr>
+            <a:lvl2pPr marL="914400" marR="0" lvl="1" indent="-317500" algn="ctr" rtl="0">
+              <a:lnSpc>
+                <a:spcPct val="100000"/>
+              </a:lnSpc>
+              <a:spcBef>
+                <a:spcPts val="0"/>
+              </a:spcBef>
+              <a:spcAft>
+                <a:spcPts val="0"/>
+              </a:spcAft>
+              <a:buClr>
+                <a:schemeClr val="dk1"/>
+              </a:buClr>
+              <a:buSzPts val="1400"/>
+              <a:buFont typeface="Didact Gothic"/>
+              <a:buNone/>
+              <a:defRPr sz="1400" b="0" i="0" u="none" strike="noStrike" cap="none">
+                <a:solidFill>
+                  <a:schemeClr val="dk1"/>
+                </a:solidFill>
+                <a:latin typeface="Didact Gothic"/>
+                <a:ea typeface="Didact Gothic"/>
+                <a:cs typeface="Didact Gothic"/>
+                <a:sym typeface="Didact Gothic"/>
+              </a:defRPr>
+            </a:lvl2pPr>
+            <a:lvl3pPr marL="1371600" marR="0" lvl="2" indent="-317500" algn="ctr" rtl="0">
+              <a:lnSpc>
+                <a:spcPct val="100000"/>
+              </a:lnSpc>
+              <a:spcBef>
+                <a:spcPts val="0"/>
+              </a:spcBef>
+              <a:spcAft>
+                <a:spcPts val="0"/>
+              </a:spcAft>
+              <a:buClr>
+                <a:schemeClr val="dk1"/>
+              </a:buClr>
+              <a:buSzPts val="1400"/>
+              <a:buFont typeface="Didact Gothic"/>
+              <a:buNone/>
+              <a:defRPr sz="1400" b="0" i="0" u="none" strike="noStrike" cap="none">
+                <a:solidFill>
+                  <a:schemeClr val="dk1"/>
+                </a:solidFill>
+                <a:latin typeface="Didact Gothic"/>
+                <a:ea typeface="Didact Gothic"/>
+                <a:cs typeface="Didact Gothic"/>
+                <a:sym typeface="Didact Gothic"/>
+              </a:defRPr>
+            </a:lvl3pPr>
+            <a:lvl4pPr marL="1828800" marR="0" lvl="3" indent="-317500" algn="ctr" rtl="0">
+              <a:lnSpc>
+                <a:spcPct val="100000"/>
+              </a:lnSpc>
+              <a:spcBef>
+                <a:spcPts val="0"/>
+              </a:spcBef>
+              <a:spcAft>
+                <a:spcPts val="0"/>
+              </a:spcAft>
+              <a:buClr>
+                <a:schemeClr val="dk1"/>
+              </a:buClr>
+              <a:buSzPts val="1400"/>
+              <a:buFont typeface="Didact Gothic"/>
+              <a:buNone/>
+              <a:defRPr sz="1400" b="0" i="0" u="none" strike="noStrike" cap="none">
+                <a:solidFill>
+                  <a:schemeClr val="dk1"/>
+                </a:solidFill>
+                <a:latin typeface="Didact Gothic"/>
+                <a:ea typeface="Didact Gothic"/>
+                <a:cs typeface="Didact Gothic"/>
+                <a:sym typeface="Didact Gothic"/>
+              </a:defRPr>
+            </a:lvl4pPr>
+            <a:lvl5pPr marL="2286000" marR="0" lvl="4" indent="-317500" algn="ctr" rtl="0">
+              <a:lnSpc>
+                <a:spcPct val="100000"/>
+              </a:lnSpc>
+              <a:spcBef>
+                <a:spcPts val="0"/>
+              </a:spcBef>
+              <a:spcAft>
+                <a:spcPts val="0"/>
+              </a:spcAft>
+              <a:buClr>
+                <a:schemeClr val="dk1"/>
+              </a:buClr>
+              <a:buSzPts val="1400"/>
+              <a:buFont typeface="Didact Gothic"/>
+              <a:buNone/>
+              <a:defRPr sz="1400" b="0" i="0" u="none" strike="noStrike" cap="none">
+                <a:solidFill>
+                  <a:schemeClr val="dk1"/>
+                </a:solidFill>
+                <a:latin typeface="Didact Gothic"/>
+                <a:ea typeface="Didact Gothic"/>
+                <a:cs typeface="Didact Gothic"/>
+                <a:sym typeface="Didact Gothic"/>
+              </a:defRPr>
+            </a:lvl5pPr>
+            <a:lvl6pPr marL="2743200" marR="0" lvl="5" indent="-317500" algn="ctr" rtl="0">
+              <a:lnSpc>
+                <a:spcPct val="100000"/>
+              </a:lnSpc>
+              <a:spcBef>
+                <a:spcPts val="0"/>
+              </a:spcBef>
+              <a:spcAft>
+                <a:spcPts val="0"/>
+              </a:spcAft>
+              <a:buClr>
+                <a:schemeClr val="dk1"/>
+              </a:buClr>
+              <a:buSzPts val="1400"/>
+              <a:buFont typeface="Didact Gothic"/>
+              <a:buNone/>
+              <a:defRPr sz="1400" b="0" i="0" u="none" strike="noStrike" cap="none">
+                <a:solidFill>
+                  <a:schemeClr val="dk1"/>
+                </a:solidFill>
+                <a:latin typeface="Didact Gothic"/>
+                <a:ea typeface="Didact Gothic"/>
+                <a:cs typeface="Didact Gothic"/>
+                <a:sym typeface="Didact Gothic"/>
+              </a:defRPr>
+            </a:lvl6pPr>
+            <a:lvl7pPr marL="3200400" marR="0" lvl="6" indent="-317500" algn="ctr" rtl="0">
+              <a:lnSpc>
+                <a:spcPct val="100000"/>
+              </a:lnSpc>
+              <a:spcBef>
+                <a:spcPts val="0"/>
+              </a:spcBef>
+              <a:spcAft>
+                <a:spcPts val="0"/>
+              </a:spcAft>
+              <a:buClr>
+                <a:schemeClr val="dk1"/>
+              </a:buClr>
+              <a:buSzPts val="1400"/>
+              <a:buFont typeface="Didact Gothic"/>
+              <a:buNone/>
+              <a:defRPr sz="1400" b="0" i="0" u="none" strike="noStrike" cap="none">
+                <a:solidFill>
+                  <a:schemeClr val="dk1"/>
+                </a:solidFill>
+                <a:latin typeface="Didact Gothic"/>
+                <a:ea typeface="Didact Gothic"/>
+                <a:cs typeface="Didact Gothic"/>
+                <a:sym typeface="Didact Gothic"/>
+              </a:defRPr>
+            </a:lvl7pPr>
+            <a:lvl8pPr marL="3657600" marR="0" lvl="7" indent="-317500" algn="ctr" rtl="0">
+              <a:lnSpc>
+                <a:spcPct val="100000"/>
+              </a:lnSpc>
+              <a:spcBef>
+                <a:spcPts val="0"/>
+              </a:spcBef>
+              <a:spcAft>
+                <a:spcPts val="0"/>
+              </a:spcAft>
+              <a:buClr>
+                <a:schemeClr val="dk1"/>
+              </a:buClr>
+              <a:buSzPts val="1400"/>
+              <a:buFont typeface="Didact Gothic"/>
+              <a:buNone/>
+              <a:defRPr sz="1400" b="0" i="0" u="none" strike="noStrike" cap="none">
+                <a:solidFill>
+                  <a:schemeClr val="dk1"/>
+                </a:solidFill>
+                <a:latin typeface="Didact Gothic"/>
+                <a:ea typeface="Didact Gothic"/>
+                <a:cs typeface="Didact Gothic"/>
+                <a:sym typeface="Didact Gothic"/>
+              </a:defRPr>
+            </a:lvl8pPr>
+            <a:lvl9pPr marL="4114800" marR="0" lvl="8" indent="-317500" algn="ctr" rtl="0">
+              <a:lnSpc>
+                <a:spcPct val="100000"/>
+              </a:lnSpc>
+              <a:spcBef>
+                <a:spcPts val="0"/>
+              </a:spcBef>
+              <a:spcAft>
+                <a:spcPts val="0"/>
+              </a:spcAft>
+              <a:buClr>
+                <a:schemeClr val="dk1"/>
+              </a:buClr>
+              <a:buSzPts val="1400"/>
+              <a:buFont typeface="Didact Gothic"/>
+              <a:buNone/>
+              <a:defRPr sz="1400" b="0" i="0" u="none" strike="noStrike" cap="none">
+                <a:solidFill>
+                  <a:schemeClr val="dk1"/>
+                </a:solidFill>
+                <a:latin typeface="Didact Gothic"/>
+                <a:ea typeface="Didact Gothic"/>
+                <a:cs typeface="Didact Gothic"/>
+                <a:sym typeface="Didact Gothic"/>
+              </a:defRPr>
+            </a:lvl9pPr>
+          </a:lstStyle>
+          <a:p>
+            <a:r>
+              <a:rPr lang="en-US"/>
+              <a:t>not reported</a:t>
+            </a:r>
+            <a:endParaRPr lang="en-US" dirty="0"/>
+          </a:p>
+        </p:txBody>
+      </p:sp>
+      <p:sp>
+        <p:nvSpPr>
+          <p:cNvPr id="13" name="Google Shape;705;p92">
+            <a:extLst>
+              <a:ext uri="{FF2B5EF4-FFF2-40B4-BE49-F238E27FC236}">
+                <a16:creationId xmlns:a16="http://schemas.microsoft.com/office/drawing/2014/main" id="{A27A3B14-0FD1-1A2B-CEA2-26BCB6EC4041}"/>
+              </a:ext>
+            </a:extLst>
+          </p:cNvPr>
+          <p:cNvSpPr txBox="1">
+            <a:spLocks noGrp="1"/>
+          </p:cNvSpPr>
+          <p:nvPr>
+            <p:ph type="title"/>
+          </p:nvPr>
+        </p:nvSpPr>
+        <p:spPr>
+          <a:xfrm>
+            <a:off x="2657400" y="2102268"/>
+            <a:ext cx="3829200" cy="528600"/>
+          </a:xfrm>
+          <a:prstGeom prst="rect">
+            <a:avLst/>
+          </a:prstGeom>
+        </p:spPr>
+        <p:txBody>
+          <a:bodyPr spcFirstLastPara="1" wrap="square" lIns="91425" tIns="91425" rIns="91425" bIns="91425" anchor="t" anchorCtr="0">
+            <a:noAutofit/>
+          </a:bodyPr>
+          <a:lstStyle/>
+          <a:p>
+            <a:pPr marL="0" lvl="0" indent="0" algn="ctr" rtl="0">
+              <a:spcBef>
+                <a:spcPts val="0"/>
+              </a:spcBef>
+              <a:spcAft>
+                <a:spcPts val="0"/>
+              </a:spcAft>
+              <a:buNone/>
+            </a:pPr>
+            <a:r>
+              <a:rPr lang="en" b="1" dirty="0"/>
+              <a:t>Budget Utilization</a:t>
+            </a:r>
+            <a:endParaRPr b="1" dirty="0"/>
+          </a:p>
+        </p:txBody>
+      </p:sp>
+      <p:sp>
+        <p:nvSpPr>
+          <p:cNvPr id="14" name="Google Shape;715;p92">
+            <a:extLst>
+              <a:ext uri="{FF2B5EF4-FFF2-40B4-BE49-F238E27FC236}">
+                <a16:creationId xmlns:a16="http://schemas.microsoft.com/office/drawing/2014/main" id="{8603BB7A-5C22-B36D-1A1E-60AD908B7E6B}"/>
+              </a:ext>
+            </a:extLst>
+          </p:cNvPr>
+          <p:cNvSpPr/>
+          <p:nvPr/>
+        </p:nvSpPr>
+        <p:spPr>
+          <a:xfrm>
+            <a:off x="1682775" y="2879393"/>
+            <a:ext cx="835500" cy="259800"/>
+          </a:xfrm>
+          <a:prstGeom prst="triangle">
+            <a:avLst>
+              <a:gd name="adj" fmla="val 50000"/>
+            </a:avLst>
+          </a:prstGeom>
+          <a:solidFill>
+            <a:srgbClr val="444D9B"/>
+          </a:solidFill>
+          <a:ln>
+            <a:noFill/>
+          </a:ln>
+        </p:spPr>
+        <p:txBody>
+          <a:bodyPr spcFirstLastPara="1" wrap="square" lIns="91425" tIns="91425" rIns="91425" bIns="91425" anchor="ctr" anchorCtr="0">
+            <a:noAutofit/>
+          </a:bodyPr>
+          <a:lstStyle/>
+          <a:p>
+            <a:pPr marL="0" lvl="0" indent="0" algn="l" rtl="0">
+              <a:spcBef>
+                <a:spcPts val="0"/>
+              </a:spcBef>
+              <a:spcAft>
+                <a:spcPts val="0"/>
+              </a:spcAft>
+              <a:buNone/>
+            </a:pPr>
+            <a:endParaRPr/>
+          </a:p>
+        </p:txBody>
+      </p:sp>
+      <p:sp>
+        <p:nvSpPr>
+          <p:cNvPr id="15" name="Google Shape;717;p92">
+            <a:extLst>
+              <a:ext uri="{FF2B5EF4-FFF2-40B4-BE49-F238E27FC236}">
+                <a16:creationId xmlns:a16="http://schemas.microsoft.com/office/drawing/2014/main" id="{8F72B98F-D1A8-42E1-68FB-9EB8D26F01F3}"/>
+              </a:ext>
+            </a:extLst>
+          </p:cNvPr>
+          <p:cNvSpPr/>
+          <p:nvPr/>
+        </p:nvSpPr>
+        <p:spPr>
+          <a:xfrm>
+            <a:off x="6625725" y="2879393"/>
+            <a:ext cx="835500" cy="259800"/>
+          </a:xfrm>
+          <a:prstGeom prst="triangle">
+            <a:avLst>
+              <a:gd name="adj" fmla="val 50000"/>
+            </a:avLst>
+          </a:prstGeom>
+          <a:solidFill>
+            <a:srgbClr val="9B445C"/>
+          </a:solidFill>
+          <a:ln>
+            <a:noFill/>
+          </a:ln>
+        </p:spPr>
+        <p:txBody>
+          <a:bodyPr spcFirstLastPara="1" wrap="square" lIns="91425" tIns="91425" rIns="91425" bIns="91425" anchor="ctr" anchorCtr="0">
+            <a:noAutofit/>
+          </a:bodyPr>
+          <a:lstStyle/>
+          <a:p>
+            <a:pPr marL="0" lvl="0" indent="0" algn="l" rtl="0">
+              <a:spcBef>
+                <a:spcPts val="0"/>
+              </a:spcBef>
+              <a:spcAft>
+                <a:spcPts val="0"/>
+              </a:spcAft>
+              <a:buNone/>
+            </a:pPr>
+            <a:endParaRPr/>
+          </a:p>
+        </p:txBody>
+      </p:sp>
+      <p:sp>
+        <p:nvSpPr>
+          <p:cNvPr id="16" name="Google Shape;715;p92">
+            <a:extLst>
+              <a:ext uri="{FF2B5EF4-FFF2-40B4-BE49-F238E27FC236}">
+                <a16:creationId xmlns:a16="http://schemas.microsoft.com/office/drawing/2014/main" id="{F04C8578-D9FF-ED55-BCB3-0594F9764865}"/>
+              </a:ext>
+            </a:extLst>
+          </p:cNvPr>
+          <p:cNvSpPr/>
+          <p:nvPr/>
+        </p:nvSpPr>
+        <p:spPr>
+          <a:xfrm>
+            <a:off x="1682774" y="288639"/>
+            <a:ext cx="835500" cy="259800"/>
+          </a:xfrm>
+          <a:prstGeom prst="triangle">
+            <a:avLst>
+              <a:gd name="adj" fmla="val 50000"/>
+            </a:avLst>
+          </a:prstGeom>
+          <a:solidFill>
+            <a:srgbClr val="444D9B"/>
+          </a:solidFill>
+          <a:ln>
+            <a:noFill/>
+          </a:ln>
+        </p:spPr>
+        <p:txBody>
+          <a:bodyPr spcFirstLastPara="1" wrap="square" lIns="91425" tIns="91425" rIns="91425" bIns="91425" anchor="ctr" anchorCtr="0">
+            <a:noAutofit/>
+          </a:bodyPr>
+          <a:lstStyle/>
+          <a:p>
+            <a:pPr marL="0" lvl="0" indent="0" algn="l" rtl="0">
+              <a:spcBef>
+                <a:spcPts val="0"/>
+              </a:spcBef>
+              <a:spcAft>
+                <a:spcPts val="0"/>
+              </a:spcAft>
+              <a:buNone/>
+            </a:pPr>
+            <a:endParaRPr/>
+          </a:p>
+        </p:txBody>
+      </p:sp>
+      <p:sp>
+        <p:nvSpPr>
+          <p:cNvPr id="17" name="Google Shape;717;p92">
+            <a:extLst>
+              <a:ext uri="{FF2B5EF4-FFF2-40B4-BE49-F238E27FC236}">
+                <a16:creationId xmlns:a16="http://schemas.microsoft.com/office/drawing/2014/main" id="{7D796C4E-6333-BF6A-9817-766736D0F7CF}"/>
+              </a:ext>
+            </a:extLst>
+          </p:cNvPr>
+          <p:cNvSpPr/>
+          <p:nvPr/>
+        </p:nvSpPr>
+        <p:spPr>
+          <a:xfrm>
+            <a:off x="6625724" y="288639"/>
+            <a:ext cx="835500" cy="259800"/>
+          </a:xfrm>
+          <a:prstGeom prst="triangle">
+            <a:avLst>
+              <a:gd name="adj" fmla="val 50000"/>
+            </a:avLst>
+          </a:prstGeom>
+          <a:solidFill>
+            <a:srgbClr val="9B445C"/>
+          </a:solidFill>
+          <a:ln>
+            <a:noFill/>
+          </a:ln>
+        </p:spPr>
+        <p:txBody>
+          <a:bodyPr spcFirstLastPara="1" wrap="square" lIns="91425" tIns="91425" rIns="91425" bIns="91425" anchor="ctr" anchorCtr="0">
+            <a:noAutofit/>
+          </a:bodyPr>
+          <a:lstStyle/>
+          <a:p>
+            <a:pPr marL="0" lvl="0" indent="0" algn="l" rtl="0">
+              <a:spcBef>
+                <a:spcPts val="0"/>
+              </a:spcBef>
+              <a:spcAft>
+                <a:spcPts val="0"/>
+              </a:spcAft>
+              <a:buNone/>
+            </a:pPr>
+            <a:endParaRPr/>
+          </a:p>
+        </p:txBody>
+      </p:sp>
+    </p:spTree>
+    <p:extLst>
+      <p:ext uri="{BB962C8B-B14F-4D97-AF65-F5344CB8AC3E}">
+        <p14:creationId xmlns:p14="http://schemas.microsoft.com/office/powerpoint/2010/main" val="1872157800"/>
+      </p:ext>
+    </p:extLst>
+  </p:cSld>
+  <p:clrMapOvr>
+    <a:masterClrMapping/>
+  </p:clrMapOvr>
+  <p:timing>
+    <p:tnLst>
+      <p:par>
+        <p:cTn id="1" dur="indefinite" restart="never" nodeType="tmRoot">
+          <p:childTnLst>
+            <p:seq concurrent="1" nextAc="seek">
+              <p:cTn id="2" dur="indefinite" nodeType="mainSeq">
+                <p:childTnLst>
+                  <p:par>
+                    <p:cTn id="3" fill="hold">
+                      <p:stCondLst>
+                        <p:cond delay="indefinite"/>
+                      </p:stCondLst>
+                      <p:childTnLst>
+                        <p:par>
+                          <p:cTn id="4" fill="hold">
+                            <p:stCondLst>
+                              <p:cond delay="0"/>
+                            </p:stCondLst>
+                            <p:childTnLst>
+                              <p:par>
+                                <p:cTn id="5" presetID="10" presetClass="entr" presetSubtype="0" fill="hold" grpId="0" nodeType="clickEffect">
+                                  <p:stCondLst>
+                                    <p:cond delay="0"/>
+                                  </p:stCondLst>
+                                  <p:childTnLst>
+                                    <p:set>
+                                      <p:cBhvr>
+                                        <p:cTn id="6" dur="1" fill="hold">
+                                          <p:stCondLst>
+                                            <p:cond delay="0"/>
+                                          </p:stCondLst>
+                                        </p:cTn>
+                                        <p:tgtEl>
+                                          <p:spTgt spid="16"/>
+                                        </p:tgtEl>
+                                        <p:attrNameLst>
+                                          <p:attrName>style.visibility</p:attrName>
+                                        </p:attrNameLst>
+                                      </p:cBhvr>
+                                      <p:to>
+                                        <p:strVal val="visible"/>
+                                      </p:to>
+                                    </p:set>
+                                    <p:animEffect transition="in" filter="fade">
+                                      <p:cBhvr>
+                                        <p:cTn id="7" dur="500"/>
+                                        <p:tgtEl>
+                                          <p:spTgt spid="16"/>
+                                        </p:tgtEl>
+                                      </p:cBhvr>
+                                    </p:animEffect>
+                                  </p:childTnLst>
+                                </p:cTn>
+                              </p:par>
+                              <p:par>
+                                <p:cTn id="8" presetID="10" presetClass="entr" presetSubtype="0" fill="hold" grpId="0" nodeType="withEffect">
+                                  <p:stCondLst>
+                                    <p:cond delay="0"/>
+                                  </p:stCondLst>
+                                  <p:childTnLst>
+                                    <p:set>
+                                      <p:cBhvr>
+                                        <p:cTn id="9" dur="1" fill="hold">
+                                          <p:stCondLst>
+                                            <p:cond delay="0"/>
+                                          </p:stCondLst>
+                                        </p:cTn>
+                                        <p:tgtEl>
+                                          <p:spTgt spid="714"/>
+                                        </p:tgtEl>
+                                        <p:attrNameLst>
+                                          <p:attrName>style.visibility</p:attrName>
+                                        </p:attrNameLst>
+                                      </p:cBhvr>
+                                      <p:to>
+                                        <p:strVal val="visible"/>
+                                      </p:to>
+                                    </p:set>
+                                    <p:animEffect transition="in" filter="fade">
+                                      <p:cBhvr>
+                                        <p:cTn id="10" dur="500"/>
+                                        <p:tgtEl>
+                                          <p:spTgt spid="714"/>
+                                        </p:tgtEl>
+                                      </p:cBhvr>
+                                    </p:animEffect>
+                                  </p:childTnLst>
+                                </p:cTn>
+                              </p:par>
+                              <p:par>
+                                <p:cTn id="11" presetID="10" presetClass="entr" presetSubtype="0" fill="hold" grpId="0" nodeType="withEffect">
+                                  <p:stCondLst>
+                                    <p:cond delay="0"/>
+                                  </p:stCondLst>
+                                  <p:childTnLst>
+                                    <p:set>
+                                      <p:cBhvr>
+                                        <p:cTn id="12" dur="1" fill="hold">
+                                          <p:stCondLst>
+                                            <p:cond delay="0"/>
+                                          </p:stCondLst>
+                                        </p:cTn>
+                                        <p:tgtEl>
+                                          <p:spTgt spid="706"/>
+                                        </p:tgtEl>
+                                        <p:attrNameLst>
+                                          <p:attrName>style.visibility</p:attrName>
+                                        </p:attrNameLst>
+                                      </p:cBhvr>
+                                      <p:to>
+                                        <p:strVal val="visible"/>
+                                      </p:to>
+                                    </p:set>
+                                    <p:animEffect transition="in" filter="fade">
+                                      <p:cBhvr>
+                                        <p:cTn id="13" dur="500"/>
+                                        <p:tgtEl>
+                                          <p:spTgt spid="706"/>
+                                        </p:tgtEl>
+                                      </p:cBhvr>
+                                    </p:animEffect>
+                                  </p:childTnLst>
+                                </p:cTn>
+                              </p:par>
+                              <p:par>
+                                <p:cTn id="14" presetID="10" presetClass="entr" presetSubtype="0" fill="hold" grpId="0" nodeType="withEffect">
+                                  <p:stCondLst>
+                                    <p:cond delay="0"/>
+                                  </p:stCondLst>
+                                  <p:childTnLst>
+                                    <p:set>
+                                      <p:cBhvr>
+                                        <p:cTn id="15" dur="1" fill="hold">
+                                          <p:stCondLst>
+                                            <p:cond delay="0"/>
+                                          </p:stCondLst>
+                                        </p:cTn>
+                                        <p:tgtEl>
+                                          <p:spTgt spid="6">
+                                            <p:txEl>
+                                              <p:pRg st="0" end="0"/>
+                                            </p:txEl>
+                                          </p:spTgt>
+                                        </p:tgtEl>
+                                        <p:attrNameLst>
+                                          <p:attrName>style.visibility</p:attrName>
+                                        </p:attrNameLst>
+                                      </p:cBhvr>
+                                      <p:to>
+                                        <p:strVal val="visible"/>
+                                      </p:to>
+                                    </p:set>
+                                    <p:animEffect transition="in" filter="fade">
+                                      <p:cBhvr>
+                                        <p:cTn id="16" dur="500"/>
+                                        <p:tgtEl>
+                                          <p:spTgt spid="6">
+                                            <p:txEl>
+                                              <p:pRg st="0" end="0"/>
+                                            </p:txEl>
+                                          </p:spTgt>
+                                        </p:tgtEl>
+                                      </p:cBhvr>
+                                    </p:animEffect>
+                                  </p:childTnLst>
+                                </p:cTn>
+                              </p:par>
+                              <p:par>
+                                <p:cTn id="17" presetID="10" presetClass="entr" presetSubtype="0" fill="hold" grpId="0" nodeType="withEffect">
+                                  <p:stCondLst>
+                                    <p:cond delay="0"/>
+                                  </p:stCondLst>
+                                  <p:childTnLst>
+                                    <p:set>
+                                      <p:cBhvr>
+                                        <p:cTn id="18" dur="1" fill="hold">
+                                          <p:stCondLst>
+                                            <p:cond delay="0"/>
+                                          </p:stCondLst>
+                                        </p:cTn>
+                                        <p:tgtEl>
+                                          <p:spTgt spid="17"/>
+                                        </p:tgtEl>
+                                        <p:attrNameLst>
+                                          <p:attrName>style.visibility</p:attrName>
+                                        </p:attrNameLst>
+                                      </p:cBhvr>
+                                      <p:to>
+                                        <p:strVal val="visible"/>
+                                      </p:to>
+                                    </p:set>
+                                    <p:animEffect transition="in" filter="fade">
+                                      <p:cBhvr>
+                                        <p:cTn id="19" dur="500"/>
+                                        <p:tgtEl>
+                                          <p:spTgt spid="17"/>
+                                        </p:tgtEl>
+                                      </p:cBhvr>
+                                    </p:animEffect>
+                                  </p:childTnLst>
+                                </p:cTn>
+                              </p:par>
+                              <p:par>
+                                <p:cTn id="20" presetID="10" presetClass="entr" presetSubtype="0" fill="hold" grpId="0" nodeType="withEffect">
+                                  <p:stCondLst>
+                                    <p:cond delay="0"/>
+                                  </p:stCondLst>
+                                  <p:childTnLst>
+                                    <p:set>
+                                      <p:cBhvr>
+                                        <p:cTn id="21" dur="1" fill="hold">
+                                          <p:stCondLst>
+                                            <p:cond delay="0"/>
+                                          </p:stCondLst>
+                                        </p:cTn>
+                                        <p:tgtEl>
+                                          <p:spTgt spid="716"/>
+                                        </p:tgtEl>
+                                        <p:attrNameLst>
+                                          <p:attrName>style.visibility</p:attrName>
+                                        </p:attrNameLst>
+                                      </p:cBhvr>
+                                      <p:to>
+                                        <p:strVal val="visible"/>
+                                      </p:to>
+                                    </p:set>
+                                    <p:animEffect transition="in" filter="fade">
+                                      <p:cBhvr>
+                                        <p:cTn id="22" dur="500"/>
+                                        <p:tgtEl>
+                                          <p:spTgt spid="716"/>
+                                        </p:tgtEl>
+                                      </p:cBhvr>
+                                    </p:animEffect>
+                                  </p:childTnLst>
+                                </p:cTn>
+                              </p:par>
+                              <p:par>
+                                <p:cTn id="23" presetID="10" presetClass="entr" presetSubtype="0" fill="hold" grpId="0" nodeType="withEffect">
+                                  <p:stCondLst>
+                                    <p:cond delay="0"/>
+                                  </p:stCondLst>
+                                  <p:childTnLst>
+                                    <p:set>
+                                      <p:cBhvr>
+                                        <p:cTn id="24" dur="1" fill="hold">
+                                          <p:stCondLst>
+                                            <p:cond delay="0"/>
+                                          </p:stCondLst>
+                                        </p:cTn>
+                                        <p:tgtEl>
+                                          <p:spTgt spid="710"/>
+                                        </p:tgtEl>
+                                        <p:attrNameLst>
+                                          <p:attrName>style.visibility</p:attrName>
+                                        </p:attrNameLst>
+                                      </p:cBhvr>
+                                      <p:to>
+                                        <p:strVal val="visible"/>
+                                      </p:to>
+                                    </p:set>
+                                    <p:animEffect transition="in" filter="fade">
+                                      <p:cBhvr>
+                                        <p:cTn id="25" dur="500"/>
+                                        <p:tgtEl>
+                                          <p:spTgt spid="710"/>
+                                        </p:tgtEl>
+                                      </p:cBhvr>
+                                    </p:animEffect>
+                                  </p:childTnLst>
+                                </p:cTn>
+                              </p:par>
+                              <p:par>
+                                <p:cTn id="26" presetID="10" presetClass="entr" presetSubtype="0" fill="hold" grpId="0" nodeType="withEffect">
+                                  <p:stCondLst>
+                                    <p:cond delay="0"/>
+                                  </p:stCondLst>
+                                  <p:childTnLst>
+                                    <p:set>
+                                      <p:cBhvr>
+                                        <p:cTn id="27" dur="1" fill="hold">
+                                          <p:stCondLst>
+                                            <p:cond delay="0"/>
+                                          </p:stCondLst>
+                                        </p:cTn>
+                                        <p:tgtEl>
+                                          <p:spTgt spid="9"/>
+                                        </p:tgtEl>
+                                        <p:attrNameLst>
+                                          <p:attrName>style.visibility</p:attrName>
+                                        </p:attrNameLst>
+                                      </p:cBhvr>
+                                      <p:to>
+                                        <p:strVal val="visible"/>
+                                      </p:to>
+                                    </p:set>
+                                    <p:animEffect transition="in" filter="fade">
+                                      <p:cBhvr>
+                                        <p:cTn id="28" dur="500"/>
+                                        <p:tgtEl>
+                                          <p:spTgt spid="9"/>
+                                        </p:tgtEl>
+                                      </p:cBhvr>
+                                    </p:animEffect>
+                                  </p:childTnLst>
+                                </p:cTn>
+                              </p:par>
+                            </p:childTnLst>
+                          </p:cTn>
+                        </p:par>
+                      </p:childTnLst>
+                    </p:cTn>
+                  </p:par>
+                  <p:par>
+                    <p:cTn id="29" fill="hold">
+                      <p:stCondLst>
+                        <p:cond delay="indefinite"/>
+                      </p:stCondLst>
+                      <p:childTnLst>
+                        <p:par>
+                          <p:cTn id="30" fill="hold">
+                            <p:stCondLst>
+                              <p:cond delay="0"/>
+                            </p:stCondLst>
+                            <p:childTnLst>
+                              <p:par>
+                                <p:cTn id="31" presetID="10" presetClass="entr" presetSubtype="0" fill="hold" grpId="0" nodeType="clickEffect">
+                                  <p:stCondLst>
+                                    <p:cond delay="0"/>
+                                  </p:stCondLst>
+                                  <p:childTnLst>
+                                    <p:set>
+                                      <p:cBhvr>
+                                        <p:cTn id="32" dur="1" fill="hold">
+                                          <p:stCondLst>
+                                            <p:cond delay="0"/>
+                                          </p:stCondLst>
+                                        </p:cTn>
+                                        <p:tgtEl>
+                                          <p:spTgt spid="14"/>
+                                        </p:tgtEl>
+                                        <p:attrNameLst>
+                                          <p:attrName>style.visibility</p:attrName>
+                                        </p:attrNameLst>
+                                      </p:cBhvr>
+                                      <p:to>
+                                        <p:strVal val="visible"/>
+                                      </p:to>
+                                    </p:set>
+                                    <p:animEffect transition="in" filter="fade">
+                                      <p:cBhvr>
+                                        <p:cTn id="33" dur="500"/>
+                                        <p:tgtEl>
+                                          <p:spTgt spid="14"/>
+                                        </p:tgtEl>
+                                      </p:cBhvr>
+                                    </p:animEffect>
+                                  </p:childTnLst>
+                                </p:cTn>
+                              </p:par>
+                              <p:par>
+                                <p:cTn id="34" presetID="10" presetClass="entr" presetSubtype="0" fill="hold" grpId="0" nodeType="withEffect">
+                                  <p:stCondLst>
+                                    <p:cond delay="0"/>
+                                  </p:stCondLst>
+                                  <p:childTnLst>
+                                    <p:set>
+                                      <p:cBhvr>
+                                        <p:cTn id="35" dur="1" fill="hold">
+                                          <p:stCondLst>
+                                            <p:cond delay="0"/>
+                                          </p:stCondLst>
+                                        </p:cTn>
+                                        <p:tgtEl>
+                                          <p:spTgt spid="715"/>
+                                        </p:tgtEl>
+                                        <p:attrNameLst>
+                                          <p:attrName>style.visibility</p:attrName>
+                                        </p:attrNameLst>
+                                      </p:cBhvr>
+                                      <p:to>
+                                        <p:strVal val="visible"/>
+                                      </p:to>
+                                    </p:set>
+                                    <p:animEffect transition="in" filter="fade">
+                                      <p:cBhvr>
+                                        <p:cTn id="36" dur="500"/>
+                                        <p:tgtEl>
+                                          <p:spTgt spid="715"/>
+                                        </p:tgtEl>
+                                      </p:cBhvr>
+                                    </p:animEffect>
+                                  </p:childTnLst>
+                                </p:cTn>
+                              </p:par>
+                              <p:par>
+                                <p:cTn id="37" presetID="10" presetClass="entr" presetSubtype="0" fill="hold" grpId="0" nodeType="withEffect">
+                                  <p:stCondLst>
+                                    <p:cond delay="0"/>
+                                  </p:stCondLst>
+                                  <p:childTnLst>
+                                    <p:set>
+                                      <p:cBhvr>
+                                        <p:cTn id="38" dur="1" fill="hold">
+                                          <p:stCondLst>
+                                            <p:cond delay="0"/>
+                                          </p:stCondLst>
+                                        </p:cTn>
+                                        <p:tgtEl>
+                                          <p:spTgt spid="708"/>
+                                        </p:tgtEl>
+                                        <p:attrNameLst>
+                                          <p:attrName>style.visibility</p:attrName>
+                                        </p:attrNameLst>
+                                      </p:cBhvr>
+                                      <p:to>
+                                        <p:strVal val="visible"/>
+                                      </p:to>
+                                    </p:set>
+                                    <p:animEffect transition="in" filter="fade">
+                                      <p:cBhvr>
+                                        <p:cTn id="39" dur="500"/>
+                                        <p:tgtEl>
+                                          <p:spTgt spid="708"/>
+                                        </p:tgtEl>
+                                      </p:cBhvr>
+                                    </p:animEffect>
+                                  </p:childTnLst>
+                                </p:cTn>
+                              </p:par>
+                              <p:par>
+                                <p:cTn id="40" presetID="10" presetClass="entr" presetSubtype="0" fill="hold" grpId="0" nodeType="withEffect">
+                                  <p:stCondLst>
+                                    <p:cond delay="0"/>
+                                  </p:stCondLst>
+                                  <p:childTnLst>
+                                    <p:set>
+                                      <p:cBhvr>
+                                        <p:cTn id="41" dur="1" fill="hold">
+                                          <p:stCondLst>
+                                            <p:cond delay="0"/>
+                                          </p:stCondLst>
+                                        </p:cTn>
+                                        <p:tgtEl>
+                                          <p:spTgt spid="709">
+                                            <p:txEl>
+                                              <p:pRg st="0" end="0"/>
+                                            </p:txEl>
+                                          </p:spTgt>
+                                        </p:tgtEl>
+                                        <p:attrNameLst>
+                                          <p:attrName>style.visibility</p:attrName>
+                                        </p:attrNameLst>
+                                      </p:cBhvr>
+                                      <p:to>
+                                        <p:strVal val="visible"/>
+                                      </p:to>
+                                    </p:set>
+                                    <p:animEffect transition="in" filter="fade">
+                                      <p:cBhvr>
+                                        <p:cTn id="42" dur="500"/>
+                                        <p:tgtEl>
+                                          <p:spTgt spid="709">
+                                            <p:txEl>
+                                              <p:pRg st="0" end="0"/>
+                                            </p:txEl>
+                                          </p:spTgt>
+                                        </p:tgtEl>
+                                      </p:cBhvr>
+                                    </p:animEffect>
+                                  </p:childTnLst>
+                                </p:cTn>
+                              </p:par>
+                              <p:par>
+                                <p:cTn id="43" presetID="10" presetClass="entr" presetSubtype="0" fill="hold" grpId="0" nodeType="withEffect">
+                                  <p:stCondLst>
+                                    <p:cond delay="0"/>
+                                  </p:stCondLst>
+                                  <p:childTnLst>
+                                    <p:set>
+                                      <p:cBhvr>
+                                        <p:cTn id="44" dur="1" fill="hold">
+                                          <p:stCondLst>
+                                            <p:cond delay="0"/>
+                                          </p:stCondLst>
+                                        </p:cTn>
+                                        <p:tgtEl>
+                                          <p:spTgt spid="15"/>
+                                        </p:tgtEl>
+                                        <p:attrNameLst>
+                                          <p:attrName>style.visibility</p:attrName>
+                                        </p:attrNameLst>
+                                      </p:cBhvr>
+                                      <p:to>
+                                        <p:strVal val="visible"/>
+                                      </p:to>
+                                    </p:set>
+                                    <p:animEffect transition="in" filter="fade">
+                                      <p:cBhvr>
+                                        <p:cTn id="45" dur="500"/>
+                                        <p:tgtEl>
+                                          <p:spTgt spid="15"/>
+                                        </p:tgtEl>
+                                      </p:cBhvr>
+                                    </p:animEffect>
+                                  </p:childTnLst>
+                                </p:cTn>
+                              </p:par>
+                              <p:par>
+                                <p:cTn id="46" presetID="10" presetClass="entr" presetSubtype="0" fill="hold" grpId="0" nodeType="withEffect">
+                                  <p:stCondLst>
+                                    <p:cond delay="0"/>
+                                  </p:stCondLst>
+                                  <p:childTnLst>
+                                    <p:set>
+                                      <p:cBhvr>
+                                        <p:cTn id="47" dur="1" fill="hold">
+                                          <p:stCondLst>
+                                            <p:cond delay="0"/>
+                                          </p:stCondLst>
+                                        </p:cTn>
+                                        <p:tgtEl>
+                                          <p:spTgt spid="717"/>
+                                        </p:tgtEl>
+                                        <p:attrNameLst>
+                                          <p:attrName>style.visibility</p:attrName>
+                                        </p:attrNameLst>
+                                      </p:cBhvr>
+                                      <p:to>
+                                        <p:strVal val="visible"/>
+                                      </p:to>
+                                    </p:set>
+                                    <p:animEffect transition="in" filter="fade">
+                                      <p:cBhvr>
+                                        <p:cTn id="48" dur="500"/>
+                                        <p:tgtEl>
+                                          <p:spTgt spid="717"/>
+                                        </p:tgtEl>
+                                      </p:cBhvr>
+                                    </p:animEffect>
+                                  </p:childTnLst>
+                                </p:cTn>
+                              </p:par>
+                              <p:par>
+                                <p:cTn id="49" presetID="10" presetClass="entr" presetSubtype="0" fill="hold" grpId="0" nodeType="withEffect">
+                                  <p:stCondLst>
+                                    <p:cond delay="0"/>
+                                  </p:stCondLst>
+                                  <p:childTnLst>
+                                    <p:set>
+                                      <p:cBhvr>
+                                        <p:cTn id="50" dur="1" fill="hold">
+                                          <p:stCondLst>
+                                            <p:cond delay="0"/>
+                                          </p:stCondLst>
+                                        </p:cTn>
+                                        <p:tgtEl>
+                                          <p:spTgt spid="712"/>
+                                        </p:tgtEl>
+                                        <p:attrNameLst>
+                                          <p:attrName>style.visibility</p:attrName>
+                                        </p:attrNameLst>
+                                      </p:cBhvr>
+                                      <p:to>
+                                        <p:strVal val="visible"/>
+                                      </p:to>
+                                    </p:set>
+                                    <p:animEffect transition="in" filter="fade">
+                                      <p:cBhvr>
+                                        <p:cTn id="51" dur="500"/>
+                                        <p:tgtEl>
+                                          <p:spTgt spid="712"/>
+                                        </p:tgtEl>
+                                      </p:cBhvr>
+                                    </p:animEffect>
+                                  </p:childTnLst>
+                                </p:cTn>
+                              </p:par>
+                              <p:par>
+                                <p:cTn id="52" presetID="10" presetClass="entr" presetSubtype="0" fill="hold" grpId="0" nodeType="withEffect">
+                                  <p:stCondLst>
+                                    <p:cond delay="0"/>
+                                  </p:stCondLst>
+                                  <p:childTnLst>
+                                    <p:set>
+                                      <p:cBhvr>
+                                        <p:cTn id="53" dur="1" fill="hold">
+                                          <p:stCondLst>
+                                            <p:cond delay="0"/>
+                                          </p:stCondLst>
+                                        </p:cTn>
+                                        <p:tgtEl>
+                                          <p:spTgt spid="713">
+                                            <p:txEl>
+                                              <p:pRg st="0" end="0"/>
+                                            </p:txEl>
+                                          </p:spTgt>
+                                        </p:tgtEl>
+                                        <p:attrNameLst>
+                                          <p:attrName>style.visibility</p:attrName>
+                                        </p:attrNameLst>
+                                      </p:cBhvr>
+                                      <p:to>
+                                        <p:strVal val="visible"/>
+                                      </p:to>
+                                    </p:set>
+                                    <p:animEffect transition="in" filter="fade">
+                                      <p:cBhvr>
+                                        <p:cTn id="54" dur="500"/>
+                                        <p:tgtEl>
+                                          <p:spTgt spid="713">
+                                            <p:txEl>
+                                              <p:pRg st="0" end="0"/>
+                                            </p:txEl>
+                                          </p:spTgt>
+                                        </p:tgtEl>
+                                      </p:cBhvr>
+                                    </p:animEffect>
+                                  </p:childTnLst>
+                                </p:cTn>
+                              </p:par>
+                            </p:childTnLst>
+                          </p:cTn>
+                        </p:par>
+                      </p:childTnLst>
+                    </p:cTn>
+                  </p:par>
+                </p:childTnLst>
+              </p:cTn>
+              <p:prevCondLst>
+                <p:cond evt="onPrev" delay="0">
+                  <p:tgtEl>
+                    <p:sldTgt/>
+                  </p:tgtEl>
+                </p:cond>
+              </p:prevCondLst>
+              <p:nextCondLst>
+                <p:cond evt="onNext" delay="0">
+                  <p:tgtEl>
+                    <p:sldTgt/>
+                  </p:tgtEl>
+                </p:cond>
+              </p:nextCondLst>
+            </p:seq>
+          </p:childTnLst>
+        </p:cTn>
+      </p:par>
+    </p:tnLst>
+    <p:bldLst>
+      <p:bldP spid="706" grpId="0"/>
+      <p:bldP spid="708" grpId="0"/>
+      <p:bldP spid="709" grpId="0" build="p"/>
+      <p:bldP spid="710" grpId="0"/>
+      <p:bldP spid="712" grpId="0"/>
+      <p:bldP spid="713" grpId="0" build="p"/>
+      <p:bldP spid="714" grpId="0" animBg="1"/>
+      <p:bldP spid="715" grpId="0" animBg="1"/>
+      <p:bldP spid="716" grpId="0" animBg="1"/>
+      <p:bldP spid="717" grpId="0" animBg="1"/>
+      <p:bldP spid="6" grpId="0" build="p"/>
+      <p:bldP spid="9" grpId="0"/>
+      <p:bldP spid="14" grpId="0" animBg="1"/>
+      <p:bldP spid="15" grpId="0" animBg="1"/>
+      <p:bldP spid="16" grpId="0" animBg="1"/>
+      <p:bldP spid="17" grpId="0" animBg="1"/>
+    </p:bldLst>
+  </p:timing>
+</p:sld>
+</file>
+
+<file path=ppt/slides/slide4.xml><?xml version="1.0" encoding="utf-8"?>
+<p:sld xmlns:a="http://schemas.openxmlformats.org/drawingml/2006/main" xmlns:r="http://schemas.openxmlformats.org/officeDocument/2006/relationships" xmlns:p="http://schemas.openxmlformats.org/presentationml/2006/main">
+  <p:cSld>
+    <p:spTree>
+      <p:nvGrpSpPr>
+        <p:cNvPr id="1" name=""/>
+        <p:cNvGrpSpPr/>
+        <p:nvPr/>
+      </p:nvGrpSpPr>
+      <p:grpSpPr>
+        <a:xfrm>
+          <a:off x="0" y="0"/>
+          <a:ext cx="0" cy="0"/>
+          <a:chOff x="0" y="0"/>
+          <a:chExt cx="0" cy="0"/>
+        </a:xfrm>
+      </p:grpSpPr>
+      <p:sp>
+        <p:nvSpPr>
+          <p:cNvPr id="2" name="Google Shape;564;p77">
+            <a:extLst>
+              <a:ext uri="{FF2B5EF4-FFF2-40B4-BE49-F238E27FC236}">
+                <a16:creationId xmlns:a16="http://schemas.microsoft.com/office/drawing/2014/main" id="{2C46346C-D101-2E31-BB2D-D77308B17046}"/>
+              </a:ext>
+            </a:extLst>
+          </p:cNvPr>
+          <p:cNvSpPr txBox="1">
+            <a:spLocks/>
+          </p:cNvSpPr>
+          <p:nvPr/>
+        </p:nvSpPr>
+        <p:spPr>
+          <a:xfrm rot="19020380">
+            <a:off x="-332842" y="858977"/>
+            <a:ext cx="3114245" cy="650186"/>
+          </a:xfrm>
+          <a:prstGeom prst="rect">
+            <a:avLst/>
+          </a:prstGeom>
+          <a:noFill/>
+          <a:ln>
+            <a:noFill/>
+          </a:ln>
+        </p:spPr>
+        <p:txBody>
+          <a:bodyPr spcFirstLastPara="1" wrap="square" lIns="91425" tIns="91425" rIns="91425" bIns="91425" anchor="t" anchorCtr="0">
+            <a:noAutofit/>
+          </a:bodyPr>
+          <a:lstStyle>
+            <a:defPPr marR="0" lvl="0" algn="l" rtl="0">
+              <a:lnSpc>
+                <a:spcPct val="100000"/>
+              </a:lnSpc>
+              <a:spcBef>
+                <a:spcPts val="0"/>
+              </a:spcBef>
+              <a:spcAft>
+                <a:spcPts val="0"/>
+              </a:spcAft>
+            </a:defPPr>
+            <a:lvl1pPr marR="0" lvl="0" algn="ctr" rtl="0">
+              <a:lnSpc>
+                <a:spcPct val="100000"/>
+              </a:lnSpc>
+              <a:spcBef>
+                <a:spcPts val="0"/>
+              </a:spcBef>
+              <a:spcAft>
+                <a:spcPts val="0"/>
+              </a:spcAft>
+              <a:buClr>
+                <a:schemeClr val="dk1"/>
+              </a:buClr>
+              <a:buSzPts val="2700"/>
+              <a:buFont typeface="Julius Sans One"/>
+              <a:buNone/>
+              <a:defRPr sz="3000" b="1" i="0" u="none" strike="noStrike" cap="none">
+                <a:solidFill>
+                  <a:schemeClr val="dk1"/>
+                </a:solidFill>
+                <a:latin typeface="Julius Sans One"/>
+                <a:ea typeface="Julius Sans One"/>
+                <a:cs typeface="Julius Sans One"/>
+                <a:sym typeface="Julius Sans One"/>
+              </a:defRPr>
+            </a:lvl1pPr>
+            <a:lvl2pPr marR="0" lvl="1" algn="ctr" rtl="0">
+              <a:lnSpc>
+                <a:spcPct val="100000"/>
+              </a:lnSpc>
+              <a:spcBef>
+                <a:spcPts val="0"/>
+              </a:spcBef>
+              <a:spcAft>
+                <a:spcPts val="0"/>
+              </a:spcAft>
+              <a:buClr>
+                <a:schemeClr val="dk1"/>
+              </a:buClr>
+              <a:buSzPts val="3000"/>
+              <a:buFont typeface="Julius Sans One"/>
+              <a:buNone/>
+              <a:defRPr sz="3000" b="1" i="0" u="none" strike="noStrike" cap="none">
+                <a:solidFill>
+                  <a:schemeClr val="dk1"/>
+                </a:solidFill>
+                <a:latin typeface="Julius Sans One"/>
+                <a:ea typeface="Julius Sans One"/>
+                <a:cs typeface="Julius Sans One"/>
+                <a:sym typeface="Julius Sans One"/>
+              </a:defRPr>
+            </a:lvl2pPr>
+            <a:lvl3pPr marR="0" lvl="2" algn="ctr" rtl="0">
+              <a:lnSpc>
+                <a:spcPct val="100000"/>
+              </a:lnSpc>
+              <a:spcBef>
+                <a:spcPts val="0"/>
+              </a:spcBef>
+              <a:spcAft>
+                <a:spcPts val="0"/>
+              </a:spcAft>
+              <a:buClr>
+                <a:schemeClr val="dk1"/>
+              </a:buClr>
+              <a:buSzPts val="3000"/>
+              <a:buFont typeface="Julius Sans One"/>
+              <a:buNone/>
+              <a:defRPr sz="3000" b="1" i="0" u="none" strike="noStrike" cap="none">
+                <a:solidFill>
+                  <a:schemeClr val="dk1"/>
+                </a:solidFill>
+                <a:latin typeface="Julius Sans One"/>
+                <a:ea typeface="Julius Sans One"/>
+                <a:cs typeface="Julius Sans One"/>
+                <a:sym typeface="Julius Sans One"/>
+              </a:defRPr>
+            </a:lvl3pPr>
+            <a:lvl4pPr marR="0" lvl="3" algn="ctr" rtl="0">
+              <a:lnSpc>
+                <a:spcPct val="100000"/>
+              </a:lnSpc>
+              <a:spcBef>
+                <a:spcPts val="0"/>
+              </a:spcBef>
+              <a:spcAft>
+                <a:spcPts val="0"/>
+              </a:spcAft>
+              <a:buClr>
+                <a:schemeClr val="dk1"/>
+              </a:buClr>
+              <a:buSzPts val="3000"/>
+              <a:buFont typeface="Julius Sans One"/>
+              <a:buNone/>
+              <a:defRPr sz="3000" b="1" i="0" u="none" strike="noStrike" cap="none">
+                <a:solidFill>
+                  <a:schemeClr val="dk1"/>
+                </a:solidFill>
+                <a:latin typeface="Julius Sans One"/>
+                <a:ea typeface="Julius Sans One"/>
+                <a:cs typeface="Julius Sans One"/>
+                <a:sym typeface="Julius Sans One"/>
+              </a:defRPr>
+            </a:lvl4pPr>
+            <a:lvl5pPr marR="0" lvl="4" algn="ctr" rtl="0">
+              <a:lnSpc>
+                <a:spcPct val="100000"/>
+              </a:lnSpc>
+              <a:spcBef>
+                <a:spcPts val="0"/>
+              </a:spcBef>
+              <a:spcAft>
+                <a:spcPts val="0"/>
+              </a:spcAft>
+              <a:buClr>
+                <a:schemeClr val="dk1"/>
+              </a:buClr>
+              <a:buSzPts val="3000"/>
+              <a:buFont typeface="Julius Sans One"/>
+              <a:buNone/>
+              <a:defRPr sz="3000" b="1" i="0" u="none" strike="noStrike" cap="none">
+                <a:solidFill>
+                  <a:schemeClr val="dk1"/>
+                </a:solidFill>
+                <a:latin typeface="Julius Sans One"/>
+                <a:ea typeface="Julius Sans One"/>
+                <a:cs typeface="Julius Sans One"/>
+                <a:sym typeface="Julius Sans One"/>
+              </a:defRPr>
+            </a:lvl5pPr>
+            <a:lvl6pPr marR="0" lvl="5" algn="ctr" rtl="0">
+              <a:lnSpc>
+                <a:spcPct val="100000"/>
+              </a:lnSpc>
+              <a:spcBef>
+                <a:spcPts val="0"/>
+              </a:spcBef>
+              <a:spcAft>
+                <a:spcPts val="0"/>
+              </a:spcAft>
+              <a:buClr>
+                <a:schemeClr val="dk1"/>
+              </a:buClr>
+              <a:buSzPts val="3000"/>
+              <a:buFont typeface="Julius Sans One"/>
+              <a:buNone/>
+              <a:defRPr sz="3000" b="1" i="0" u="none" strike="noStrike" cap="none">
+                <a:solidFill>
+                  <a:schemeClr val="dk1"/>
+                </a:solidFill>
+                <a:latin typeface="Julius Sans One"/>
+                <a:ea typeface="Julius Sans One"/>
+                <a:cs typeface="Julius Sans One"/>
+                <a:sym typeface="Julius Sans One"/>
+              </a:defRPr>
+            </a:lvl6pPr>
+            <a:lvl7pPr marR="0" lvl="6" algn="ctr" rtl="0">
+              <a:lnSpc>
+                <a:spcPct val="100000"/>
+              </a:lnSpc>
+              <a:spcBef>
+                <a:spcPts val="0"/>
+              </a:spcBef>
+              <a:spcAft>
+                <a:spcPts val="0"/>
+              </a:spcAft>
+              <a:buClr>
+                <a:schemeClr val="dk1"/>
+              </a:buClr>
+              <a:buSzPts val="3000"/>
+              <a:buFont typeface="Julius Sans One"/>
+              <a:buNone/>
+              <a:defRPr sz="3000" b="1" i="0" u="none" strike="noStrike" cap="none">
+                <a:solidFill>
+                  <a:schemeClr val="dk1"/>
+                </a:solidFill>
+                <a:latin typeface="Julius Sans One"/>
+                <a:ea typeface="Julius Sans One"/>
+                <a:cs typeface="Julius Sans One"/>
+                <a:sym typeface="Julius Sans One"/>
+              </a:defRPr>
+            </a:lvl7pPr>
+            <a:lvl8pPr marR="0" lvl="7" algn="ctr" rtl="0">
+              <a:lnSpc>
+                <a:spcPct val="100000"/>
+              </a:lnSpc>
+              <a:spcBef>
+                <a:spcPts val="0"/>
+              </a:spcBef>
+              <a:spcAft>
+                <a:spcPts val="0"/>
+              </a:spcAft>
+              <a:buClr>
+                <a:schemeClr val="dk1"/>
+              </a:buClr>
+              <a:buSzPts val="3000"/>
+              <a:buFont typeface="Julius Sans One"/>
+              <a:buNone/>
+              <a:defRPr sz="3000" b="1" i="0" u="none" strike="noStrike" cap="none">
+                <a:solidFill>
+                  <a:schemeClr val="dk1"/>
+                </a:solidFill>
+                <a:latin typeface="Julius Sans One"/>
+                <a:ea typeface="Julius Sans One"/>
+                <a:cs typeface="Julius Sans One"/>
+                <a:sym typeface="Julius Sans One"/>
+              </a:defRPr>
+            </a:lvl8pPr>
+            <a:lvl9pPr marR="0" lvl="8" algn="ctr" rtl="0">
+              <a:lnSpc>
+                <a:spcPct val="100000"/>
+              </a:lnSpc>
+              <a:spcBef>
+                <a:spcPts val="0"/>
+              </a:spcBef>
+              <a:spcAft>
+                <a:spcPts val="0"/>
+              </a:spcAft>
+              <a:buClr>
+                <a:schemeClr val="dk1"/>
+              </a:buClr>
+              <a:buSzPts val="3000"/>
+              <a:buFont typeface="Julius Sans One"/>
+              <a:buNone/>
+              <a:defRPr sz="3000" b="1" i="0" u="none" strike="noStrike" cap="none">
+                <a:solidFill>
+                  <a:schemeClr val="dk1"/>
+                </a:solidFill>
+                <a:latin typeface="Julius Sans One"/>
+                <a:ea typeface="Julius Sans One"/>
+                <a:cs typeface="Julius Sans One"/>
+                <a:sym typeface="Julius Sans One"/>
+              </a:defRPr>
+            </a:lvl9pPr>
+          </a:lstStyle>
+          <a:p>
+            <a:r>
+              <a:rPr lang="en-US" sz="2000" dirty="0">
+                <a:solidFill>
+                  <a:schemeClr val="bg1"/>
+                </a:solidFill>
+              </a:rPr>
+              <a:t>Meals Served</a:t>
+            </a:r>
+          </a:p>
+        </p:txBody>
+      </p:sp>
+      <p:sp>
+        <p:nvSpPr>
+          <p:cNvPr id="5" name="Google Shape;463;p67">
+            <a:extLst>
+              <a:ext uri="{FF2B5EF4-FFF2-40B4-BE49-F238E27FC236}">
+                <a16:creationId xmlns:a16="http://schemas.microsoft.com/office/drawing/2014/main" id="{076FFA9F-4455-7538-EB3E-CC43111E55A9}"/>
+              </a:ext>
+            </a:extLst>
+          </p:cNvPr>
+          <p:cNvSpPr txBox="1">
+            <a:spLocks/>
+          </p:cNvSpPr>
+          <p:nvPr/>
+        </p:nvSpPr>
+        <p:spPr>
+          <a:xfrm>
+            <a:off x="2156179" y="84668"/>
+            <a:ext cx="6903150" cy="1371601"/>
+          </a:xfrm>
+          <a:prstGeom prst="rect">
+            <a:avLst/>
+          </a:prstGeom>
+          <a:noFill/>
+          <a:ln>
+            <a:noFill/>
+          </a:ln>
+        </p:spPr>
+        <p:txBody>
+          <a:bodyPr spcFirstLastPara="1" wrap="square" lIns="91425" tIns="91425" rIns="91425" bIns="91425" anchor="t" anchorCtr="0">
+            <a:noAutofit/>
+          </a:bodyPr>
+          <a:lstStyle>
+            <a:defPPr marR="0" lvl="0" algn="l" rtl="0">
+              <a:lnSpc>
+                <a:spcPct val="100000"/>
+              </a:lnSpc>
+              <a:spcBef>
+                <a:spcPts val="0"/>
+              </a:spcBef>
+              <a:spcAft>
+                <a:spcPts val="0"/>
+              </a:spcAft>
+            </a:defPPr>
+            <a:lvl1pPr marR="0" lvl="0" algn="ctr" rtl="0">
+              <a:lnSpc>
+                <a:spcPct val="100000"/>
+              </a:lnSpc>
+              <a:spcBef>
+                <a:spcPts val="0"/>
+              </a:spcBef>
+              <a:spcAft>
+                <a:spcPts val="0"/>
+              </a:spcAft>
+              <a:buClr>
+                <a:schemeClr val="dk1"/>
+              </a:buClr>
+              <a:buSzPts val="2700"/>
+              <a:buFont typeface="Julius Sans One"/>
+              <a:buNone/>
+              <a:defRPr sz="3000" b="1" i="0" u="none" strike="noStrike" cap="none">
+                <a:solidFill>
+                  <a:schemeClr val="dk1"/>
+                </a:solidFill>
+                <a:latin typeface="Julius Sans One"/>
+                <a:ea typeface="Julius Sans One"/>
+                <a:cs typeface="Julius Sans One"/>
+                <a:sym typeface="Julius Sans One"/>
+              </a:defRPr>
+            </a:lvl1pPr>
+            <a:lvl2pPr marR="0" lvl="1" algn="ctr" rtl="0">
+              <a:lnSpc>
+                <a:spcPct val="100000"/>
+              </a:lnSpc>
+              <a:spcBef>
+                <a:spcPts val="0"/>
+              </a:spcBef>
+              <a:spcAft>
+                <a:spcPts val="0"/>
+              </a:spcAft>
+              <a:buClr>
+                <a:schemeClr val="dk1"/>
+              </a:buClr>
+              <a:buSzPts val="3000"/>
+              <a:buFont typeface="Julius Sans One"/>
+              <a:buNone/>
+              <a:defRPr sz="3000" b="1" i="0" u="none" strike="noStrike" cap="none">
+                <a:solidFill>
+                  <a:schemeClr val="dk1"/>
+                </a:solidFill>
+                <a:latin typeface="Julius Sans One"/>
+                <a:ea typeface="Julius Sans One"/>
+                <a:cs typeface="Julius Sans One"/>
+                <a:sym typeface="Julius Sans One"/>
+              </a:defRPr>
+            </a:lvl2pPr>
+            <a:lvl3pPr marR="0" lvl="2" algn="ctr" rtl="0">
+              <a:lnSpc>
+                <a:spcPct val="100000"/>
+              </a:lnSpc>
+              <a:spcBef>
+                <a:spcPts val="0"/>
+              </a:spcBef>
+              <a:spcAft>
+                <a:spcPts val="0"/>
+              </a:spcAft>
+              <a:buClr>
+                <a:schemeClr val="dk1"/>
+              </a:buClr>
+              <a:buSzPts val="3000"/>
+              <a:buFont typeface="Julius Sans One"/>
+              <a:buNone/>
+              <a:defRPr sz="3000" b="1" i="0" u="none" strike="noStrike" cap="none">
+                <a:solidFill>
+                  <a:schemeClr val="dk1"/>
+                </a:solidFill>
+                <a:latin typeface="Julius Sans One"/>
+                <a:ea typeface="Julius Sans One"/>
+                <a:cs typeface="Julius Sans One"/>
+                <a:sym typeface="Julius Sans One"/>
+              </a:defRPr>
+            </a:lvl3pPr>
+            <a:lvl4pPr marR="0" lvl="3" algn="ctr" rtl="0">
+              <a:lnSpc>
+                <a:spcPct val="100000"/>
+              </a:lnSpc>
+              <a:spcBef>
+                <a:spcPts val="0"/>
+              </a:spcBef>
+              <a:spcAft>
+                <a:spcPts val="0"/>
+              </a:spcAft>
+              <a:buClr>
+                <a:schemeClr val="dk1"/>
+              </a:buClr>
+              <a:buSzPts val="3000"/>
+              <a:buFont typeface="Julius Sans One"/>
+              <a:buNone/>
+              <a:defRPr sz="3000" b="1" i="0" u="none" strike="noStrike" cap="none">
+                <a:solidFill>
+                  <a:schemeClr val="dk1"/>
+                </a:solidFill>
+                <a:latin typeface="Julius Sans One"/>
+                <a:ea typeface="Julius Sans One"/>
+                <a:cs typeface="Julius Sans One"/>
+                <a:sym typeface="Julius Sans One"/>
+              </a:defRPr>
+            </a:lvl4pPr>
+            <a:lvl5pPr marR="0" lvl="4" algn="ctr" rtl="0">
+              <a:lnSpc>
+                <a:spcPct val="100000"/>
+              </a:lnSpc>
+              <a:spcBef>
+                <a:spcPts val="0"/>
+              </a:spcBef>
+              <a:spcAft>
+                <a:spcPts val="0"/>
+              </a:spcAft>
+              <a:buClr>
+                <a:schemeClr val="dk1"/>
+              </a:buClr>
+              <a:buSzPts val="3000"/>
+              <a:buFont typeface="Julius Sans One"/>
+              <a:buNone/>
+              <a:defRPr sz="3000" b="1" i="0" u="none" strike="noStrike" cap="none">
+                <a:solidFill>
+                  <a:schemeClr val="dk1"/>
+                </a:solidFill>
+                <a:latin typeface="Julius Sans One"/>
+                <a:ea typeface="Julius Sans One"/>
+                <a:cs typeface="Julius Sans One"/>
+                <a:sym typeface="Julius Sans One"/>
+              </a:defRPr>
+            </a:lvl5pPr>
+            <a:lvl6pPr marR="0" lvl="5" algn="ctr" rtl="0">
+              <a:lnSpc>
+                <a:spcPct val="100000"/>
+              </a:lnSpc>
+              <a:spcBef>
+                <a:spcPts val="0"/>
+              </a:spcBef>
+              <a:spcAft>
+                <a:spcPts val="0"/>
+              </a:spcAft>
+              <a:buClr>
+                <a:schemeClr val="dk1"/>
+              </a:buClr>
+              <a:buSzPts val="3000"/>
+              <a:buFont typeface="Julius Sans One"/>
+              <a:buNone/>
+              <a:defRPr sz="3000" b="1" i="0" u="none" strike="noStrike" cap="none">
+                <a:solidFill>
+                  <a:schemeClr val="dk1"/>
+                </a:solidFill>
+                <a:latin typeface="Julius Sans One"/>
+                <a:ea typeface="Julius Sans One"/>
+                <a:cs typeface="Julius Sans One"/>
+                <a:sym typeface="Julius Sans One"/>
+              </a:defRPr>
+            </a:lvl6pPr>
+            <a:lvl7pPr marR="0" lvl="6" algn="ctr" rtl="0">
+              <a:lnSpc>
+                <a:spcPct val="100000"/>
+              </a:lnSpc>
+              <a:spcBef>
+                <a:spcPts val="0"/>
+              </a:spcBef>
+              <a:spcAft>
+                <a:spcPts val="0"/>
+              </a:spcAft>
+              <a:buClr>
+                <a:schemeClr val="dk1"/>
+              </a:buClr>
+              <a:buSzPts val="3000"/>
+              <a:buFont typeface="Julius Sans One"/>
+              <a:buNone/>
+              <a:defRPr sz="3000" b="1" i="0" u="none" strike="noStrike" cap="none">
+                <a:solidFill>
+                  <a:schemeClr val="dk1"/>
+                </a:solidFill>
+                <a:latin typeface="Julius Sans One"/>
+                <a:ea typeface="Julius Sans One"/>
+                <a:cs typeface="Julius Sans One"/>
+                <a:sym typeface="Julius Sans One"/>
+              </a:defRPr>
+            </a:lvl7pPr>
+            <a:lvl8pPr marR="0" lvl="7" algn="ctr" rtl="0">
+              <a:lnSpc>
+                <a:spcPct val="100000"/>
+              </a:lnSpc>
+              <a:spcBef>
+                <a:spcPts val="0"/>
+              </a:spcBef>
+              <a:spcAft>
+                <a:spcPts val="0"/>
+              </a:spcAft>
+              <a:buClr>
+                <a:schemeClr val="dk1"/>
+              </a:buClr>
+              <a:buSzPts val="3000"/>
+              <a:buFont typeface="Julius Sans One"/>
+              <a:buNone/>
+              <a:defRPr sz="3000" b="1" i="0" u="none" strike="noStrike" cap="none">
+                <a:solidFill>
+                  <a:schemeClr val="dk1"/>
+                </a:solidFill>
+                <a:latin typeface="Julius Sans One"/>
+                <a:ea typeface="Julius Sans One"/>
+                <a:cs typeface="Julius Sans One"/>
+                <a:sym typeface="Julius Sans One"/>
+              </a:defRPr>
+            </a:lvl8pPr>
+            <a:lvl9pPr marR="0" lvl="8" algn="ctr" rtl="0">
+              <a:lnSpc>
+                <a:spcPct val="100000"/>
+              </a:lnSpc>
+              <a:spcBef>
+                <a:spcPts val="0"/>
+              </a:spcBef>
+              <a:spcAft>
+                <a:spcPts val="0"/>
+              </a:spcAft>
+              <a:buClr>
+                <a:schemeClr val="dk1"/>
+              </a:buClr>
+              <a:buSzPts val="3000"/>
+              <a:buFont typeface="Julius Sans One"/>
+              <a:buNone/>
+              <a:defRPr sz="3000" b="1" i="0" u="none" strike="noStrike" cap="none">
+                <a:solidFill>
+                  <a:schemeClr val="dk1"/>
+                </a:solidFill>
+                <a:latin typeface="Julius Sans One"/>
+                <a:ea typeface="Julius Sans One"/>
+                <a:cs typeface="Julius Sans One"/>
+                <a:sym typeface="Julius Sans One"/>
+              </a:defRPr>
+            </a:lvl9pPr>
+          </a:lstStyle>
+          <a:p>
+            <a:pPr algn="r"/>
+            <a:r>
+              <a:rPr lang="en-US" sz="2600" dirty="0">
+                <a:latin typeface="Didact Gothic" pitchFamily="2" charset="0"/>
+              </a:rPr>
+              <a:t>Manhattan senior centers have a higher average number of meals served per year than Brooklyn.</a:t>
+            </a:r>
+          </a:p>
+        </p:txBody>
+      </p:sp>
+      <p:pic>
+        <p:nvPicPr>
+          <p:cNvPr id="7" name="Picture 6" descr="A graph of a graph of a number of different types of data&#10;&#10;Description automatically generated with medium confidence">
+            <a:extLst>
+              <a:ext uri="{FF2B5EF4-FFF2-40B4-BE49-F238E27FC236}">
+                <a16:creationId xmlns:a16="http://schemas.microsoft.com/office/drawing/2014/main" id="{9BAE9015-27EB-5178-7D2E-4DBC6F9B5BDD}"/>
+              </a:ext>
+            </a:extLst>
+          </p:cNvPr>
+          <p:cNvPicPr>
+            <a:picLocks noChangeAspect="1"/>
+          </p:cNvPicPr>
+          <p:nvPr/>
+        </p:nvPicPr>
+        <p:blipFill>
+          <a:blip r:embed="rId2"/>
+          <a:stretch>
+            <a:fillRect/>
+          </a:stretch>
+        </p:blipFill>
+        <p:spPr>
+          <a:xfrm>
+            <a:off x="1063404" y="1506373"/>
+            <a:ext cx="7406014" cy="3466461"/>
+          </a:xfrm>
+          <a:prstGeom prst="rect">
+            <a:avLst/>
+          </a:prstGeom>
+        </p:spPr>
+      </p:pic>
+      <p:cxnSp>
+        <p:nvCxnSpPr>
+          <p:cNvPr id="9" name="Straight Connector 8">
+            <a:extLst>
+              <a:ext uri="{FF2B5EF4-FFF2-40B4-BE49-F238E27FC236}">
+                <a16:creationId xmlns:a16="http://schemas.microsoft.com/office/drawing/2014/main" id="{35C41338-1228-3A79-B3EE-ACD051ED0A87}"/>
+              </a:ext>
+            </a:extLst>
+          </p:cNvPr>
+          <p:cNvCxnSpPr>
+            <a:cxnSpLocks/>
+          </p:cNvCxnSpPr>
+          <p:nvPr/>
+        </p:nvCxnSpPr>
+        <p:spPr>
+          <a:xfrm flipV="1">
+            <a:off x="7895067" y="4448908"/>
+            <a:ext cx="633471" cy="609924"/>
+          </a:xfrm>
+          <a:prstGeom prst="line">
+            <a:avLst/>
+          </a:prstGeom>
+          <a:ln w="19050"/>
+        </p:spPr>
+        <p:style>
+          <a:lnRef idx="1">
+            <a:schemeClr val="accent1"/>
+          </a:lnRef>
+          <a:fillRef idx="0">
+            <a:schemeClr val="accent1"/>
+          </a:fillRef>
+          <a:effectRef idx="0">
+            <a:schemeClr val="accent1"/>
+          </a:effectRef>
+          <a:fontRef idx="minor">
+            <a:schemeClr val="tx1"/>
+          </a:fontRef>
+        </p:style>
+      </p:cxnSp>
+      <p:sp>
+        <p:nvSpPr>
+          <p:cNvPr id="12" name="Triangle 11">
+            <a:extLst>
+              <a:ext uri="{FF2B5EF4-FFF2-40B4-BE49-F238E27FC236}">
+                <a16:creationId xmlns:a16="http://schemas.microsoft.com/office/drawing/2014/main" id="{DB6CDA38-2F12-5C12-2821-A9F03E82E5A7}"/>
+              </a:ext>
+            </a:extLst>
+          </p:cNvPr>
+          <p:cNvSpPr/>
+          <p:nvPr/>
+        </p:nvSpPr>
+        <p:spPr>
+          <a:xfrm rot="8154714">
+            <a:off x="8092880" y="4668372"/>
+            <a:ext cx="880323" cy="647337"/>
+          </a:xfrm>
+          <a:prstGeom prst="triangle">
+            <a:avLst/>
+          </a:prstGeom>
+          <a:solidFill>
+            <a:srgbClr val="929292"/>
+          </a:solidFill>
+          <a:ln>
+            <a:noFill/>
+          </a:ln>
+        </p:spPr>
+        <p:style>
+          <a:lnRef idx="2">
+            <a:schemeClr val="accent1">
+              <a:shade val="15000"/>
+            </a:schemeClr>
+          </a:lnRef>
+          <a:fillRef idx="1">
+            <a:schemeClr val="accent1"/>
+          </a:fillRef>
+          <a:effectRef idx="0">
+            <a:schemeClr val="accent1"/>
+          </a:effectRef>
+          <a:fontRef idx="minor">
+            <a:schemeClr val="lt1"/>
+          </a:fontRef>
+        </p:style>
+        <p:txBody>
+          <a:bodyPr rtlCol="0" anchor="ctr"/>
+          <a:lstStyle/>
+          <a:p>
+            <a:pPr algn="ctr"/>
+            <a:endParaRPr lang="en-US"/>
+          </a:p>
+        </p:txBody>
+      </p:sp>
+      <p:pic>
+        <p:nvPicPr>
+          <p:cNvPr id="13" name="Picture 12">
+            <a:extLst>
+              <a:ext uri="{FF2B5EF4-FFF2-40B4-BE49-F238E27FC236}">
+                <a16:creationId xmlns:a16="http://schemas.microsoft.com/office/drawing/2014/main" id="{48F0D7BF-73F3-2391-C305-745DD4DF6C02}"/>
+              </a:ext>
+            </a:extLst>
+          </p:cNvPr>
+          <p:cNvPicPr>
+            <a:picLocks noChangeAspect="1"/>
+          </p:cNvPicPr>
+          <p:nvPr/>
+        </p:nvPicPr>
+        <p:blipFill>
+          <a:blip r:embed="rId3"/>
+          <a:stretch>
+            <a:fillRect/>
+          </a:stretch>
+        </p:blipFill>
+        <p:spPr>
+          <a:xfrm>
+            <a:off x="4766411" y="1812819"/>
+            <a:ext cx="236395" cy="2356561"/>
+          </a:xfrm>
+          <a:prstGeom prst="rect">
+            <a:avLst/>
+          </a:prstGeom>
+        </p:spPr>
+      </p:pic>
+    </p:spTree>
+    <p:extLst>
+      <p:ext uri="{BB962C8B-B14F-4D97-AF65-F5344CB8AC3E}">
+        <p14:creationId xmlns:p14="http://schemas.microsoft.com/office/powerpoint/2010/main" val="3799673644"/>
+      </p:ext>
+    </p:extLst>
+  </p:cSld>
+  <p:clrMapOvr>
+    <a:masterClrMapping/>
+  </p:clrMapOvr>
+  <mc:AlternateContent xmlns:mc="http://schemas.openxmlformats.org/markup-compatibility/2006" xmlns:p14="http://schemas.microsoft.com/office/powerpoint/2010/main">
+    <mc:Choice Requires="p14">
+      <p:transition spd="med" p14:dur="700">
+        <p:fade/>
+      </p:transition>
+    </mc:Choice>
+    <mc:Fallback xmlns="">
+      <p:transition spd="med">
+        <p:fade/>
+      </p:transition>
+    </mc:Fallback>
+  </mc:AlternateContent>
+  <p:timing>
+    <p:tnLst>
+      <p:par>
+        <p:cTn id="1" dur="indefinite" restart="never" nodeType="tmRoot">
+          <p:childTnLst>
+            <p:seq concurrent="1" nextAc="seek">
+              <p:cTn id="2" dur="indefinite" nodeType="mainSeq">
+                <p:childTnLst>
+                  <p:par>
+                    <p:cTn id="3" fill="hold">
+                      <p:stCondLst>
+                        <p:cond delay="indefinite"/>
+                      </p:stCondLst>
+                      <p:childTnLst>
+                        <p:par>
+                          <p:cTn id="4" fill="hold">
+                            <p:stCondLst>
+                              <p:cond delay="0"/>
+                            </p:stCondLst>
+                            <p:childTnLst>
+                              <p:par>
+                                <p:cTn id="5" presetID="10" presetClass="entr" presetSubtype="0" fill="hold" nodeType="clickEffect">
+                                  <p:stCondLst>
+                                    <p:cond delay="0"/>
+                                  </p:stCondLst>
+                                  <p:childTnLst>
+                                    <p:set>
+                                      <p:cBhvr>
+                                        <p:cTn id="6" dur="1" fill="hold">
+                                          <p:stCondLst>
+                                            <p:cond delay="0"/>
+                                          </p:stCondLst>
+                                        </p:cTn>
+                                        <p:tgtEl>
+                                          <p:spTgt spid="7"/>
+                                        </p:tgtEl>
+                                        <p:attrNameLst>
+                                          <p:attrName>style.visibility</p:attrName>
+                                        </p:attrNameLst>
+                                      </p:cBhvr>
+                                      <p:to>
+                                        <p:strVal val="visible"/>
+                                      </p:to>
+                                    </p:set>
+                                    <p:animEffect transition="in" filter="fade">
+                                      <p:cBhvr>
+                                        <p:cTn id="7" dur="500"/>
+                                        <p:tgtEl>
+                                          <p:spTgt spid="7"/>
+                                        </p:tgtEl>
+                                      </p:cBhvr>
+                                    </p:animEffect>
+                                  </p:childTnLst>
+                                </p:cTn>
+                              </p:par>
+                              <p:par>
+                                <p:cTn id="8" presetID="10" presetClass="entr" presetSubtype="0" fill="hold" nodeType="withEffect">
+                                  <p:stCondLst>
+                                    <p:cond delay="0"/>
+                                  </p:stCondLst>
+                                  <p:childTnLst>
+                                    <p:set>
+                                      <p:cBhvr>
+                                        <p:cTn id="9" dur="1" fill="hold">
+                                          <p:stCondLst>
+                                            <p:cond delay="0"/>
+                                          </p:stCondLst>
+                                        </p:cTn>
+                                        <p:tgtEl>
+                                          <p:spTgt spid="13"/>
+                                        </p:tgtEl>
+                                        <p:attrNameLst>
+                                          <p:attrName>style.visibility</p:attrName>
+                                        </p:attrNameLst>
+                                      </p:cBhvr>
+                                      <p:to>
+                                        <p:strVal val="visible"/>
+                                      </p:to>
+                                    </p:set>
+                                    <p:animEffect transition="in" filter="fade">
+                                      <p:cBhvr>
+                                        <p:cTn id="10" dur="500"/>
+                                        <p:tgtEl>
+                                          <p:spTgt spid="13"/>
+                                        </p:tgtEl>
+                                      </p:cBhvr>
+                                    </p:animEffect>
+                                  </p:childTnLst>
+                                </p:cTn>
+                              </p:par>
+                            </p:childTnLst>
+                          </p:cTn>
+                        </p:par>
+                      </p:childTnLst>
+                    </p:cTn>
+                  </p:par>
+                </p:childTnLst>
+              </p:cTn>
+              <p:prevCondLst>
+                <p:cond evt="onPrev" delay="0">
+                  <p:tgtEl>
+                    <p:sldTgt/>
+                  </p:tgtEl>
+                </p:cond>
+              </p:prevCondLst>
+              <p:nextCondLst>
+                <p:cond evt="onNext" delay="0">
+                  <p:tgtEl>
+                    <p:sldTgt/>
+                  </p:tgtEl>
+                </p:cond>
+              </p:nextCondLst>
+            </p:seq>
+          </p:childTnLst>
+        </p:cTn>
+      </p:par>
+    </p:tnLst>
+  </p:timing>
+</p:sld>
+</file>
+
+<file path=ppt/slides/slide5.xml><?xml version="1.0" encoding="utf-8"?>
+<p:sld xmlns:a="http://schemas.openxmlformats.org/drawingml/2006/main" xmlns:r="http://schemas.openxmlformats.org/officeDocument/2006/relationships" xmlns:p="http://schemas.openxmlformats.org/presentationml/2006/main">
+  <p:cSld>
+    <p:spTree>
+      <p:nvGrpSpPr>
+        <p:cNvPr id="1" name="Shape 1332"/>
+        <p:cNvGrpSpPr/>
+        <p:nvPr/>
+      </p:nvGrpSpPr>
+      <p:grpSpPr>
+        <a:xfrm>
+          <a:off x="0" y="0"/>
+          <a:ext cx="0" cy="0"/>
+          <a:chOff x="0" y="0"/>
+          <a:chExt cx="0" cy="0"/>
+        </a:xfrm>
+      </p:grpSpPr>
+      <p:sp>
+        <p:nvSpPr>
+          <p:cNvPr id="1333" name="Google Shape;1333;p116"/>
+          <p:cNvSpPr txBox="1">
+            <a:spLocks noGrp="1"/>
+          </p:cNvSpPr>
+          <p:nvPr>
+            <p:ph type="title"/>
+          </p:nvPr>
+        </p:nvSpPr>
+        <p:spPr>
+          <a:xfrm>
+            <a:off x="892050" y="142105"/>
+            <a:ext cx="7359900" cy="528600"/>
+          </a:xfrm>
+          <a:prstGeom prst="rect">
+            <a:avLst/>
+          </a:prstGeom>
+        </p:spPr>
+        <p:txBody>
+          <a:bodyPr spcFirstLastPara="1" wrap="square" lIns="91425" tIns="91425" rIns="91425" bIns="91425" anchor="t" anchorCtr="0">
+            <a:noAutofit/>
+          </a:bodyPr>
+          <a:lstStyle/>
+          <a:p>
+            <a:pPr marL="0" lvl="0" indent="0" algn="ctr" rtl="0">
+              <a:spcBef>
+                <a:spcPts val="0"/>
+              </a:spcBef>
+              <a:spcAft>
+                <a:spcPts val="0"/>
+              </a:spcAft>
+              <a:buNone/>
+            </a:pPr>
+            <a:r>
+              <a:rPr lang="en" dirty="0"/>
+              <a:t>Next Steps</a:t>
+            </a:r>
+            <a:endParaRPr dirty="0"/>
+          </a:p>
+        </p:txBody>
+      </p:sp>
+      <p:sp>
+        <p:nvSpPr>
+          <p:cNvPr id="1334" name="Google Shape;1334;p116"/>
+          <p:cNvSpPr txBox="1"/>
+          <p:nvPr/>
+        </p:nvSpPr>
+        <p:spPr>
+          <a:xfrm flipH="1">
+            <a:off x="6122792" y="3102653"/>
+            <a:ext cx="2047996" cy="396000"/>
+          </a:xfrm>
+          <a:prstGeom prst="rect">
+            <a:avLst/>
+          </a:prstGeom>
+          <a:noFill/>
+          <a:ln>
+            <a:noFill/>
+          </a:ln>
+        </p:spPr>
+        <p:txBody>
+          <a:bodyPr spcFirstLastPara="1" wrap="square" lIns="91425" tIns="91425" rIns="91425" bIns="91425" anchor="t" anchorCtr="0">
+            <a:noAutofit/>
+          </a:bodyPr>
+          <a:lstStyle/>
+          <a:p>
+            <a:pPr marL="0" lvl="0" indent="0" algn="ctr" rtl="0">
+              <a:spcBef>
+                <a:spcPts val="0"/>
+              </a:spcBef>
+              <a:spcAft>
+                <a:spcPts val="0"/>
+              </a:spcAft>
+              <a:buNone/>
+            </a:pPr>
+            <a:r>
+              <a:rPr lang="en" sz="1800" b="1" dirty="0">
+                <a:solidFill>
+                  <a:schemeClr val="dk1"/>
+                </a:solidFill>
+                <a:latin typeface="Julius Sans One"/>
+                <a:ea typeface="Julius Sans One"/>
+                <a:cs typeface="Julius Sans One"/>
+                <a:sym typeface="Julius Sans One"/>
+              </a:rPr>
+              <a:t>...And Beyond!</a:t>
+            </a:r>
+            <a:endParaRPr sz="1800" b="1" dirty="0">
+              <a:solidFill>
+                <a:schemeClr val="dk1"/>
+              </a:solidFill>
+              <a:latin typeface="Julius Sans One"/>
+              <a:ea typeface="Julius Sans One"/>
+              <a:cs typeface="Julius Sans One"/>
+              <a:sym typeface="Julius Sans One"/>
+            </a:endParaRPr>
+          </a:p>
+        </p:txBody>
+      </p:sp>
+      <p:sp>
+        <p:nvSpPr>
+          <p:cNvPr id="1335" name="Google Shape;1335;p116"/>
+          <p:cNvSpPr txBox="1"/>
+          <p:nvPr/>
+        </p:nvSpPr>
+        <p:spPr>
+          <a:xfrm flipH="1">
+            <a:off x="6497890" y="3418149"/>
+            <a:ext cx="1297800" cy="618000"/>
+          </a:xfrm>
+          <a:prstGeom prst="rect">
+            <a:avLst/>
+          </a:prstGeom>
+          <a:noFill/>
+          <a:ln>
+            <a:noFill/>
+          </a:ln>
+        </p:spPr>
+        <p:txBody>
+          <a:bodyPr spcFirstLastPara="1" wrap="square" lIns="91425" tIns="91425" rIns="91425" bIns="91425" anchor="t" anchorCtr="0">
+            <a:noAutofit/>
+          </a:bodyPr>
+          <a:lstStyle/>
+          <a:p>
+            <a:pPr marL="0" lvl="0" indent="0" algn="ctr" rtl="0">
+              <a:spcBef>
+                <a:spcPts val="0"/>
+              </a:spcBef>
+              <a:spcAft>
+                <a:spcPts val="1600"/>
+              </a:spcAft>
+              <a:buNone/>
+            </a:pPr>
+            <a:r>
+              <a:rPr lang="en" dirty="0">
+                <a:solidFill>
+                  <a:schemeClr val="dk1"/>
+                </a:solidFill>
+                <a:latin typeface="Didact Gothic"/>
+                <a:ea typeface="Didact Gothic"/>
+                <a:cs typeface="Didact Gothic"/>
+                <a:sym typeface="Didact Gothic"/>
+              </a:rPr>
+              <a:t>Explore other boroughs!</a:t>
+            </a:r>
+            <a:endParaRPr dirty="0">
+              <a:solidFill>
+                <a:schemeClr val="dk1"/>
+              </a:solidFill>
+              <a:latin typeface="Didact Gothic"/>
+              <a:ea typeface="Didact Gothic"/>
+              <a:cs typeface="Didact Gothic"/>
+              <a:sym typeface="Didact Gothic"/>
+            </a:endParaRPr>
+          </a:p>
+        </p:txBody>
+      </p:sp>
+      <p:sp>
+        <p:nvSpPr>
+          <p:cNvPr id="1336" name="Google Shape;1336;p116"/>
+          <p:cNvSpPr txBox="1"/>
+          <p:nvPr/>
+        </p:nvSpPr>
+        <p:spPr>
+          <a:xfrm flipH="1">
+            <a:off x="2736540" y="3623361"/>
+            <a:ext cx="1817100" cy="396000"/>
+          </a:xfrm>
+          <a:prstGeom prst="rect">
+            <a:avLst/>
+          </a:prstGeom>
+          <a:noFill/>
+          <a:ln>
+            <a:noFill/>
+          </a:ln>
+        </p:spPr>
+        <p:txBody>
+          <a:bodyPr spcFirstLastPara="1" wrap="square" lIns="91425" tIns="91425" rIns="91425" bIns="91425" anchor="t" anchorCtr="0">
+            <a:noAutofit/>
+          </a:bodyPr>
+          <a:lstStyle/>
+          <a:p>
+            <a:pPr marL="0" lvl="0" indent="0" algn="ctr" rtl="0">
+              <a:spcBef>
+                <a:spcPts val="0"/>
+              </a:spcBef>
+              <a:spcAft>
+                <a:spcPts val="0"/>
+              </a:spcAft>
+              <a:buNone/>
+            </a:pPr>
+            <a:r>
+              <a:rPr lang="en" sz="1800" b="1" dirty="0">
+                <a:solidFill>
+                  <a:schemeClr val="dk1"/>
+                </a:solidFill>
+                <a:latin typeface="Julius Sans One"/>
+                <a:ea typeface="Julius Sans One"/>
+                <a:cs typeface="Julius Sans One"/>
+                <a:sym typeface="Julius Sans One"/>
+              </a:rPr>
+              <a:t>Budget</a:t>
+            </a:r>
+            <a:endParaRPr sz="1800" b="1" dirty="0">
+              <a:solidFill>
+                <a:schemeClr val="dk1"/>
+              </a:solidFill>
+              <a:latin typeface="Julius Sans One"/>
+              <a:ea typeface="Julius Sans One"/>
+              <a:cs typeface="Julius Sans One"/>
+              <a:sym typeface="Julius Sans One"/>
+            </a:endParaRPr>
+          </a:p>
+        </p:txBody>
+      </p:sp>
+      <p:sp>
+        <p:nvSpPr>
+          <p:cNvPr id="1337" name="Google Shape;1337;p116"/>
+          <p:cNvSpPr txBox="1"/>
+          <p:nvPr/>
+        </p:nvSpPr>
+        <p:spPr>
+          <a:xfrm flipH="1">
+            <a:off x="2702224" y="3965211"/>
+            <a:ext cx="1932548" cy="618000"/>
+          </a:xfrm>
+          <a:prstGeom prst="rect">
+            <a:avLst/>
+          </a:prstGeom>
+          <a:noFill/>
+          <a:ln>
+            <a:noFill/>
+          </a:ln>
+        </p:spPr>
+        <p:txBody>
+          <a:bodyPr spcFirstLastPara="1" wrap="square" lIns="91425" tIns="91425" rIns="91425" bIns="91425" anchor="t" anchorCtr="0">
+            <a:noAutofit/>
+          </a:bodyPr>
+          <a:lstStyle/>
+          <a:p>
+            <a:pPr marL="0" lvl="0" indent="0" algn="ctr" rtl="0">
+              <a:spcBef>
+                <a:spcPts val="0"/>
+              </a:spcBef>
+              <a:spcAft>
+                <a:spcPts val="0"/>
+              </a:spcAft>
+              <a:buNone/>
+            </a:pPr>
+            <a:r>
+              <a:rPr lang="en-US" dirty="0">
+                <a:solidFill>
+                  <a:schemeClr val="dk1"/>
+                </a:solidFill>
+                <a:latin typeface="Didact Gothic"/>
+                <a:ea typeface="Didact Gothic"/>
+                <a:cs typeface="Didact Gothic"/>
+                <a:sym typeface="Didact Gothic"/>
+              </a:rPr>
+              <a:t>Investigate senior centers at the lower end of the total annual budget distribution.</a:t>
+            </a:r>
+            <a:endParaRPr dirty="0">
+              <a:solidFill>
+                <a:schemeClr val="dk1"/>
+              </a:solidFill>
+              <a:latin typeface="Didact Gothic"/>
+              <a:ea typeface="Didact Gothic"/>
+              <a:cs typeface="Didact Gothic"/>
+              <a:sym typeface="Didact Gothic"/>
+            </a:endParaRPr>
+          </a:p>
+        </p:txBody>
+      </p:sp>
+      <p:sp>
+        <p:nvSpPr>
+          <p:cNvPr id="1338" name="Google Shape;1338;p116"/>
+          <p:cNvSpPr txBox="1"/>
+          <p:nvPr/>
+        </p:nvSpPr>
+        <p:spPr>
+          <a:xfrm flipH="1">
+            <a:off x="1099065" y="1900480"/>
+            <a:ext cx="1817100" cy="396000"/>
+          </a:xfrm>
+          <a:prstGeom prst="rect">
+            <a:avLst/>
+          </a:prstGeom>
+          <a:noFill/>
+          <a:ln>
+            <a:noFill/>
+          </a:ln>
+        </p:spPr>
+        <p:txBody>
+          <a:bodyPr spcFirstLastPara="1" wrap="square" lIns="91425" tIns="91425" rIns="91425" bIns="91425" anchor="t" anchorCtr="0">
+            <a:noAutofit/>
+          </a:bodyPr>
+          <a:lstStyle/>
+          <a:p>
+            <a:pPr marL="0" lvl="0" indent="0" algn="ctr" rtl="0">
+              <a:spcBef>
+                <a:spcPts val="0"/>
+              </a:spcBef>
+              <a:spcAft>
+                <a:spcPts val="0"/>
+              </a:spcAft>
+              <a:buNone/>
+            </a:pPr>
+            <a:r>
+              <a:rPr lang="en" sz="1800" b="1" dirty="0">
+                <a:solidFill>
+                  <a:schemeClr val="dk1"/>
+                </a:solidFill>
+                <a:latin typeface="Julius Sans One"/>
+                <a:ea typeface="Julius Sans One"/>
+                <a:cs typeface="Julius Sans One"/>
+                <a:sym typeface="Julius Sans One"/>
+              </a:rPr>
+              <a:t>People</a:t>
+            </a:r>
+            <a:endParaRPr sz="1800" b="1" dirty="0">
+              <a:solidFill>
+                <a:schemeClr val="dk1"/>
+              </a:solidFill>
+              <a:latin typeface="Julius Sans One"/>
+              <a:ea typeface="Julius Sans One"/>
+              <a:cs typeface="Julius Sans One"/>
+              <a:sym typeface="Julius Sans One"/>
+            </a:endParaRPr>
+          </a:p>
+        </p:txBody>
+      </p:sp>
+      <p:sp>
+        <p:nvSpPr>
+          <p:cNvPr id="1339" name="Google Shape;1339;p116"/>
+          <p:cNvSpPr txBox="1"/>
+          <p:nvPr/>
+        </p:nvSpPr>
+        <p:spPr>
+          <a:xfrm flipH="1">
+            <a:off x="1077534" y="2220608"/>
+            <a:ext cx="1951412" cy="618000"/>
+          </a:xfrm>
+          <a:prstGeom prst="rect">
+            <a:avLst/>
+          </a:prstGeom>
+          <a:noFill/>
+          <a:ln>
+            <a:noFill/>
+          </a:ln>
+        </p:spPr>
+        <p:txBody>
+          <a:bodyPr spcFirstLastPara="1" wrap="square" lIns="91425" tIns="91425" rIns="91425" bIns="91425" anchor="t" anchorCtr="0">
+            <a:noAutofit/>
+          </a:bodyPr>
+          <a:lstStyle/>
+          <a:p>
+            <a:pPr marL="0" lvl="0" indent="0" algn="ctr" rtl="0">
+              <a:spcBef>
+                <a:spcPts val="0"/>
+              </a:spcBef>
+              <a:spcAft>
+                <a:spcPts val="0"/>
+              </a:spcAft>
+              <a:buNone/>
+            </a:pPr>
+            <a:r>
+              <a:rPr lang="en" dirty="0">
+                <a:solidFill>
+                  <a:schemeClr val="dk1"/>
+                </a:solidFill>
+                <a:latin typeface="Didact Gothic"/>
+                <a:ea typeface="Didact Gothic"/>
+                <a:cs typeface="Didact Gothic"/>
+                <a:sym typeface="Didact Gothic"/>
+              </a:rPr>
+              <a:t>Understand part-time employee involvement.</a:t>
+            </a:r>
+            <a:endParaRPr dirty="0">
+              <a:solidFill>
+                <a:schemeClr val="dk1"/>
+              </a:solidFill>
+              <a:latin typeface="Didact Gothic"/>
+              <a:ea typeface="Didact Gothic"/>
+              <a:cs typeface="Didact Gothic"/>
+              <a:sym typeface="Didact Gothic"/>
+            </a:endParaRPr>
+          </a:p>
+        </p:txBody>
+      </p:sp>
+      <p:sp>
+        <p:nvSpPr>
+          <p:cNvPr id="1340" name="Google Shape;1340;p116"/>
+          <p:cNvSpPr txBox="1"/>
+          <p:nvPr/>
+        </p:nvSpPr>
+        <p:spPr>
+          <a:xfrm flipH="1">
+            <a:off x="4479958" y="1094155"/>
+            <a:ext cx="1817100" cy="396000"/>
+          </a:xfrm>
+          <a:prstGeom prst="rect">
+            <a:avLst/>
+          </a:prstGeom>
+          <a:noFill/>
+          <a:ln>
+            <a:noFill/>
+          </a:ln>
+        </p:spPr>
+        <p:txBody>
+          <a:bodyPr spcFirstLastPara="1" wrap="square" lIns="91425" tIns="91425" rIns="91425" bIns="91425" anchor="t" anchorCtr="0">
+            <a:noAutofit/>
+          </a:bodyPr>
+          <a:lstStyle/>
+          <a:p>
+            <a:pPr marL="0" lvl="0" indent="0" algn="ctr" rtl="0">
+              <a:spcBef>
+                <a:spcPts val="0"/>
+              </a:spcBef>
+              <a:spcAft>
+                <a:spcPts val="0"/>
+              </a:spcAft>
+              <a:buNone/>
+            </a:pPr>
+            <a:r>
+              <a:rPr lang="en" sz="1800" b="1" dirty="0">
+                <a:solidFill>
+                  <a:schemeClr val="dk1"/>
+                </a:solidFill>
+                <a:latin typeface="Julius Sans One"/>
+                <a:ea typeface="Julius Sans One"/>
+                <a:cs typeface="Julius Sans One"/>
+                <a:sym typeface="Julius Sans One"/>
+              </a:rPr>
+              <a:t>Services</a:t>
+            </a:r>
+            <a:endParaRPr sz="1800" b="1" dirty="0">
+              <a:solidFill>
+                <a:schemeClr val="dk1"/>
+              </a:solidFill>
+              <a:latin typeface="Julius Sans One"/>
+              <a:ea typeface="Julius Sans One"/>
+              <a:cs typeface="Julius Sans One"/>
+              <a:sym typeface="Julius Sans One"/>
+            </a:endParaRPr>
+          </a:p>
+        </p:txBody>
+      </p:sp>
+      <p:sp>
+        <p:nvSpPr>
+          <p:cNvPr id="1341" name="Google Shape;1341;p116"/>
+          <p:cNvSpPr txBox="1"/>
+          <p:nvPr/>
+        </p:nvSpPr>
+        <p:spPr>
+          <a:xfrm flipH="1">
+            <a:off x="4282740" y="1437426"/>
+            <a:ext cx="2188091" cy="618000"/>
+          </a:xfrm>
+          <a:prstGeom prst="rect">
+            <a:avLst/>
+          </a:prstGeom>
+          <a:noFill/>
+          <a:ln>
+            <a:noFill/>
+          </a:ln>
+        </p:spPr>
+        <p:txBody>
+          <a:bodyPr spcFirstLastPara="1" wrap="square" lIns="91425" tIns="91425" rIns="91425" bIns="91425" anchor="t" anchorCtr="0">
+            <a:noAutofit/>
+          </a:bodyPr>
+          <a:lstStyle/>
+          <a:p>
+            <a:pPr marL="0" lvl="0" indent="0" algn="ctr" rtl="0">
+              <a:spcBef>
+                <a:spcPts val="0"/>
+              </a:spcBef>
+              <a:spcAft>
+                <a:spcPts val="0"/>
+              </a:spcAft>
+              <a:buNone/>
+            </a:pPr>
+            <a:r>
+              <a:rPr lang="en" dirty="0">
+                <a:solidFill>
+                  <a:schemeClr val="dk1"/>
+                </a:solidFill>
+                <a:latin typeface="Didact Gothic"/>
+                <a:ea typeface="Didact Gothic"/>
+                <a:cs typeface="Didact Gothic"/>
+                <a:sym typeface="Didact Gothic"/>
+              </a:rPr>
+              <a:t>Aside from meals, how often are the other service categories used?</a:t>
+            </a:r>
+            <a:endParaRPr dirty="0">
+              <a:solidFill>
+                <a:schemeClr val="dk1"/>
+              </a:solidFill>
+              <a:latin typeface="Didact Gothic"/>
+              <a:ea typeface="Didact Gothic"/>
+              <a:cs typeface="Didact Gothic"/>
+              <a:sym typeface="Didact Gothic"/>
+            </a:endParaRPr>
+          </a:p>
+        </p:txBody>
+      </p:sp>
+      <p:cxnSp>
+        <p:nvCxnSpPr>
+          <p:cNvPr id="1342" name="Google Shape;1342;p116"/>
+          <p:cNvCxnSpPr/>
+          <p:nvPr/>
+        </p:nvCxnSpPr>
+        <p:spPr>
+          <a:xfrm>
+            <a:off x="4248450" y="829120"/>
+            <a:ext cx="647100" cy="0"/>
+          </a:xfrm>
+          <a:prstGeom prst="straightConnector1">
+            <a:avLst/>
+          </a:prstGeom>
+          <a:noFill/>
+          <a:ln w="19050" cap="flat" cmpd="sng">
+            <a:solidFill>
+              <a:schemeClr val="dk1"/>
+            </a:solidFill>
+            <a:prstDash val="solid"/>
+            <a:round/>
+            <a:headEnd type="none" w="med" len="med"/>
+            <a:tailEnd type="none" w="med" len="med"/>
+          </a:ln>
+        </p:spPr>
+      </p:cxnSp>
+      <p:grpSp>
+        <p:nvGrpSpPr>
+          <p:cNvPr id="1343" name="Google Shape;1343;p116"/>
+          <p:cNvGrpSpPr/>
+          <p:nvPr/>
+        </p:nvGrpSpPr>
+        <p:grpSpPr>
+          <a:xfrm>
+            <a:off x="1207785" y="2296454"/>
+            <a:ext cx="6436123" cy="1326552"/>
+            <a:chOff x="6953919" y="3907920"/>
+            <a:chExt cx="1377300" cy="475705"/>
+          </a:xfrm>
+        </p:grpSpPr>
+        <p:cxnSp>
+          <p:nvCxnSpPr>
+            <p:cNvPr id="1344" name="Google Shape;1344;p116"/>
+            <p:cNvCxnSpPr/>
+            <p:nvPr/>
+          </p:nvCxnSpPr>
+          <p:spPr>
+            <a:xfrm rot="10800000">
+              <a:off x="7118545" y="4100696"/>
+              <a:ext cx="0" cy="194700"/>
+            </a:xfrm>
+            <a:prstGeom prst="straightConnector1">
+              <a:avLst/>
+            </a:prstGeom>
+            <a:noFill/>
+            <a:ln w="19050" cap="flat" cmpd="sng">
+              <a:solidFill>
+                <a:schemeClr val="dk1"/>
+              </a:solidFill>
+              <a:prstDash val="solid"/>
+              <a:round/>
+              <a:headEnd type="none" w="med" len="med"/>
+              <a:tailEnd type="diamond" w="med" len="med"/>
+            </a:ln>
+          </p:spPr>
+        </p:cxnSp>
+        <p:cxnSp>
+          <p:nvCxnSpPr>
+            <p:cNvPr id="1345" name="Google Shape;1345;p116"/>
+            <p:cNvCxnSpPr/>
+            <p:nvPr/>
+          </p:nvCxnSpPr>
+          <p:spPr>
+            <a:xfrm>
+              <a:off x="7480500" y="4197025"/>
+              <a:ext cx="0" cy="186600"/>
+            </a:xfrm>
+            <a:prstGeom prst="straightConnector1">
+              <a:avLst/>
+            </a:prstGeom>
+            <a:noFill/>
+            <a:ln w="19050" cap="flat" cmpd="sng">
+              <a:solidFill>
+                <a:schemeClr val="dk1"/>
+              </a:solidFill>
+              <a:prstDash val="solid"/>
+              <a:round/>
+              <a:headEnd type="none" w="med" len="med"/>
+              <a:tailEnd type="diamond" w="med" len="med"/>
+            </a:ln>
+          </p:spPr>
+        </p:cxnSp>
+        <p:cxnSp>
+          <p:nvCxnSpPr>
+            <p:cNvPr id="1346" name="Google Shape;1346;p116"/>
+            <p:cNvCxnSpPr/>
+            <p:nvPr/>
+          </p:nvCxnSpPr>
+          <p:spPr>
+            <a:xfrm rot="10800000">
+              <a:off x="7848574" y="3907920"/>
+              <a:ext cx="0" cy="185100"/>
+            </a:xfrm>
+            <a:prstGeom prst="straightConnector1">
+              <a:avLst/>
+            </a:prstGeom>
+            <a:noFill/>
+            <a:ln w="19050" cap="flat" cmpd="sng">
+              <a:solidFill>
+                <a:schemeClr val="dk1"/>
+              </a:solidFill>
+              <a:prstDash val="solid"/>
+              <a:round/>
+              <a:headEnd type="none" w="med" len="med"/>
+              <a:tailEnd type="diamond" w="med" len="med"/>
+            </a:ln>
+          </p:spPr>
+        </p:cxnSp>
+        <p:cxnSp>
+          <p:nvCxnSpPr>
+            <p:cNvPr id="1347" name="Google Shape;1347;p116"/>
+            <p:cNvCxnSpPr/>
+            <p:nvPr/>
+          </p:nvCxnSpPr>
+          <p:spPr>
+            <a:xfrm>
+              <a:off x="8218032" y="3992028"/>
+              <a:ext cx="0" cy="202200"/>
+            </a:xfrm>
+            <a:prstGeom prst="straightConnector1">
+              <a:avLst/>
+            </a:prstGeom>
+            <a:noFill/>
+            <a:ln w="19050" cap="flat" cmpd="sng">
+              <a:solidFill>
+                <a:schemeClr val="dk1"/>
+              </a:solidFill>
+              <a:prstDash val="solid"/>
+              <a:round/>
+              <a:headEnd type="none" w="med" len="med"/>
+              <a:tailEnd type="diamond" w="med" len="med"/>
+            </a:ln>
+          </p:spPr>
+        </p:cxnSp>
+        <p:cxnSp>
+          <p:nvCxnSpPr>
+            <p:cNvPr id="1348" name="Google Shape;1348;p116"/>
+            <p:cNvCxnSpPr/>
+            <p:nvPr/>
+          </p:nvCxnSpPr>
+          <p:spPr>
+            <a:xfrm flipH="1">
+              <a:off x="6953919" y="3961822"/>
+              <a:ext cx="1377300" cy="376800"/>
+            </a:xfrm>
+            <a:prstGeom prst="straightConnector1">
+              <a:avLst/>
+            </a:prstGeom>
+            <a:noFill/>
+            <a:ln w="19050" cap="flat" cmpd="sng">
+              <a:solidFill>
+                <a:schemeClr val="dk1"/>
+              </a:solidFill>
+              <a:prstDash val="solid"/>
+              <a:round/>
+              <a:headEnd type="diamond" w="med" len="med"/>
+              <a:tailEnd type="diamond" w="med" len="med"/>
+            </a:ln>
+          </p:spPr>
+        </p:cxnSp>
+      </p:grpSp>
+    </p:spTree>
+    <p:extLst>
+      <p:ext uri="{BB962C8B-B14F-4D97-AF65-F5344CB8AC3E}">
+        <p14:creationId xmlns:p14="http://schemas.microsoft.com/office/powerpoint/2010/main" val="1442111964"/>
+      </p:ext>
+    </p:extLst>
+  </p:cSld>
+  <p:clrMapOvr>
+    <a:masterClrMapping/>
+  </p:clrMapOvr>
+  <p:timing>
+    <p:tnLst>
+      <p:par>
+        <p:cTn id="1" dur="indefinite" restart="never" nodeType="tmRoot">
+          <p:childTnLst>
+            <p:seq concurrent="1" nextAc="seek">
+              <p:cTn id="2" dur="indefinite" nodeType="mainSeq">
+                <p:childTnLst>
+                  <p:par>
+                    <p:cTn id="3" fill="hold">
+                      <p:stCondLst>
+                        <p:cond delay="indefinite"/>
+                        <p:cond evt="onBegin" delay="0">
+                          <p:tn val="2"/>
+                        </p:cond>
+                      </p:stCondLst>
+                      <p:childTnLst>
+                        <p:par>
+                          <p:cTn id="4" fill="hold">
+                            <p:stCondLst>
+                              <p:cond delay="0"/>
+                            </p:stCondLst>
+                            <p:childTnLst>
+                              <p:par>
+                                <p:cTn id="5" presetID="10" presetClass="entr" presetSubtype="0" fill="hold" grpId="0" nodeType="afterEffect">
+                                  <p:stCondLst>
+                                    <p:cond delay="0"/>
+                                  </p:stCondLst>
+                                  <p:childTnLst>
+                                    <p:set>
+                                      <p:cBhvr>
+                                        <p:cTn id="6" dur="1" fill="hold">
+                                          <p:stCondLst>
+                                            <p:cond delay="0"/>
+                                          </p:stCondLst>
+                                        </p:cTn>
+                                        <p:tgtEl>
+                                          <p:spTgt spid="1338"/>
+                                        </p:tgtEl>
+                                        <p:attrNameLst>
+                                          <p:attrName>style.visibility</p:attrName>
+                                        </p:attrNameLst>
+                                      </p:cBhvr>
+                                      <p:to>
+                                        <p:strVal val="visible"/>
+                                      </p:to>
+                                    </p:set>
+                                    <p:animEffect transition="in" filter="fade">
+                                      <p:cBhvr>
+                                        <p:cTn id="7" dur="500"/>
+                                        <p:tgtEl>
+                                          <p:spTgt spid="1338"/>
+                                        </p:tgtEl>
+                                      </p:cBhvr>
+                                    </p:animEffect>
+                                  </p:childTnLst>
+                                </p:cTn>
+                              </p:par>
+                              <p:par>
+                                <p:cTn id="8" presetID="10" presetClass="entr" presetSubtype="0" fill="hold" grpId="0" nodeType="withEffect">
+                                  <p:stCondLst>
+                                    <p:cond delay="0"/>
+                                  </p:stCondLst>
+                                  <p:childTnLst>
+                                    <p:set>
+                                      <p:cBhvr>
+                                        <p:cTn id="9" dur="1" fill="hold">
+                                          <p:stCondLst>
+                                            <p:cond delay="0"/>
+                                          </p:stCondLst>
+                                        </p:cTn>
+                                        <p:tgtEl>
+                                          <p:spTgt spid="1339"/>
+                                        </p:tgtEl>
+                                        <p:attrNameLst>
+                                          <p:attrName>style.visibility</p:attrName>
+                                        </p:attrNameLst>
+                                      </p:cBhvr>
+                                      <p:to>
+                                        <p:strVal val="visible"/>
+                                      </p:to>
+                                    </p:set>
+                                    <p:animEffect transition="in" filter="fade">
+                                      <p:cBhvr>
+                                        <p:cTn id="10" dur="500"/>
+                                        <p:tgtEl>
+                                          <p:spTgt spid="1339"/>
+                                        </p:tgtEl>
+                                      </p:cBhvr>
+                                    </p:animEffect>
+                                  </p:childTnLst>
+                                </p:cTn>
+                              </p:par>
+                            </p:childTnLst>
+                          </p:cTn>
+                        </p:par>
+                        <p:par>
+                          <p:cTn id="11" fill="hold">
+                            <p:stCondLst>
+                              <p:cond delay="500"/>
+                            </p:stCondLst>
+                            <p:childTnLst>
+                              <p:par>
+                                <p:cTn id="12" presetID="10" presetClass="entr" presetSubtype="0" fill="hold" grpId="0" nodeType="afterEffect">
+                                  <p:stCondLst>
+                                    <p:cond delay="0"/>
+                                  </p:stCondLst>
+                                  <p:childTnLst>
+                                    <p:set>
+                                      <p:cBhvr>
+                                        <p:cTn id="13" dur="1" fill="hold">
+                                          <p:stCondLst>
+                                            <p:cond delay="0"/>
+                                          </p:stCondLst>
+                                        </p:cTn>
+                                        <p:tgtEl>
+                                          <p:spTgt spid="1336"/>
+                                        </p:tgtEl>
+                                        <p:attrNameLst>
+                                          <p:attrName>style.visibility</p:attrName>
+                                        </p:attrNameLst>
+                                      </p:cBhvr>
+                                      <p:to>
+                                        <p:strVal val="visible"/>
+                                      </p:to>
+                                    </p:set>
+                                    <p:animEffect transition="in" filter="fade">
+                                      <p:cBhvr>
+                                        <p:cTn id="14" dur="500"/>
+                                        <p:tgtEl>
+                                          <p:spTgt spid="1336"/>
+                                        </p:tgtEl>
+                                      </p:cBhvr>
+                                    </p:animEffect>
+                                  </p:childTnLst>
+                                </p:cTn>
+                              </p:par>
+                              <p:par>
+                                <p:cTn id="15" presetID="10" presetClass="entr" presetSubtype="0" fill="hold" grpId="0" nodeType="withEffect">
+                                  <p:stCondLst>
+                                    <p:cond delay="0"/>
+                                  </p:stCondLst>
+                                  <p:childTnLst>
+                                    <p:set>
+                                      <p:cBhvr>
+                                        <p:cTn id="16" dur="1" fill="hold">
+                                          <p:stCondLst>
+                                            <p:cond delay="0"/>
+                                          </p:stCondLst>
+                                        </p:cTn>
+                                        <p:tgtEl>
+                                          <p:spTgt spid="1337"/>
+                                        </p:tgtEl>
+                                        <p:attrNameLst>
+                                          <p:attrName>style.visibility</p:attrName>
+                                        </p:attrNameLst>
+                                      </p:cBhvr>
+                                      <p:to>
+                                        <p:strVal val="visible"/>
+                                      </p:to>
+                                    </p:set>
+                                    <p:animEffect transition="in" filter="fade">
+                                      <p:cBhvr>
+                                        <p:cTn id="17" dur="500"/>
+                                        <p:tgtEl>
+                                          <p:spTgt spid="1337"/>
+                                        </p:tgtEl>
+                                      </p:cBhvr>
+                                    </p:animEffect>
+                                  </p:childTnLst>
+                                </p:cTn>
+                              </p:par>
+                            </p:childTnLst>
+                          </p:cTn>
+                        </p:par>
+                        <p:par>
+                          <p:cTn id="18" fill="hold">
+                            <p:stCondLst>
+                              <p:cond delay="1000"/>
+                            </p:stCondLst>
+                            <p:childTnLst>
+                              <p:par>
+                                <p:cTn id="19" presetID="10" presetClass="entr" presetSubtype="0" fill="hold" grpId="0" nodeType="afterEffect">
+                                  <p:stCondLst>
+                                    <p:cond delay="0"/>
+                                  </p:stCondLst>
+                                  <p:childTnLst>
+                                    <p:set>
+                                      <p:cBhvr>
+                                        <p:cTn id="20" dur="1" fill="hold">
+                                          <p:stCondLst>
+                                            <p:cond delay="0"/>
+                                          </p:stCondLst>
+                                        </p:cTn>
+                                        <p:tgtEl>
+                                          <p:spTgt spid="1340"/>
+                                        </p:tgtEl>
+                                        <p:attrNameLst>
+                                          <p:attrName>style.visibility</p:attrName>
+                                        </p:attrNameLst>
+                                      </p:cBhvr>
+                                      <p:to>
+                                        <p:strVal val="visible"/>
+                                      </p:to>
+                                    </p:set>
+                                    <p:animEffect transition="in" filter="fade">
+                                      <p:cBhvr>
+                                        <p:cTn id="21" dur="500"/>
+                                        <p:tgtEl>
+                                          <p:spTgt spid="1340"/>
+                                        </p:tgtEl>
+                                      </p:cBhvr>
+                                    </p:animEffect>
+                                  </p:childTnLst>
+                                </p:cTn>
+                              </p:par>
+                            </p:childTnLst>
+                          </p:cTn>
+                        </p:par>
+                        <p:par>
+                          <p:cTn id="22" fill="hold">
+                            <p:stCondLst>
+                              <p:cond delay="1500"/>
+                            </p:stCondLst>
+                            <p:childTnLst>
+                              <p:par>
+                                <p:cTn id="23" presetID="10" presetClass="entr" presetSubtype="0" fill="hold" grpId="0" nodeType="afterEffect">
+                                  <p:stCondLst>
+                                    <p:cond delay="0"/>
+                                  </p:stCondLst>
+                                  <p:childTnLst>
+                                    <p:set>
+                                      <p:cBhvr>
+                                        <p:cTn id="24" dur="1" fill="hold">
+                                          <p:stCondLst>
+                                            <p:cond delay="0"/>
+                                          </p:stCondLst>
+                                        </p:cTn>
+                                        <p:tgtEl>
+                                          <p:spTgt spid="1341"/>
+                                        </p:tgtEl>
+                                        <p:attrNameLst>
+                                          <p:attrName>style.visibility</p:attrName>
+                                        </p:attrNameLst>
+                                      </p:cBhvr>
+                                      <p:to>
+                                        <p:strVal val="visible"/>
+                                      </p:to>
+                                    </p:set>
+                                    <p:animEffect transition="in" filter="fade">
+                                      <p:cBhvr>
+                                        <p:cTn id="25" dur="500"/>
+                                        <p:tgtEl>
+                                          <p:spTgt spid="1341"/>
+                                        </p:tgtEl>
+                                      </p:cBhvr>
+                                    </p:animEffect>
+                                  </p:childTnLst>
+                                </p:cTn>
+                              </p:par>
+                            </p:childTnLst>
+                          </p:cTn>
+                        </p:par>
+                        <p:par>
+                          <p:cTn id="26" fill="hold">
+                            <p:stCondLst>
+                              <p:cond delay="2000"/>
+                            </p:stCondLst>
+                            <p:childTnLst>
+                              <p:par>
+                                <p:cTn id="27" presetID="10" presetClass="entr" presetSubtype="0" fill="hold" grpId="0" nodeType="afterEffect">
+                                  <p:stCondLst>
+                                    <p:cond delay="0"/>
+                                  </p:stCondLst>
+                                  <p:childTnLst>
+                                    <p:set>
+                                      <p:cBhvr>
+                                        <p:cTn id="28" dur="1" fill="hold">
+                                          <p:stCondLst>
+                                            <p:cond delay="0"/>
+                                          </p:stCondLst>
+                                        </p:cTn>
+                                        <p:tgtEl>
+                                          <p:spTgt spid="1334"/>
+                                        </p:tgtEl>
+                                        <p:attrNameLst>
+                                          <p:attrName>style.visibility</p:attrName>
+                                        </p:attrNameLst>
+                                      </p:cBhvr>
+                                      <p:to>
+                                        <p:strVal val="visible"/>
+                                      </p:to>
+                                    </p:set>
+                                    <p:animEffect transition="in" filter="fade">
+                                      <p:cBhvr>
+                                        <p:cTn id="29" dur="500"/>
+                                        <p:tgtEl>
+                                          <p:spTgt spid="1334"/>
+                                        </p:tgtEl>
+                                      </p:cBhvr>
+                                    </p:animEffect>
+                                  </p:childTnLst>
+                                </p:cTn>
+                              </p:par>
+                            </p:childTnLst>
+                          </p:cTn>
+                        </p:par>
+                        <p:par>
+                          <p:cTn id="30" fill="hold">
+                            <p:stCondLst>
+                              <p:cond delay="2500"/>
+                            </p:stCondLst>
+                            <p:childTnLst>
+                              <p:par>
+                                <p:cTn id="31" presetID="10" presetClass="entr" presetSubtype="0" fill="hold" grpId="0" nodeType="afterEffect">
+                                  <p:stCondLst>
+                                    <p:cond delay="0"/>
+                                  </p:stCondLst>
+                                  <p:childTnLst>
+                                    <p:set>
+                                      <p:cBhvr>
+                                        <p:cTn id="32" dur="1" fill="hold">
+                                          <p:stCondLst>
+                                            <p:cond delay="0"/>
+                                          </p:stCondLst>
+                                        </p:cTn>
+                                        <p:tgtEl>
+                                          <p:spTgt spid="1335"/>
+                                        </p:tgtEl>
+                                        <p:attrNameLst>
+                                          <p:attrName>style.visibility</p:attrName>
+                                        </p:attrNameLst>
+                                      </p:cBhvr>
+                                      <p:to>
+                                        <p:strVal val="visible"/>
+                                      </p:to>
+                                    </p:set>
+                                    <p:animEffect transition="in" filter="fade">
+                                      <p:cBhvr>
+                                        <p:cTn id="33" dur="500"/>
+                                        <p:tgtEl>
+                                          <p:spTgt spid="1335"/>
+                                        </p:tgtEl>
+                                      </p:cBhvr>
+                                    </p:animEffect>
+                                  </p:childTnLst>
+                                </p:cTn>
+                              </p:par>
+                            </p:childTnLst>
+                          </p:cTn>
+                        </p:par>
+                      </p:childTnLst>
+                    </p:cTn>
+                  </p:par>
+                </p:childTnLst>
+              </p:cTn>
+              <p:prevCondLst>
+                <p:cond evt="onPrev" delay="0">
+                  <p:tgtEl>
+                    <p:sldTgt/>
+                  </p:tgtEl>
+                </p:cond>
+              </p:prevCondLst>
+              <p:nextCondLst>
+                <p:cond evt="onNext" delay="0">
+                  <p:tgtEl>
+                    <p:sldTgt/>
+                  </p:tgtEl>
+                </p:cond>
+              </p:nextCondLst>
+            </p:seq>
+          </p:childTnLst>
+        </p:cTn>
+      </p:par>
+    </p:tnLst>
+    <p:bldLst>
+      <p:bldP spid="1334" grpId="0"/>
+      <p:bldP spid="1335" grpId="0"/>
+      <p:bldP spid="1336" grpId="0"/>
+      <p:bldP spid="1337" grpId="0"/>
+      <p:bldP spid="1338" grpId="0"/>
+      <p:bldP spid="1339" grpId="0"/>
+      <p:bldP spid="1340" grpId="0"/>
+      <p:bldP spid="1341" grpId="0"/>
+    </p:bldLst>
+  </p:timing>
+</p:sld>
+</file>
+
 <file path=ppt/theme/theme1.xml><?xml version="1.0" encoding="utf-8"?>
 <a:theme xmlns:a="http://schemas.openxmlformats.org/drawingml/2006/main" name="Minimalist Grayscale Pitch Deck XL by Slidesgo">
   <a:themeElements>
